--- a/11.24.pptx
+++ b/11.24.pptx
@@ -3242,7 +3242,7 @@
 <dgm:dataModel xmlns:dgm="http://schemas.openxmlformats.org/drawingml/2006/diagram" xmlns:a="http://schemas.openxmlformats.org/drawingml/2006/main">
   <dgm:ptLst>
     <dgm:pt modelId="{82BE73A6-CABF-453B-BC87-8AC80B54A51B}" type="doc">
-      <dgm:prSet loTypeId="urn:microsoft.com/office/officeart/2005/8/layout/default" loCatId="list" qsTypeId="urn:microsoft.com/office/officeart/2005/8/quickstyle/simple4" qsCatId="simple" csTypeId="urn:microsoft.com/office/officeart/2005/8/colors/colorful2" csCatId="colorful"/>
+      <dgm:prSet loTypeId="urn:microsoft.com/office/officeart/2005/8/layout/default" loCatId="list" qsTypeId="urn:microsoft.com/office/officeart/2005/8/quickstyle/simple4" qsCatId="simple" csTypeId="urn:microsoft.com/office/officeart/2005/8/colors/colorful2" csCatId="colorful" phldr="1"/>
       <dgm:spPr/>
       <dgm:t>
         <a:bodyPr/>
@@ -3305,32 +3305,22 @@
         <a:lstStyle/>
         <a:p>
           <a:r>
-            <a:rPr lang="en-US"/>
+            <a:rPr lang="en-US" dirty="0"/>
             <a:t>1.</a:t>
           </a:r>
           <a:r>
-            <a:rPr lang="ja-JP"/>
+            <a:rPr lang="ja-JP" dirty="0"/>
             <a:t>フレームワーク</a:t>
           </a:r>
           <a:r>
-            <a:rPr lang="en-US"/>
-            <a:t>: Bootstrap 5, springboot</a:t>
-          </a:r>
-          <a:br>
-            <a:rPr lang="ja-JP"/>
-          </a:br>
-          <a:r>
-            <a:rPr lang="en-US"/>
-            <a:t>	2. </a:t>
+            <a:rPr lang="en-US" dirty="0"/>
+            <a:t>: Bootstrap 5, </a:t>
           </a:r>
           <a:r>
-            <a:rPr lang="ja-JP"/>
-            <a:t>ライブラリ</a:t>
+            <a:rPr lang="en-US" dirty="0" err="1"/>
+            <a:t>springboot</a:t>
           </a:r>
-          <a:r>
-            <a:rPr lang="en-US"/>
-            <a:t>: Slick slide, Swiper slide, AOS, Jquery</a:t>
-          </a:r>
+          <a:endParaRPr lang="en-US" dirty="0"/>
         </a:p>
       </dgm:t>
     </dgm:pt>
@@ -3492,6 +3482,41 @@
         </a:p>
       </dgm:t>
     </dgm:pt>
+    <dgm:pt modelId="{F56B1B3F-7F25-4FF9-8638-1E1C7872E0FC}">
+      <dgm:prSet/>
+      <dgm:spPr/>
+      <dgm:t>
+        <a:bodyPr/>
+        <a:lstStyle/>
+        <a:p>
+          <a:r>
+            <a:rPr lang="en-US" dirty="0"/>
+            <a:t>2. </a:t>
+          </a:r>
+          <a:r>
+            <a:rPr lang="ja-JP" dirty="0"/>
+            <a:t>ライブラリ</a:t>
+          </a:r>
+          <a:r>
+            <a:rPr lang="en-US" dirty="0"/>
+            <a:t>: Slick slide, Swiper slide, AOS, </a:t>
+          </a:r>
+          <a:r>
+            <a:rPr lang="en-US" dirty="0" err="1"/>
+            <a:t>Jquery</a:t>
+          </a:r>
+          <a:endParaRPr lang="en-US" dirty="0"/>
+        </a:p>
+      </dgm:t>
+    </dgm:pt>
+    <dgm:pt modelId="{B56A9574-FD86-4F57-A8D5-5BD50B2A3421}" type="parTrans" cxnId="{6D0E34D9-1D79-4545-B9E8-6EC4210C3F80}">
+      <dgm:prSet/>
+      <dgm:spPr/>
+    </dgm:pt>
+    <dgm:pt modelId="{38355C2F-BF7C-4977-924F-A4A2AEB1BA16}" type="sibTrans" cxnId="{6D0E34D9-1D79-4545-B9E8-6EC4210C3F80}">
+      <dgm:prSet/>
+      <dgm:spPr/>
+    </dgm:pt>
     <dgm:pt modelId="{9D618BE5-37FB-423A-B398-7894122FCF16}" type="pres">
       <dgm:prSet presAssocID="{82BE73A6-CABF-453B-BC87-8AC80B54A51B}" presName="diagram" presStyleCnt="0">
         <dgm:presLayoutVars>
@@ -3525,11 +3550,13 @@
   <dgm:cxnLst>
     <dgm:cxn modelId="{B1ED1D2C-E21D-41F4-B660-6E6F4BFBC0C0}" type="presOf" srcId="{683E5629-4396-4557-865F-6620EFBDF201}" destId="{C5BB9F51-295C-4DD0-8AFC-CE47165CC0AC}" srcOrd="0" destOrd="0" presId="urn:microsoft.com/office/officeart/2005/8/layout/default"/>
     <dgm:cxn modelId="{EA166177-248F-42DE-9C01-56A1C1C19A23}" type="presOf" srcId="{68242670-0267-4839-9E53-E9F0BE2B5412}" destId="{C5BB9F51-295C-4DD0-8AFC-CE47165CC0AC}" srcOrd="0" destOrd="2" presId="urn:microsoft.com/office/officeart/2005/8/layout/default"/>
+    <dgm:cxn modelId="{13B2769B-A88D-4608-A2C7-9C6E651578F6}" type="presOf" srcId="{F56B1B3F-7F25-4FF9-8638-1E1C7872E0FC}" destId="{4B7FDCEC-7E6E-4EE8-9734-B63EEAA6BD59}" srcOrd="0" destOrd="2" presId="urn:microsoft.com/office/officeart/2005/8/layout/default"/>
     <dgm:cxn modelId="{60E753A3-844B-470B-B736-1F72B3EC0634}" srcId="{1BE52789-3CB8-4A28-BB42-05A1123ADDA9}" destId="{A870C070-C4D4-4123-ADB3-E2095BC7484C}" srcOrd="0" destOrd="0" parTransId="{EF23D280-5090-4376-BA48-0CF807E46FE9}" sibTransId="{9D075990-E69D-4EC0-A563-FB5A2CE0A119}"/>
     <dgm:cxn modelId="{6B781EC4-E909-4AC6-B4FE-D54CE312082F}" srcId="{82BE73A6-CABF-453B-BC87-8AC80B54A51B}" destId="{683E5629-4396-4557-865F-6620EFBDF201}" srcOrd="1" destOrd="0" parTransId="{CC4B47DE-9E5B-4FC3-AAB5-6841C0B3A9D8}" sibTransId="{B7B9AC98-A7A8-412E-8757-DE34D8E34AAF}"/>
     <dgm:cxn modelId="{E73EB8C5-7BCE-4055-A8EF-A1803C9232C1}" type="presOf" srcId="{D0164FB9-4373-4698-8965-5BF896E76814}" destId="{C5BB9F51-295C-4DD0-8AFC-CE47165CC0AC}" srcOrd="0" destOrd="1" presId="urn:microsoft.com/office/officeart/2005/8/layout/default"/>
     <dgm:cxn modelId="{414494CE-A634-404E-9BB2-FEBFE65672AC}" type="presOf" srcId="{1BE52789-3CB8-4A28-BB42-05A1123ADDA9}" destId="{4B7FDCEC-7E6E-4EE8-9734-B63EEAA6BD59}" srcOrd="0" destOrd="0" presId="urn:microsoft.com/office/officeart/2005/8/layout/default"/>
     <dgm:cxn modelId="{CEC450D2-B89C-4472-9E75-FBECD8788AF4}" srcId="{82BE73A6-CABF-453B-BC87-8AC80B54A51B}" destId="{1BE52789-3CB8-4A28-BB42-05A1123ADDA9}" srcOrd="0" destOrd="0" parTransId="{81434912-828B-4CAC-B605-3F2F8B1C4761}" sibTransId="{7C3EB6AE-F60F-4824-AB79-9DC73B961AB1}"/>
+    <dgm:cxn modelId="{6D0E34D9-1D79-4545-B9E8-6EC4210C3F80}" srcId="{1BE52789-3CB8-4A28-BB42-05A1123ADDA9}" destId="{F56B1B3F-7F25-4FF9-8638-1E1C7872E0FC}" srcOrd="1" destOrd="0" parTransId="{B56A9574-FD86-4F57-A8D5-5BD50B2A3421}" sibTransId="{38355C2F-BF7C-4977-924F-A4A2AEB1BA16}"/>
     <dgm:cxn modelId="{DAC72CDD-1C71-4843-ABA2-3E240C958D09}" srcId="{683E5629-4396-4557-865F-6620EFBDF201}" destId="{D0164FB9-4373-4698-8965-5BF896E76814}" srcOrd="0" destOrd="0" parTransId="{F9048C46-28AA-4FBF-BEAC-FC7621F1FA59}" sibTransId="{E0C57F9F-3F5A-496A-8A4D-0D936266DB9F}"/>
     <dgm:cxn modelId="{853058DF-2661-4733-9514-583F98C6DAFB}" type="presOf" srcId="{82BE73A6-CABF-453B-BC87-8AC80B54A51B}" destId="{9D618BE5-37FB-423A-B398-7894122FCF16}" srcOrd="0" destOrd="0" presId="urn:microsoft.com/office/officeart/2005/8/layout/default"/>
     <dgm:cxn modelId="{8954B0E7-EB7F-4339-A65C-68F79D2C4313}" srcId="{683E5629-4396-4557-865F-6620EFBDF201}" destId="{68242670-0267-4839-9E53-E9F0BE2B5412}" srcOrd="1" destOrd="0" parTransId="{B7C78D62-9D16-4C81-9760-585690577A83}" sibTransId="{CC811575-C3A7-409C-9113-98E1C1950052}"/>
@@ -4917,12 +4944,12 @@
         </a:fontRef>
       </dsp:style>
       <dsp:txBody>
-        <a:bodyPr spcFirstLastPara="0" vert="horz" wrap="square" lIns="118110" tIns="118110" rIns="118110" bIns="118110" numCol="1" spcCol="1270" anchor="t" anchorCtr="0">
+        <a:bodyPr spcFirstLastPara="0" vert="horz" wrap="square" lIns="125730" tIns="125730" rIns="125730" bIns="125730" numCol="1" spcCol="1270" anchor="t" anchorCtr="0">
           <a:noAutofit/>
         </a:bodyPr>
         <a:lstStyle/>
         <a:p>
-          <a:pPr marL="0" lvl="0" indent="0" algn="l" defTabSz="1377950">
+          <a:pPr marL="0" lvl="0" indent="0" algn="l" defTabSz="1466850">
             <a:lnSpc>
               <a:spcPct val="90000"/>
             </a:lnSpc>
@@ -4935,21 +4962,21 @@
             <a:buNone/>
           </a:pPr>
           <a:r>
-            <a:rPr lang="ja-JP" sz="3100" kern="1200"/>
+            <a:rPr lang="ja-JP" sz="3300" kern="1200"/>
             <a:t>技術</a:t>
           </a:r>
           <a:r>
-            <a:rPr lang="en-US" sz="3100" kern="1200"/>
+            <a:rPr lang="en-US" sz="3300" kern="1200"/>
             <a:t>:</a:t>
           </a:r>
           <a:r>
-            <a:rPr lang="ja-JP" sz="3100" kern="1200"/>
+            <a:rPr lang="ja-JP" sz="3300" kern="1200"/>
             <a:t>　</a:t>
           </a:r>
-          <a:endParaRPr lang="en-US" sz="3100" kern="1200"/>
+          <a:endParaRPr lang="en-US" sz="3300" kern="1200"/>
         </a:p>
         <a:p>
-          <a:pPr marL="228600" lvl="1" indent="-228600" algn="l" defTabSz="1066800">
+          <a:pPr marL="228600" lvl="1" indent="-228600" algn="l" defTabSz="1155700">
             <a:lnSpc>
               <a:spcPct val="90000"/>
             </a:lnSpc>
@@ -4962,32 +4989,53 @@
             <a:buChar char="•"/>
           </a:pPr>
           <a:r>
-            <a:rPr lang="en-US" sz="2400" kern="1200"/>
+            <a:rPr lang="en-US" sz="2600" kern="1200" dirty="0"/>
             <a:t>1.</a:t>
           </a:r>
           <a:r>
-            <a:rPr lang="ja-JP" sz="2400" kern="1200"/>
+            <a:rPr lang="ja-JP" sz="2600" kern="1200" dirty="0"/>
             <a:t>フレームワーク</a:t>
           </a:r>
           <a:r>
-            <a:rPr lang="en-US" sz="2400" kern="1200"/>
-            <a:t>: Bootstrap 5, springboot</a:t>
-          </a:r>
-          <a:br>
-            <a:rPr lang="ja-JP" sz="2400" kern="1200"/>
-          </a:br>
-          <a:r>
-            <a:rPr lang="en-US" sz="2400" kern="1200"/>
-            <a:t>	2. </a:t>
+            <a:rPr lang="en-US" sz="2600" kern="1200" dirty="0"/>
+            <a:t>: Bootstrap 5, </a:t>
           </a:r>
           <a:r>
-            <a:rPr lang="ja-JP" sz="2400" kern="1200"/>
+            <a:rPr lang="en-US" sz="2600" kern="1200" dirty="0" err="1"/>
+            <a:t>springboot</a:t>
+          </a:r>
+          <a:endParaRPr lang="en-US" sz="2600" kern="1200" dirty="0"/>
+        </a:p>
+        <a:p>
+          <a:pPr marL="228600" lvl="1" indent="-228600" algn="l" defTabSz="1155700">
+            <a:lnSpc>
+              <a:spcPct val="90000"/>
+            </a:lnSpc>
+            <a:spcBef>
+              <a:spcPct val="0"/>
+            </a:spcBef>
+            <a:spcAft>
+              <a:spcPct val="15000"/>
+            </a:spcAft>
+            <a:buChar char="•"/>
+          </a:pPr>
+          <a:r>
+            <a:rPr lang="en-US" sz="2600" kern="1200" dirty="0"/>
+            <a:t>2. </a:t>
+          </a:r>
+          <a:r>
+            <a:rPr lang="ja-JP" sz="2600" kern="1200" dirty="0"/>
             <a:t>ライブラリ</a:t>
           </a:r>
           <a:r>
-            <a:rPr lang="en-US" sz="2400" kern="1200"/>
-            <a:t>: Slick slide, Swiper slide, AOS, Jquery</a:t>
+            <a:rPr lang="en-US" sz="2600" kern="1200" dirty="0"/>
+            <a:t>: Slick slide, Swiper slide, AOS, </a:t>
           </a:r>
+          <a:r>
+            <a:rPr lang="en-US" sz="2600" kern="1200" dirty="0" err="1"/>
+            <a:t>Jquery</a:t>
+          </a:r>
+          <a:endParaRPr lang="en-US" sz="2600" kern="1200" dirty="0"/>
         </a:p>
       </dsp:txBody>
       <dsp:txXfrm>
@@ -5072,12 +5120,12 @@
         </a:fontRef>
       </dsp:style>
       <dsp:txBody>
-        <a:bodyPr spcFirstLastPara="0" vert="horz" wrap="square" lIns="118110" tIns="118110" rIns="118110" bIns="118110" numCol="1" spcCol="1270" anchor="t" anchorCtr="0">
+        <a:bodyPr spcFirstLastPara="0" vert="horz" wrap="square" lIns="125730" tIns="125730" rIns="125730" bIns="125730" numCol="1" spcCol="1270" anchor="t" anchorCtr="0">
           <a:noAutofit/>
         </a:bodyPr>
         <a:lstStyle/>
         <a:p>
-          <a:pPr marL="0" lvl="0" indent="0" algn="l" defTabSz="1377950">
+          <a:pPr marL="0" lvl="0" indent="0" algn="l" defTabSz="1466850">
             <a:lnSpc>
               <a:spcPct val="90000"/>
             </a:lnSpc>
@@ -5090,21 +5138,21 @@
             <a:buNone/>
           </a:pPr>
           <a:r>
-            <a:rPr lang="ja-JP" sz="3100" kern="1200"/>
+            <a:rPr lang="ja-JP" sz="3300" kern="1200"/>
             <a:t>デザイン</a:t>
           </a:r>
           <a:r>
-            <a:rPr lang="en-US" sz="3100" kern="1200"/>
+            <a:rPr lang="en-US" sz="3300" kern="1200"/>
             <a:t>:</a:t>
           </a:r>
           <a:r>
-            <a:rPr lang="ja-JP" sz="3100" kern="1200"/>
+            <a:rPr lang="ja-JP" sz="3300" kern="1200"/>
             <a:t>　</a:t>
           </a:r>
-          <a:endParaRPr lang="en-US" sz="3100" kern="1200"/>
+          <a:endParaRPr lang="en-US" sz="3300" kern="1200"/>
         </a:p>
         <a:p>
-          <a:pPr marL="228600" lvl="1" indent="-228600" algn="l" defTabSz="1066800">
+          <a:pPr marL="228600" lvl="1" indent="-228600" algn="l" defTabSz="1155700">
             <a:lnSpc>
               <a:spcPct val="90000"/>
             </a:lnSpc>
@@ -5117,31 +5165,31 @@
             <a:buChar char="•"/>
           </a:pPr>
           <a:r>
-            <a:rPr lang="ja-JP" sz="2400" kern="1200"/>
+            <a:rPr lang="ja-JP" sz="2600" kern="1200"/>
             <a:t>レスポンシブ</a:t>
           </a:r>
           <a:r>
-            <a:rPr lang="en-US" sz="2400" kern="1200"/>
+            <a:rPr lang="en-US" sz="2600" kern="1200"/>
             <a:t>WEB</a:t>
           </a:r>
           <a:r>
-            <a:rPr lang="ja-JP" sz="2400" kern="1200"/>
+            <a:rPr lang="ja-JP" sz="2600" kern="1200"/>
             <a:t>デザイン</a:t>
           </a:r>
           <a:br>
-            <a:rPr lang="en-US" sz="2400" kern="1200"/>
+            <a:rPr lang="en-US" sz="2600" kern="1200"/>
           </a:br>
           <a:br>
-            <a:rPr lang="en-US" sz="2400" kern="1200"/>
+            <a:rPr lang="en-US" sz="2600" kern="1200"/>
           </a:br>
           <a:r>
-            <a:rPr lang="ja-JP" sz="2400" kern="1200"/>
+            <a:rPr lang="ja-JP" sz="2600" kern="1200"/>
             <a:t>その他：</a:t>
           </a:r>
-          <a:endParaRPr lang="en-US" sz="2400" kern="1200"/>
+          <a:endParaRPr lang="en-US" sz="2600" kern="1200"/>
         </a:p>
         <a:p>
-          <a:pPr marL="228600" lvl="1" indent="-228600" algn="l" defTabSz="1066800">
+          <a:pPr marL="228600" lvl="1" indent="-228600" algn="l" defTabSz="1155700">
             <a:lnSpc>
               <a:spcPct val="90000"/>
             </a:lnSpc>
@@ -5154,7 +5202,7 @@
             <a:buChar char="•"/>
           </a:pPr>
           <a:r>
-            <a:rPr lang="en-US" sz="2400" kern="1200"/>
+            <a:rPr lang="en-US" sz="2600" kern="1200"/>
             <a:t>MySQL,maven</a:t>
           </a:r>
         </a:p>
@@ -15672,7 +15720,7 @@
             <p:ph idx="1"/>
             <p:extLst>
               <p:ext uri="{D42A27DB-BD31-4B8C-83A1-F6EECF244321}">
-                <p14:modId xmlns:p14="http://schemas.microsoft.com/office/powerpoint/2010/main" val="1809246880"/>
+                <p14:modId xmlns:p14="http://schemas.microsoft.com/office/powerpoint/2010/main" val="3669090209"/>
               </p:ext>
             </p:extLst>
           </p:nvPr>

--- a/11.24.pptx
+++ b/11.24.pptx
@@ -2,18 +2,17 @@
 <file path=ppt/presentation.xml><?xml version="1.0" encoding="utf-8"?>
 <p:presentation xmlns:a="http://schemas.openxmlformats.org/drawingml/2006/main" xmlns:r="http://schemas.openxmlformats.org/officeDocument/2006/relationships" xmlns:p="http://schemas.openxmlformats.org/presentationml/2006/main" saveSubsetFonts="1">
   <p:sldMasterIdLst>
-    <p:sldMasterId id="2147483846" r:id="rId1"/>
+    <p:sldMasterId id="2147483864" r:id="rId1"/>
   </p:sldMasterIdLst>
   <p:sldIdLst>
     <p:sldId id="279" r:id="rId2"/>
     <p:sldId id="264" r:id="rId3"/>
     <p:sldId id="275" r:id="rId4"/>
-    <p:sldId id="265" r:id="rId5"/>
-    <p:sldId id="276" r:id="rId6"/>
-    <p:sldId id="277" r:id="rId7"/>
-    <p:sldId id="274" r:id="rId8"/>
+    <p:sldId id="274" r:id="rId5"/>
+    <p:sldId id="265" r:id="rId6"/>
+    <p:sldId id="276" r:id="rId7"/>
+    <p:sldId id="277" r:id="rId8"/>
     <p:sldId id="278" r:id="rId9"/>
-    <p:sldId id="259" r:id="rId10"/>
   </p:sldIdLst>
   <p:sldSz cx="12192000" cy="6858000"/>
   <p:notesSz cx="6858000" cy="9144000"/>
@@ -2607,44 +2606,7 @@
 <dgm:dataModel xmlns:dgm="http://schemas.openxmlformats.org/drawingml/2006/diagram" xmlns:a="http://schemas.openxmlformats.org/drawingml/2006/main">
   <dgm:ptLst>
     <dgm:pt modelId="{AC034E4E-5F8D-45C1-B597-D8A7BD5561B8}" type="doc">
-      <dgm:prSet loTypeId="urn:microsoft.com/office/officeart/2005/8/layout/vList2" loCatId="list" qsTypeId="urn:microsoft.com/office/officeart/2005/8/quickstyle/simple4" qsCatId="simple" csTypeId="urn:microsoft.com/office/officeart/2005/8/colors/colorful2" csCatId="colorful"/>
-      <dgm:spPr/>
-      <dgm:t>
-        <a:bodyPr/>
-        <a:lstStyle/>
-        <a:p>
-          <a:endParaRPr lang="en-US"/>
-        </a:p>
-      </dgm:t>
-    </dgm:pt>
-    <dgm:pt modelId="{396E86DA-96B5-4C61-B975-861D17DD4FC3}">
-      <dgm:prSet/>
-      <dgm:spPr/>
-      <dgm:t>
-        <a:bodyPr/>
-        <a:lstStyle/>
-        <a:p>
-          <a:r>
-            <a:rPr kumimoji="1" lang="ja-JP"/>
-            <a:t>概要</a:t>
-          </a:r>
-          <a:endParaRPr lang="en-US"/>
-        </a:p>
-      </dgm:t>
-    </dgm:pt>
-    <dgm:pt modelId="{5B19A940-589E-428D-B2BC-13BAED3A00F6}" type="parTrans" cxnId="{C6740E01-A5D5-43D4-88AD-D87A2C1AADA7}">
-      <dgm:prSet/>
-      <dgm:spPr/>
-      <dgm:t>
-        <a:bodyPr/>
-        <a:lstStyle/>
-        <a:p>
-          <a:endParaRPr lang="en-US"/>
-        </a:p>
-      </dgm:t>
-    </dgm:pt>
-    <dgm:pt modelId="{8CEAAA2A-7CCE-4CE1-B5CA-EA4BE1319960}" type="sibTrans" cxnId="{C6740E01-A5D5-43D4-88AD-D87A2C1AADA7}">
-      <dgm:prSet/>
+      <dgm:prSet loTypeId="urn:microsoft.com/office/officeart/2005/8/layout/vList2" loCatId="list" qsTypeId="urn:microsoft.com/office/officeart/2005/8/quickstyle/simple4" qsCatId="simple" csTypeId="urn:microsoft.com/office/officeart/2005/8/colors/colorful2" csCatId="colorful" phldr="1"/>
       <dgm:spPr/>
       <dgm:t>
         <a:bodyPr/>
@@ -2662,10 +2624,10 @@
         <a:lstStyle/>
         <a:p>
           <a:r>
-            <a:rPr lang="ja-JP"/>
-            <a:t>想定するユーザー</a:t>
+            <a:rPr kumimoji="1" lang="ja-JP" dirty="0"/>
+            <a:t>作品の内容</a:t>
           </a:r>
-          <a:endParaRPr lang="en-US"/>
+          <a:endParaRPr lang="en-US" dirty="0"/>
         </a:p>
       </dgm:t>
     </dgm:pt>
@@ -2699,10 +2661,10 @@
         <a:lstStyle/>
         <a:p>
           <a:r>
-            <a:rPr lang="ja-JP"/>
-            <a:t>開発環境</a:t>
+            <a:rPr lang="ja-JP" dirty="0"/>
+            <a:t>想定するユーザー</a:t>
           </a:r>
-          <a:endParaRPr lang="en-US"/>
+          <a:endParaRPr lang="en-US" dirty="0"/>
         </a:p>
       </dgm:t>
     </dgm:pt>
@@ -2736,10 +2698,10 @@
         <a:lstStyle/>
         <a:p>
           <a:r>
-            <a:rPr kumimoji="1" lang="ja-JP"/>
-            <a:t>作品の特徴</a:t>
+            <a:rPr lang="ja-JP" dirty="0"/>
+            <a:t>開発環境</a:t>
           </a:r>
-          <a:endParaRPr lang="en-US"/>
+          <a:endParaRPr lang="en-US" dirty="0"/>
         </a:p>
       </dgm:t>
     </dgm:pt>
@@ -2765,7 +2727,7 @@
         </a:p>
       </dgm:t>
     </dgm:pt>
-    <dgm:pt modelId="{64EC70EB-E6D2-4C81-AB40-2F089C2F9706}">
+    <dgm:pt modelId="{D4EB55F8-9B31-4CB2-B285-056846772E0A}">
       <dgm:prSet/>
       <dgm:spPr/>
       <dgm:t>
@@ -2774,31 +2736,68 @@
         <a:p>
           <a:r>
             <a:rPr kumimoji="1" lang="ja-JP"/>
-            <a:t>作品の内容</a:t>
+            <a:t>作品の特徴</a:t>
           </a:r>
-          <a:endParaRPr lang="en-US"/>
+          <a:endParaRPr kumimoji="1" lang="ja-JP" altLang="en-US"/>
         </a:p>
       </dgm:t>
     </dgm:pt>
-    <dgm:pt modelId="{B4874B98-2140-4316-A443-5A17DB762010}" type="parTrans" cxnId="{65D77B56-0F1A-43D8-A7D5-122D963D4AFF}">
+    <dgm:pt modelId="{2BD5FE98-7CA6-45F4-8952-370FDD98A53C}" type="parTrans" cxnId="{B279E2B1-6E3C-43EB-B581-B854C3C565DE}">
       <dgm:prSet/>
       <dgm:spPr/>
       <dgm:t>
         <a:bodyPr/>
         <a:lstStyle/>
         <a:p>
-          <a:endParaRPr lang="en-US"/>
+          <a:endParaRPr kumimoji="1" lang="ja-JP" altLang="en-US"/>
         </a:p>
       </dgm:t>
     </dgm:pt>
-    <dgm:pt modelId="{245B365A-B5DD-450C-AB72-422AA3996590}" type="sibTrans" cxnId="{65D77B56-0F1A-43D8-A7D5-122D963D4AFF}">
+    <dgm:pt modelId="{7615EB9B-38B3-468D-909A-A6AFC95D4A4F}" type="sibTrans" cxnId="{B279E2B1-6E3C-43EB-B581-B854C3C565DE}">
       <dgm:prSet/>
       <dgm:spPr/>
       <dgm:t>
         <a:bodyPr/>
         <a:lstStyle/>
         <a:p>
-          <a:endParaRPr lang="en-US"/>
+          <a:endParaRPr kumimoji="1" lang="ja-JP" altLang="en-US"/>
+        </a:p>
+      </dgm:t>
+    </dgm:pt>
+    <dgm:pt modelId="{85F15A69-31B3-4D47-A88B-967927FBD749}">
+      <dgm:prSet/>
+      <dgm:spPr/>
+      <dgm:t>
+        <a:bodyPr/>
+        <a:lstStyle/>
+        <a:p>
+          <a:r>
+            <a:rPr kumimoji="1" lang="ja-JP"/>
+            <a:t>概要</a:t>
+          </a:r>
+          <a:endParaRPr kumimoji="1" lang="ja-JP" altLang="en-US"/>
+        </a:p>
+      </dgm:t>
+    </dgm:pt>
+    <dgm:pt modelId="{B0D729B9-52E3-45EA-97E8-347641C8881F}" type="parTrans" cxnId="{B0E5DBBB-0C21-4F4D-8B37-2F87AE378B22}">
+      <dgm:prSet/>
+      <dgm:spPr/>
+      <dgm:t>
+        <a:bodyPr/>
+        <a:lstStyle/>
+        <a:p>
+          <a:endParaRPr kumimoji="1" lang="ja-JP" altLang="en-US"/>
+        </a:p>
+      </dgm:t>
+    </dgm:pt>
+    <dgm:pt modelId="{B87DB0F2-DF17-43B0-B9C8-8B7DA1745623}" type="sibTrans" cxnId="{B0E5DBBB-0C21-4F4D-8B37-2F87AE378B22}">
+      <dgm:prSet/>
+      <dgm:spPr/>
+      <dgm:t>
+        <a:bodyPr/>
+        <a:lstStyle/>
+        <a:p>
+          <a:endParaRPr kumimoji="1" lang="ja-JP" altLang="en-US"/>
         </a:p>
       </dgm:t>
     </dgm:pt>
@@ -2811,8 +2810,8 @@
       </dgm:prSet>
       <dgm:spPr/>
     </dgm:pt>
-    <dgm:pt modelId="{7BA8E8B5-7394-4E05-97E9-5B4BA1A197DD}" type="pres">
-      <dgm:prSet presAssocID="{396E86DA-96B5-4C61-B975-861D17DD4FC3}" presName="parentText" presStyleLbl="node1" presStyleIdx="0" presStyleCnt="5">
+    <dgm:pt modelId="{CEB34291-87C3-4093-BC57-0B3C41736C6E}" type="pres">
+      <dgm:prSet presAssocID="{85F15A69-31B3-4D47-A88B-967927FBD749}" presName="parentText" presStyleLbl="node1" presStyleIdx="0" presStyleCnt="5">
         <dgm:presLayoutVars>
           <dgm:chMax val="0"/>
           <dgm:bulletEnabled val="1"/>
@@ -2820,8 +2819,8 @@
       </dgm:prSet>
       <dgm:spPr/>
     </dgm:pt>
-    <dgm:pt modelId="{ACC44DFC-809A-4DDE-9CD4-F697EA706C0E}" type="pres">
-      <dgm:prSet presAssocID="{8CEAAA2A-7CCE-4CE1-B5CA-EA4BE1319960}" presName="spacer" presStyleCnt="0"/>
+    <dgm:pt modelId="{104F5B88-6290-4A93-AB66-758B47AEDE14}" type="pres">
+      <dgm:prSet presAssocID="{B87DB0F2-DF17-43B0-B9C8-8B7DA1745623}" presName="spacer" presStyleCnt="0"/>
       <dgm:spPr/>
     </dgm:pt>
     <dgm:pt modelId="{DF7AF1D8-1DC6-45F4-A1CD-09DE833186A6}" type="pres">
@@ -2863,8 +2862,8 @@
       <dgm:prSet presAssocID="{F6434DBA-3B76-4F83-BB8B-4B960D26E427}" presName="spacer" presStyleCnt="0"/>
       <dgm:spPr/>
     </dgm:pt>
-    <dgm:pt modelId="{8B94F492-3FB5-4F56-BF8B-1CF836A57B9A}" type="pres">
-      <dgm:prSet presAssocID="{64EC70EB-E6D2-4C81-AB40-2F089C2F9706}" presName="parentText" presStyleLbl="node1" presStyleIdx="4" presStyleCnt="5">
+    <dgm:pt modelId="{107AC5F6-5293-4ED6-A34A-9E7023495A8D}" type="pres">
+      <dgm:prSet presAssocID="{D4EB55F8-9B31-4CB2-B285-056846772E0A}" presName="parentText" presStyleLbl="node1" presStyleIdx="4" presStyleCnt="5">
         <dgm:presLayoutVars>
           <dgm:chMax val="0"/>
           <dgm:bulletEnabled val="1"/>
@@ -2874,26 +2873,26 @@
     </dgm:pt>
   </dgm:ptLst>
   <dgm:cxnLst>
-    <dgm:cxn modelId="{C6740E01-A5D5-43D4-88AD-D87A2C1AADA7}" srcId="{AC034E4E-5F8D-45C1-B597-D8A7BD5561B8}" destId="{396E86DA-96B5-4C61-B975-861D17DD4FC3}" srcOrd="0" destOrd="0" parTransId="{5B19A940-589E-428D-B2BC-13BAED3A00F6}" sibTransId="{8CEAAA2A-7CCE-4CE1-B5CA-EA4BE1319960}"/>
     <dgm:cxn modelId="{9A30CB0F-8249-4AB4-BFA4-28C9FF7069C8}" type="presOf" srcId="{AC034E4E-5F8D-45C1-B597-D8A7BD5561B8}" destId="{574B07F9-F424-4B28-9935-8E7D6CD89BC3}" srcOrd="0" destOrd="0" presId="urn:microsoft.com/office/officeart/2005/8/layout/vList2"/>
+    <dgm:cxn modelId="{57BC3230-7A47-4EBE-9138-847E0EC6E7C3}" type="presOf" srcId="{85F15A69-31B3-4D47-A88B-967927FBD749}" destId="{CEB34291-87C3-4093-BC57-0B3C41736C6E}" srcOrd="0" destOrd="0" presId="urn:microsoft.com/office/officeart/2005/8/layout/vList2"/>
     <dgm:cxn modelId="{F112B933-23B9-48F6-B4ED-E3EE688E6A9E}" type="presOf" srcId="{87DDE7BC-12DD-4F15-80C1-AFEDB7235950}" destId="{78EE9AC0-976A-40BC-8676-04CAD72ABD70}" srcOrd="0" destOrd="0" presId="urn:microsoft.com/office/officeart/2005/8/layout/vList2"/>
     <dgm:cxn modelId="{37917473-8F1E-4584-B1A6-0A746D6B48EE}" srcId="{AC034E4E-5F8D-45C1-B597-D8A7BD5561B8}" destId="{87DDE7BC-12DD-4F15-80C1-AFEDB7235950}" srcOrd="3" destOrd="0" parTransId="{089C153F-260C-428F-8C10-58423A264E28}" sibTransId="{F6434DBA-3B76-4F83-BB8B-4B960D26E427}"/>
-    <dgm:cxn modelId="{65D77B56-0F1A-43D8-A7D5-122D963D4AFF}" srcId="{AC034E4E-5F8D-45C1-B597-D8A7BD5561B8}" destId="{64EC70EB-E6D2-4C81-AB40-2F089C2F9706}" srcOrd="4" destOrd="0" parTransId="{B4874B98-2140-4316-A443-5A17DB762010}" sibTransId="{245B365A-B5DD-450C-AB72-422AA3996590}"/>
     <dgm:cxn modelId="{A8845477-6F81-4632-B30A-87DB8EE6936C}" type="presOf" srcId="{5634D33E-7241-47DC-A502-3130FCD13122}" destId="{DF7AF1D8-1DC6-45F4-A1CD-09DE833186A6}" srcOrd="0" destOrd="0" presId="urn:microsoft.com/office/officeart/2005/8/layout/vList2"/>
-    <dgm:cxn modelId="{1C2E209F-1311-4418-A7C2-2BCA301F0B3A}" type="presOf" srcId="{396E86DA-96B5-4C61-B975-861D17DD4FC3}" destId="{7BA8E8B5-7394-4E05-97E9-5B4BA1A197DD}" srcOrd="0" destOrd="0" presId="urn:microsoft.com/office/officeart/2005/8/layout/vList2"/>
     <dgm:cxn modelId="{76804FA5-E71A-4C1B-A829-3C92B7A5FC75}" srcId="{AC034E4E-5F8D-45C1-B597-D8A7BD5561B8}" destId="{4A6F1F7E-A551-4845-B4DB-B3FFFEB1B455}" srcOrd="2" destOrd="0" parTransId="{E4CD82AB-8B57-4BFE-A9C5-61E9F4C7E81B}" sibTransId="{2030FF4D-1AB8-4427-B19E-73DBDEF57013}"/>
     <dgm:cxn modelId="{1B3A86A8-F9AC-4895-B42B-6406B38E530E}" srcId="{AC034E4E-5F8D-45C1-B597-D8A7BD5561B8}" destId="{5634D33E-7241-47DC-A502-3130FCD13122}" srcOrd="1" destOrd="0" parTransId="{4790627D-E353-43B9-95EA-75AE26DFFB77}" sibTransId="{7C648155-2613-4A2A-942D-A5B77AD9A007}"/>
-    <dgm:cxn modelId="{B52F40AB-3D6E-4206-8A45-6E9B407C2837}" type="presOf" srcId="{64EC70EB-E6D2-4C81-AB40-2F089C2F9706}" destId="{8B94F492-3FB5-4F56-BF8B-1CF836A57B9A}" srcOrd="0" destOrd="0" presId="urn:microsoft.com/office/officeart/2005/8/layout/vList2"/>
+    <dgm:cxn modelId="{50A8EFAE-D9E7-4C15-AD00-CC70FE21FD64}" type="presOf" srcId="{D4EB55F8-9B31-4CB2-B285-056846772E0A}" destId="{107AC5F6-5293-4ED6-A34A-9E7023495A8D}" srcOrd="0" destOrd="0" presId="urn:microsoft.com/office/officeart/2005/8/layout/vList2"/>
+    <dgm:cxn modelId="{B279E2B1-6E3C-43EB-B581-B854C3C565DE}" srcId="{AC034E4E-5F8D-45C1-B597-D8A7BD5561B8}" destId="{D4EB55F8-9B31-4CB2-B285-056846772E0A}" srcOrd="4" destOrd="0" parTransId="{2BD5FE98-7CA6-45F4-8952-370FDD98A53C}" sibTransId="{7615EB9B-38B3-468D-909A-A6AFC95D4A4F}"/>
+    <dgm:cxn modelId="{B0E5DBBB-0C21-4F4D-8B37-2F87AE378B22}" srcId="{AC034E4E-5F8D-45C1-B597-D8A7BD5561B8}" destId="{85F15A69-31B3-4D47-A88B-967927FBD749}" srcOrd="0" destOrd="0" parTransId="{B0D729B9-52E3-45EA-97E8-347641C8881F}" sibTransId="{B87DB0F2-DF17-43B0-B9C8-8B7DA1745623}"/>
     <dgm:cxn modelId="{D16237FF-0F3C-4C75-9266-F0641C7B1C4B}" type="presOf" srcId="{4A6F1F7E-A551-4845-B4DB-B3FFFEB1B455}" destId="{E7EB9030-A57D-4025-869E-B14663B06204}" srcOrd="0" destOrd="0" presId="urn:microsoft.com/office/officeart/2005/8/layout/vList2"/>
-    <dgm:cxn modelId="{ABABE568-0621-46A6-94A1-2CADB30D400A}" type="presParOf" srcId="{574B07F9-F424-4B28-9935-8E7D6CD89BC3}" destId="{7BA8E8B5-7394-4E05-97E9-5B4BA1A197DD}" srcOrd="0" destOrd="0" presId="urn:microsoft.com/office/officeart/2005/8/layout/vList2"/>
-    <dgm:cxn modelId="{072BAF6A-0560-4C82-920F-362AB3398A25}" type="presParOf" srcId="{574B07F9-F424-4B28-9935-8E7D6CD89BC3}" destId="{ACC44DFC-809A-4DDE-9CD4-F697EA706C0E}" srcOrd="1" destOrd="0" presId="urn:microsoft.com/office/officeart/2005/8/layout/vList2"/>
+    <dgm:cxn modelId="{47901345-779C-4287-8018-63EF150E050F}" type="presParOf" srcId="{574B07F9-F424-4B28-9935-8E7D6CD89BC3}" destId="{CEB34291-87C3-4093-BC57-0B3C41736C6E}" srcOrd="0" destOrd="0" presId="urn:microsoft.com/office/officeart/2005/8/layout/vList2"/>
+    <dgm:cxn modelId="{BE87DA2A-AA22-46E4-BD82-7465A6EB492F}" type="presParOf" srcId="{574B07F9-F424-4B28-9935-8E7D6CD89BC3}" destId="{104F5B88-6290-4A93-AB66-758B47AEDE14}" srcOrd="1" destOrd="0" presId="urn:microsoft.com/office/officeart/2005/8/layout/vList2"/>
     <dgm:cxn modelId="{E44C6EB2-6D62-4BF9-9E91-A1A84A2DCF0F}" type="presParOf" srcId="{574B07F9-F424-4B28-9935-8E7D6CD89BC3}" destId="{DF7AF1D8-1DC6-45F4-A1CD-09DE833186A6}" srcOrd="2" destOrd="0" presId="urn:microsoft.com/office/officeart/2005/8/layout/vList2"/>
     <dgm:cxn modelId="{2286FC6C-4686-4756-A7B3-05EAA46B5510}" type="presParOf" srcId="{574B07F9-F424-4B28-9935-8E7D6CD89BC3}" destId="{8282AB73-E4B0-471D-8808-7A4413A63690}" srcOrd="3" destOrd="0" presId="urn:microsoft.com/office/officeart/2005/8/layout/vList2"/>
     <dgm:cxn modelId="{C5CA09C9-C022-4FD1-8B21-E101BBA29D78}" type="presParOf" srcId="{574B07F9-F424-4B28-9935-8E7D6CD89BC3}" destId="{E7EB9030-A57D-4025-869E-B14663B06204}" srcOrd="4" destOrd="0" presId="urn:microsoft.com/office/officeart/2005/8/layout/vList2"/>
     <dgm:cxn modelId="{C18F3B55-84E1-49A1-973B-7C91513D6520}" type="presParOf" srcId="{574B07F9-F424-4B28-9935-8E7D6CD89BC3}" destId="{35FFBEC3-E13A-4E83-8A26-F64ADCDDB511}" srcOrd="5" destOrd="0" presId="urn:microsoft.com/office/officeart/2005/8/layout/vList2"/>
     <dgm:cxn modelId="{69C88123-A508-4884-A3BB-7A81541E36CB}" type="presParOf" srcId="{574B07F9-F424-4B28-9935-8E7D6CD89BC3}" destId="{78EE9AC0-976A-40BC-8676-04CAD72ABD70}" srcOrd="6" destOrd="0" presId="urn:microsoft.com/office/officeart/2005/8/layout/vList2"/>
     <dgm:cxn modelId="{4FF09124-3F73-4DAA-BF95-20C0EE80A1BC}" type="presParOf" srcId="{574B07F9-F424-4B28-9935-8E7D6CD89BC3}" destId="{D29A130D-1F17-4DDA-BE94-F7B816E33AE9}" srcOrd="7" destOrd="0" presId="urn:microsoft.com/office/officeart/2005/8/layout/vList2"/>
-    <dgm:cxn modelId="{52AA8929-F162-4C6C-A6B8-6973811EB76C}" type="presParOf" srcId="{574B07F9-F424-4B28-9935-8E7D6CD89BC3}" destId="{8B94F492-3FB5-4F56-BF8B-1CF836A57B9A}" srcOrd="8" destOrd="0" presId="urn:microsoft.com/office/officeart/2005/8/layout/vList2"/>
+    <dgm:cxn modelId="{C4804635-8752-4513-ACA1-1B48ADE2A9A8}" type="presParOf" srcId="{574B07F9-F424-4B28-9935-8E7D6CD89BC3}" destId="{107AC5F6-5293-4ED6-A34A-9E7023495A8D}" srcOrd="8" destOrd="0" presId="urn:microsoft.com/office/officeart/2005/8/layout/vList2"/>
   </dgm:cxnLst>
   <dgm:bg/>
   <dgm:whole/>
@@ -2964,10 +2963,10 @@
         <a:lstStyle/>
         <a:p>
           <a:r>
-            <a:rPr lang="ja-JP" i="0"/>
+            <a:rPr lang="ja-JP" i="0" dirty="0"/>
             <a:t>毎日の献立の参考にする方</a:t>
           </a:r>
-          <a:endParaRPr lang="en-US"/>
+          <a:endParaRPr lang="en-US" dirty="0"/>
         </a:p>
       </dgm:t>
     </dgm:pt>
@@ -3260,18 +3259,18 @@
         <a:lstStyle/>
         <a:p>
           <a:r>
-            <a:rPr lang="ja-JP"/>
+            <a:rPr lang="ja-JP" dirty="0"/>
             <a:t>技術</a:t>
           </a:r>
           <a:r>
-            <a:rPr lang="en-US"/>
+            <a:rPr lang="en-US" dirty="0"/>
             <a:t>:</a:t>
           </a:r>
           <a:r>
-            <a:rPr lang="ja-JP"/>
+            <a:rPr lang="ja-JP" dirty="0"/>
             <a:t>　</a:t>
           </a:r>
-          <a:endParaRPr lang="en-US"/>
+          <a:endParaRPr lang="en-US" dirty="0"/>
         </a:p>
       </dgm:t>
     </dgm:pt>
@@ -3304,10 +3303,6 @@
         <a:bodyPr/>
         <a:lstStyle/>
         <a:p>
-          <a:r>
-            <a:rPr lang="en-US" dirty="0"/>
-            <a:t>1.</a:t>
-          </a:r>
           <a:r>
             <a:rPr lang="ja-JP" dirty="0"/>
             <a:t>フレームワーク</a:t>
@@ -3490,10 +3485,6 @@
         <a:lstStyle/>
         <a:p>
           <a:r>
-            <a:rPr lang="en-US" dirty="0"/>
-            <a:t>2. </a:t>
-          </a:r>
-          <a:r>
             <a:rPr lang="ja-JP" dirty="0"/>
             <a:t>ライブラリ</a:t>
           </a:r>
@@ -3512,10 +3503,65 @@
     <dgm:pt modelId="{B56A9574-FD86-4F57-A8D5-5BD50B2A3421}" type="parTrans" cxnId="{6D0E34D9-1D79-4545-B9E8-6EC4210C3F80}">
       <dgm:prSet/>
       <dgm:spPr/>
+      <dgm:t>
+        <a:bodyPr/>
+        <a:lstStyle/>
+        <a:p>
+          <a:endParaRPr kumimoji="1" lang="ja-JP" altLang="en-US"/>
+        </a:p>
+      </dgm:t>
     </dgm:pt>
     <dgm:pt modelId="{38355C2F-BF7C-4977-924F-A4A2AEB1BA16}" type="sibTrans" cxnId="{6D0E34D9-1D79-4545-B9E8-6EC4210C3F80}">
       <dgm:prSet/>
       <dgm:spPr/>
+      <dgm:t>
+        <a:bodyPr/>
+        <a:lstStyle/>
+        <a:p>
+          <a:endParaRPr kumimoji="1" lang="ja-JP" altLang="en-US"/>
+        </a:p>
+      </dgm:t>
+    </dgm:pt>
+    <dgm:pt modelId="{C6DD894E-5CD5-4D2B-9C34-395BD3DEC23F}">
+      <dgm:prSet/>
+      <dgm:spPr/>
+      <dgm:t>
+        <a:bodyPr/>
+        <a:lstStyle/>
+        <a:p>
+          <a:r>
+            <a:rPr lang="en-US" altLang="ja-JP" dirty="0"/>
+            <a:t>HTML5,CSS,</a:t>
+          </a:r>
+          <a:r>
+            <a:rPr lang="en-US" b="0" i="0" dirty="0"/>
+            <a:t> JavaScript</a:t>
+          </a:r>
+          <a:endParaRPr lang="en-US" dirty="0"/>
+        </a:p>
+      </dgm:t>
+    </dgm:pt>
+    <dgm:pt modelId="{D1F134B8-6298-47DA-8272-3CDDDC7B187F}" type="parTrans" cxnId="{A3189D51-998C-49D0-85C0-C315A7D96E99}">
+      <dgm:prSet/>
+      <dgm:spPr/>
+      <dgm:t>
+        <a:bodyPr/>
+        <a:lstStyle/>
+        <a:p>
+          <a:endParaRPr kumimoji="1" lang="ja-JP" altLang="en-US"/>
+        </a:p>
+      </dgm:t>
+    </dgm:pt>
+    <dgm:pt modelId="{9805E62F-8C13-4440-9E58-C8788EC02982}" type="sibTrans" cxnId="{A3189D51-998C-49D0-85C0-C315A7D96E99}">
+      <dgm:prSet/>
+      <dgm:spPr/>
+      <dgm:t>
+        <a:bodyPr/>
+        <a:lstStyle/>
+        <a:p>
+          <a:endParaRPr kumimoji="1" lang="ja-JP" altLang="en-US"/>
+        </a:p>
+      </dgm:t>
     </dgm:pt>
     <dgm:pt modelId="{9D618BE5-37FB-423A-B398-7894122FCF16}" type="pres">
       <dgm:prSet presAssocID="{82BE73A6-CABF-453B-BC87-8AC80B54A51B}" presName="diagram" presStyleCnt="0">
@@ -3549,18 +3595,20 @@
   </dgm:ptLst>
   <dgm:cxnLst>
     <dgm:cxn modelId="{B1ED1D2C-E21D-41F4-B660-6E6F4BFBC0C0}" type="presOf" srcId="{683E5629-4396-4557-865F-6620EFBDF201}" destId="{C5BB9F51-295C-4DD0-8AFC-CE47165CC0AC}" srcOrd="0" destOrd="0" presId="urn:microsoft.com/office/officeart/2005/8/layout/default"/>
+    <dgm:cxn modelId="{A3189D51-998C-49D0-85C0-C315A7D96E99}" srcId="{1BE52789-3CB8-4A28-BB42-05A1123ADDA9}" destId="{C6DD894E-5CD5-4D2B-9C34-395BD3DEC23F}" srcOrd="0" destOrd="0" parTransId="{D1F134B8-6298-47DA-8272-3CDDDC7B187F}" sibTransId="{9805E62F-8C13-4440-9E58-C8788EC02982}"/>
     <dgm:cxn modelId="{EA166177-248F-42DE-9C01-56A1C1C19A23}" type="presOf" srcId="{68242670-0267-4839-9E53-E9F0BE2B5412}" destId="{C5BB9F51-295C-4DD0-8AFC-CE47165CC0AC}" srcOrd="0" destOrd="2" presId="urn:microsoft.com/office/officeart/2005/8/layout/default"/>
-    <dgm:cxn modelId="{13B2769B-A88D-4608-A2C7-9C6E651578F6}" type="presOf" srcId="{F56B1B3F-7F25-4FF9-8638-1E1C7872E0FC}" destId="{4B7FDCEC-7E6E-4EE8-9734-B63EEAA6BD59}" srcOrd="0" destOrd="2" presId="urn:microsoft.com/office/officeart/2005/8/layout/default"/>
-    <dgm:cxn modelId="{60E753A3-844B-470B-B736-1F72B3EC0634}" srcId="{1BE52789-3CB8-4A28-BB42-05A1123ADDA9}" destId="{A870C070-C4D4-4123-ADB3-E2095BC7484C}" srcOrd="0" destOrd="0" parTransId="{EF23D280-5090-4376-BA48-0CF807E46FE9}" sibTransId="{9D075990-E69D-4EC0-A563-FB5A2CE0A119}"/>
+    <dgm:cxn modelId="{13B2769B-A88D-4608-A2C7-9C6E651578F6}" type="presOf" srcId="{F56B1B3F-7F25-4FF9-8638-1E1C7872E0FC}" destId="{4B7FDCEC-7E6E-4EE8-9734-B63EEAA6BD59}" srcOrd="0" destOrd="3" presId="urn:microsoft.com/office/officeart/2005/8/layout/default"/>
+    <dgm:cxn modelId="{60E753A3-844B-470B-B736-1F72B3EC0634}" srcId="{1BE52789-3CB8-4A28-BB42-05A1123ADDA9}" destId="{A870C070-C4D4-4123-ADB3-E2095BC7484C}" srcOrd="1" destOrd="0" parTransId="{EF23D280-5090-4376-BA48-0CF807E46FE9}" sibTransId="{9D075990-E69D-4EC0-A563-FB5A2CE0A119}"/>
+    <dgm:cxn modelId="{0056E5B4-156B-461D-A0A2-1046359ECD0C}" type="presOf" srcId="{C6DD894E-5CD5-4D2B-9C34-395BD3DEC23F}" destId="{4B7FDCEC-7E6E-4EE8-9734-B63EEAA6BD59}" srcOrd="0" destOrd="1" presId="urn:microsoft.com/office/officeart/2005/8/layout/default"/>
     <dgm:cxn modelId="{6B781EC4-E909-4AC6-B4FE-D54CE312082F}" srcId="{82BE73A6-CABF-453B-BC87-8AC80B54A51B}" destId="{683E5629-4396-4557-865F-6620EFBDF201}" srcOrd="1" destOrd="0" parTransId="{CC4B47DE-9E5B-4FC3-AAB5-6841C0B3A9D8}" sibTransId="{B7B9AC98-A7A8-412E-8757-DE34D8E34AAF}"/>
     <dgm:cxn modelId="{E73EB8C5-7BCE-4055-A8EF-A1803C9232C1}" type="presOf" srcId="{D0164FB9-4373-4698-8965-5BF896E76814}" destId="{C5BB9F51-295C-4DD0-8AFC-CE47165CC0AC}" srcOrd="0" destOrd="1" presId="urn:microsoft.com/office/officeart/2005/8/layout/default"/>
     <dgm:cxn modelId="{414494CE-A634-404E-9BB2-FEBFE65672AC}" type="presOf" srcId="{1BE52789-3CB8-4A28-BB42-05A1123ADDA9}" destId="{4B7FDCEC-7E6E-4EE8-9734-B63EEAA6BD59}" srcOrd="0" destOrd="0" presId="urn:microsoft.com/office/officeart/2005/8/layout/default"/>
     <dgm:cxn modelId="{CEC450D2-B89C-4472-9E75-FBECD8788AF4}" srcId="{82BE73A6-CABF-453B-BC87-8AC80B54A51B}" destId="{1BE52789-3CB8-4A28-BB42-05A1123ADDA9}" srcOrd="0" destOrd="0" parTransId="{81434912-828B-4CAC-B605-3F2F8B1C4761}" sibTransId="{7C3EB6AE-F60F-4824-AB79-9DC73B961AB1}"/>
-    <dgm:cxn modelId="{6D0E34D9-1D79-4545-B9E8-6EC4210C3F80}" srcId="{1BE52789-3CB8-4A28-BB42-05A1123ADDA9}" destId="{F56B1B3F-7F25-4FF9-8638-1E1C7872E0FC}" srcOrd="1" destOrd="0" parTransId="{B56A9574-FD86-4F57-A8D5-5BD50B2A3421}" sibTransId="{38355C2F-BF7C-4977-924F-A4A2AEB1BA16}"/>
+    <dgm:cxn modelId="{6D0E34D9-1D79-4545-B9E8-6EC4210C3F80}" srcId="{1BE52789-3CB8-4A28-BB42-05A1123ADDA9}" destId="{F56B1B3F-7F25-4FF9-8638-1E1C7872E0FC}" srcOrd="2" destOrd="0" parTransId="{B56A9574-FD86-4F57-A8D5-5BD50B2A3421}" sibTransId="{38355C2F-BF7C-4977-924F-A4A2AEB1BA16}"/>
     <dgm:cxn modelId="{DAC72CDD-1C71-4843-ABA2-3E240C958D09}" srcId="{683E5629-4396-4557-865F-6620EFBDF201}" destId="{D0164FB9-4373-4698-8965-5BF896E76814}" srcOrd="0" destOrd="0" parTransId="{F9048C46-28AA-4FBF-BEAC-FC7621F1FA59}" sibTransId="{E0C57F9F-3F5A-496A-8A4D-0D936266DB9F}"/>
     <dgm:cxn modelId="{853058DF-2661-4733-9514-583F98C6DAFB}" type="presOf" srcId="{82BE73A6-CABF-453B-BC87-8AC80B54A51B}" destId="{9D618BE5-37FB-423A-B398-7894122FCF16}" srcOrd="0" destOrd="0" presId="urn:microsoft.com/office/officeart/2005/8/layout/default"/>
     <dgm:cxn modelId="{8954B0E7-EB7F-4339-A65C-68F79D2C4313}" srcId="{683E5629-4396-4557-865F-6620EFBDF201}" destId="{68242670-0267-4839-9E53-E9F0BE2B5412}" srcOrd="1" destOrd="0" parTransId="{B7C78D62-9D16-4C81-9760-585690577A83}" sibTransId="{CC811575-C3A7-409C-9113-98E1C1950052}"/>
-    <dgm:cxn modelId="{2A6B3AF7-E8EE-41ED-8F5C-B75A19691788}" type="presOf" srcId="{A870C070-C4D4-4123-ADB3-E2095BC7484C}" destId="{4B7FDCEC-7E6E-4EE8-9734-B63EEAA6BD59}" srcOrd="0" destOrd="1" presId="urn:microsoft.com/office/officeart/2005/8/layout/default"/>
+    <dgm:cxn modelId="{2A6B3AF7-E8EE-41ED-8F5C-B75A19691788}" type="presOf" srcId="{A870C070-C4D4-4123-ADB3-E2095BC7484C}" destId="{4B7FDCEC-7E6E-4EE8-9734-B63EEAA6BD59}" srcOrd="0" destOrd="2" presId="urn:microsoft.com/office/officeart/2005/8/layout/default"/>
     <dgm:cxn modelId="{20ADFFCB-D4F0-4257-8AC7-CD1428F3756F}" type="presParOf" srcId="{9D618BE5-37FB-423A-B398-7894122FCF16}" destId="{4B7FDCEC-7E6E-4EE8-9734-B63EEAA6BD59}" srcOrd="0" destOrd="0" presId="urn:microsoft.com/office/officeart/2005/8/layout/default"/>
     <dgm:cxn modelId="{19DD0E74-F506-440E-86F5-7A55BB3BEBB2}" type="presParOf" srcId="{9D618BE5-37FB-423A-B398-7894122FCF16}" destId="{B127A5BC-5935-41C7-B418-1430AF078ED6}" srcOrd="1" destOrd="0" presId="urn:microsoft.com/office/officeart/2005/8/layout/default"/>
     <dgm:cxn modelId="{72AEF390-AD5C-474A-AD41-1594629EB7EF}" type="presParOf" srcId="{9D618BE5-37FB-423A-B398-7894122FCF16}" destId="{C5BB9F51-295C-4DD0-8AFC-CE47165CC0AC}" srcOrd="2" destOrd="0" presId="urn:microsoft.com/office/officeart/2005/8/layout/default"/>
@@ -3583,7 +3631,7 @@
       <dsp:cNvGrpSpPr/>
     </dsp:nvGrpSpPr>
     <dsp:grpSpPr/>
-    <dsp:sp modelId="{7BA8E8B5-7394-4E05-97E9-5B4BA1A197DD}">
+    <dsp:sp modelId="{CEB34291-87C3-4093-BC57-0B3C41736C6E}">
       <dsp:nvSpPr>
         <dsp:cNvPr id="0" name=""/>
         <dsp:cNvSpPr/>
@@ -3681,7 +3729,7 @@
             <a:rPr kumimoji="1" lang="ja-JP" sz="3300" kern="1200"/>
             <a:t>概要</a:t>
           </a:r>
-          <a:endParaRPr lang="en-US" sz="3300" kern="1200"/>
+          <a:endParaRPr kumimoji="1" lang="ja-JP" altLang="en-US" sz="3300" kern="1200"/>
         </a:p>
       </dsp:txBody>
       <dsp:txXfrm>
@@ -3784,10 +3832,10 @@
             <a:buNone/>
           </a:pPr>
           <a:r>
-            <a:rPr lang="ja-JP" sz="3300" kern="1200"/>
-            <a:t>想定するユーザー</a:t>
+            <a:rPr kumimoji="1" lang="ja-JP" sz="3300" kern="1200" dirty="0"/>
+            <a:t>作品の内容</a:t>
           </a:r>
-          <a:endParaRPr lang="en-US" sz="3300" kern="1200"/>
+          <a:endParaRPr lang="en-US" sz="3300" kern="1200" dirty="0"/>
         </a:p>
       </dsp:txBody>
       <dsp:txXfrm>
@@ -3890,10 +3938,10 @@
             <a:buNone/>
           </a:pPr>
           <a:r>
-            <a:rPr lang="ja-JP" sz="3300" kern="1200"/>
-            <a:t>開発環境</a:t>
+            <a:rPr lang="ja-JP" sz="3300" kern="1200" dirty="0"/>
+            <a:t>想定するユーザー</a:t>
           </a:r>
-          <a:endParaRPr lang="en-US" sz="3300" kern="1200"/>
+          <a:endParaRPr lang="en-US" sz="3300" kern="1200" dirty="0"/>
         </a:p>
       </dsp:txBody>
       <dsp:txXfrm>
@@ -3996,10 +4044,10 @@
             <a:buNone/>
           </a:pPr>
           <a:r>
-            <a:rPr kumimoji="1" lang="ja-JP" sz="3300" kern="1200"/>
-            <a:t>作品の特徴</a:t>
+            <a:rPr lang="ja-JP" sz="3300" kern="1200" dirty="0"/>
+            <a:t>開発環境</a:t>
           </a:r>
-          <a:endParaRPr lang="en-US" sz="3300" kern="1200"/>
+          <a:endParaRPr lang="en-US" sz="3300" kern="1200" dirty="0"/>
         </a:p>
       </dsp:txBody>
       <dsp:txXfrm>
@@ -4007,7 +4055,7 @@
         <a:ext cx="5843504" cy="749069"/>
       </dsp:txXfrm>
     </dsp:sp>
-    <dsp:sp modelId="{8B94F492-3FB5-4F56-BF8B-1CF836A57B9A}">
+    <dsp:sp modelId="{107AC5F6-5293-4ED6-A34A-9E7023495A8D}">
       <dsp:nvSpPr>
         <dsp:cNvPr id="0" name=""/>
         <dsp:cNvSpPr/>
@@ -4103,9 +4151,9 @@
           </a:pPr>
           <a:r>
             <a:rPr kumimoji="1" lang="ja-JP" sz="3300" kern="1200"/>
-            <a:t>作品の内容</a:t>
+            <a:t>作品の特徴</a:t>
           </a:r>
-          <a:endParaRPr lang="en-US" sz="3300" kern="1200"/>
+          <a:endParaRPr kumimoji="1" lang="ja-JP" altLang="en-US" sz="3300" kern="1200"/>
         </a:p>
       </dsp:txBody>
       <dsp:txXfrm>
@@ -4406,10 +4454,10 @@
             <a:buNone/>
           </a:pPr>
           <a:r>
-            <a:rPr lang="ja-JP" sz="3200" i="0" kern="1200"/>
+            <a:rPr lang="ja-JP" sz="3200" i="0" kern="1200" dirty="0"/>
             <a:t>毎日の献立の参考にする方</a:t>
           </a:r>
-          <a:endParaRPr lang="en-US" sz="3200" kern="1200"/>
+          <a:endParaRPr lang="en-US" sz="3200" kern="1200" dirty="0"/>
         </a:p>
       </dsp:txBody>
       <dsp:txXfrm>
@@ -4944,12 +4992,12 @@
         </a:fontRef>
       </dsp:style>
       <dsp:txBody>
-        <a:bodyPr spcFirstLastPara="0" vert="horz" wrap="square" lIns="125730" tIns="125730" rIns="125730" bIns="125730" numCol="1" spcCol="1270" anchor="t" anchorCtr="0">
+        <a:bodyPr spcFirstLastPara="0" vert="horz" wrap="square" lIns="114300" tIns="114300" rIns="114300" bIns="114300" numCol="1" spcCol="1270" anchor="t" anchorCtr="0">
           <a:noAutofit/>
         </a:bodyPr>
         <a:lstStyle/>
         <a:p>
-          <a:pPr marL="0" lvl="0" indent="0" algn="l" defTabSz="1466850">
+          <a:pPr marL="0" lvl="0" indent="0" algn="l" defTabSz="1333500">
             <a:lnSpc>
               <a:spcPct val="90000"/>
             </a:lnSpc>
@@ -4962,21 +5010,21 @@
             <a:buNone/>
           </a:pPr>
           <a:r>
-            <a:rPr lang="ja-JP" sz="3300" kern="1200"/>
+            <a:rPr lang="ja-JP" sz="3000" kern="1200" dirty="0"/>
             <a:t>技術</a:t>
           </a:r>
           <a:r>
-            <a:rPr lang="en-US" sz="3300" kern="1200"/>
+            <a:rPr lang="en-US" sz="3000" kern="1200" dirty="0"/>
             <a:t>:</a:t>
           </a:r>
           <a:r>
-            <a:rPr lang="ja-JP" sz="3300" kern="1200"/>
+            <a:rPr lang="ja-JP" sz="3000" kern="1200" dirty="0"/>
             <a:t>　</a:t>
           </a:r>
-          <a:endParaRPr lang="en-US" sz="3300" kern="1200"/>
+          <a:endParaRPr lang="en-US" sz="3000" kern="1200" dirty="0"/>
         </a:p>
         <a:p>
-          <a:pPr marL="228600" lvl="1" indent="-228600" algn="l" defTabSz="1155700">
+          <a:pPr marL="228600" lvl="1" indent="-228600" algn="l" defTabSz="1022350">
             <a:lnSpc>
               <a:spcPct val="90000"/>
             </a:lnSpc>
@@ -4989,25 +5037,17 @@
             <a:buChar char="•"/>
           </a:pPr>
           <a:r>
-            <a:rPr lang="en-US" sz="2600" kern="1200" dirty="0"/>
-            <a:t>1.</a:t>
+            <a:rPr lang="en-US" altLang="ja-JP" sz="2300" kern="1200" dirty="0"/>
+            <a:t>HTML5,CSS,</a:t>
           </a:r>
           <a:r>
-            <a:rPr lang="ja-JP" sz="2600" kern="1200" dirty="0"/>
-            <a:t>フレームワーク</a:t>
+            <a:rPr lang="en-US" sz="2300" b="0" i="0" kern="1200" dirty="0"/>
+            <a:t> JavaScript</a:t>
           </a:r>
-          <a:r>
-            <a:rPr lang="en-US" sz="2600" kern="1200" dirty="0"/>
-            <a:t>: Bootstrap 5, </a:t>
-          </a:r>
-          <a:r>
-            <a:rPr lang="en-US" sz="2600" kern="1200" dirty="0" err="1"/>
-            <a:t>springboot</a:t>
-          </a:r>
-          <a:endParaRPr lang="en-US" sz="2600" kern="1200" dirty="0"/>
+          <a:endParaRPr lang="en-US" sz="2300" kern="1200" dirty="0"/>
         </a:p>
         <a:p>
-          <a:pPr marL="228600" lvl="1" indent="-228600" algn="l" defTabSz="1155700">
+          <a:pPr marL="228600" lvl="1" indent="-228600" algn="l" defTabSz="1022350">
             <a:lnSpc>
               <a:spcPct val="90000"/>
             </a:lnSpc>
@@ -5020,22 +5060,45 @@
             <a:buChar char="•"/>
           </a:pPr>
           <a:r>
-            <a:rPr lang="en-US" sz="2600" kern="1200" dirty="0"/>
-            <a:t>2. </a:t>
+            <a:rPr lang="ja-JP" sz="2300" kern="1200" dirty="0"/>
+            <a:t>フレームワーク</a:t>
           </a:r>
           <a:r>
-            <a:rPr lang="ja-JP" sz="2600" kern="1200" dirty="0"/>
+            <a:rPr lang="en-US" sz="2300" kern="1200" dirty="0"/>
+            <a:t>: Bootstrap 5, </a:t>
+          </a:r>
+          <a:r>
+            <a:rPr lang="en-US" sz="2300" kern="1200" dirty="0" err="1"/>
+            <a:t>springboot</a:t>
+          </a:r>
+          <a:endParaRPr lang="en-US" sz="2300" kern="1200" dirty="0"/>
+        </a:p>
+        <a:p>
+          <a:pPr marL="228600" lvl="1" indent="-228600" algn="l" defTabSz="1022350">
+            <a:lnSpc>
+              <a:spcPct val="90000"/>
+            </a:lnSpc>
+            <a:spcBef>
+              <a:spcPct val="0"/>
+            </a:spcBef>
+            <a:spcAft>
+              <a:spcPct val="15000"/>
+            </a:spcAft>
+            <a:buChar char="•"/>
+          </a:pPr>
+          <a:r>
+            <a:rPr lang="ja-JP" sz="2300" kern="1200" dirty="0"/>
             <a:t>ライブラリ</a:t>
           </a:r>
           <a:r>
-            <a:rPr lang="en-US" sz="2600" kern="1200" dirty="0"/>
+            <a:rPr lang="en-US" sz="2300" kern="1200" dirty="0"/>
             <a:t>: Slick slide, Swiper slide, AOS, </a:t>
           </a:r>
           <a:r>
-            <a:rPr lang="en-US" sz="2600" kern="1200" dirty="0" err="1"/>
+            <a:rPr lang="en-US" sz="2300" kern="1200" dirty="0" err="1"/>
             <a:t>Jquery</a:t>
           </a:r>
-          <a:endParaRPr lang="en-US" sz="2600" kern="1200" dirty="0"/>
+          <a:endParaRPr lang="en-US" sz="2300" kern="1200" dirty="0"/>
         </a:p>
       </dsp:txBody>
       <dsp:txXfrm>
@@ -5120,12 +5183,12 @@
         </a:fontRef>
       </dsp:style>
       <dsp:txBody>
-        <a:bodyPr spcFirstLastPara="0" vert="horz" wrap="square" lIns="125730" tIns="125730" rIns="125730" bIns="125730" numCol="1" spcCol="1270" anchor="t" anchorCtr="0">
+        <a:bodyPr spcFirstLastPara="0" vert="horz" wrap="square" lIns="114300" tIns="114300" rIns="114300" bIns="114300" numCol="1" spcCol="1270" anchor="t" anchorCtr="0">
           <a:noAutofit/>
         </a:bodyPr>
         <a:lstStyle/>
         <a:p>
-          <a:pPr marL="0" lvl="0" indent="0" algn="l" defTabSz="1466850">
+          <a:pPr marL="0" lvl="0" indent="0" algn="l" defTabSz="1333500">
             <a:lnSpc>
               <a:spcPct val="90000"/>
             </a:lnSpc>
@@ -5138,21 +5201,21 @@
             <a:buNone/>
           </a:pPr>
           <a:r>
-            <a:rPr lang="ja-JP" sz="3300" kern="1200"/>
+            <a:rPr lang="ja-JP" sz="3000" kern="1200"/>
             <a:t>デザイン</a:t>
           </a:r>
           <a:r>
-            <a:rPr lang="en-US" sz="3300" kern="1200"/>
+            <a:rPr lang="en-US" sz="3000" kern="1200"/>
             <a:t>:</a:t>
           </a:r>
           <a:r>
-            <a:rPr lang="ja-JP" sz="3300" kern="1200"/>
+            <a:rPr lang="ja-JP" sz="3000" kern="1200"/>
             <a:t>　</a:t>
           </a:r>
-          <a:endParaRPr lang="en-US" sz="3300" kern="1200"/>
+          <a:endParaRPr lang="en-US" sz="3000" kern="1200"/>
         </a:p>
         <a:p>
-          <a:pPr marL="228600" lvl="1" indent="-228600" algn="l" defTabSz="1155700">
+          <a:pPr marL="228600" lvl="1" indent="-228600" algn="l" defTabSz="1022350">
             <a:lnSpc>
               <a:spcPct val="90000"/>
             </a:lnSpc>
@@ -5165,31 +5228,31 @@
             <a:buChar char="•"/>
           </a:pPr>
           <a:r>
-            <a:rPr lang="ja-JP" sz="2600" kern="1200"/>
+            <a:rPr lang="ja-JP" sz="2300" kern="1200"/>
             <a:t>レスポンシブ</a:t>
           </a:r>
           <a:r>
-            <a:rPr lang="en-US" sz="2600" kern="1200"/>
+            <a:rPr lang="en-US" sz="2300" kern="1200"/>
             <a:t>WEB</a:t>
           </a:r>
           <a:r>
-            <a:rPr lang="ja-JP" sz="2600" kern="1200"/>
+            <a:rPr lang="ja-JP" sz="2300" kern="1200"/>
             <a:t>デザイン</a:t>
           </a:r>
           <a:br>
-            <a:rPr lang="en-US" sz="2600" kern="1200"/>
+            <a:rPr lang="en-US" sz="2300" kern="1200"/>
           </a:br>
           <a:br>
-            <a:rPr lang="en-US" sz="2600" kern="1200"/>
+            <a:rPr lang="en-US" sz="2300" kern="1200"/>
           </a:br>
           <a:r>
-            <a:rPr lang="ja-JP" sz="2600" kern="1200"/>
+            <a:rPr lang="ja-JP" sz="2300" kern="1200"/>
             <a:t>その他：</a:t>
           </a:r>
-          <a:endParaRPr lang="en-US" sz="2600" kern="1200"/>
+          <a:endParaRPr lang="en-US" sz="2300" kern="1200"/>
         </a:p>
         <a:p>
-          <a:pPr marL="228600" lvl="1" indent="-228600" algn="l" defTabSz="1155700">
+          <a:pPr marL="228600" lvl="1" indent="-228600" algn="l" defTabSz="1022350">
             <a:lnSpc>
               <a:spcPct val="90000"/>
             </a:lnSpc>
@@ -5202,7 +5265,7 @@
             <a:buChar char="•"/>
           </a:pPr>
           <a:r>
-            <a:rPr lang="en-US" sz="2600" kern="1200"/>
+            <a:rPr lang="en-US" sz="2300" kern="1200"/>
             <a:t>MySQL,maven</a:t>
           </a:r>
         </a:p>
@@ -9100,7 +9163,7 @@
 
 <file path=ppt/slideLayouts/slideLayout1.xml><?xml version="1.0" encoding="utf-8"?>
 <p:sldLayout xmlns:a="http://schemas.openxmlformats.org/drawingml/2006/main" xmlns:r="http://schemas.openxmlformats.org/officeDocument/2006/relationships" xmlns:p="http://schemas.openxmlformats.org/presentationml/2006/main" type="title" preserve="1">
-  <p:cSld name="Title Slide">
+  <p:cSld name="タイトル スライド">
     <p:spTree>
       <p:nvGrpSpPr>
         <p:cNvPr id="1" name=""/>
@@ -9142,8 +9205,8 @@
           </a:lstStyle>
           <a:p>
             <a:r>
-              <a:rPr lang="en-US"/>
-              <a:t>Click to edit Master title style</a:t>
+              <a:rPr lang="ja-JP" altLang="en-US"/>
+              <a:t>マスター タイトルの書式設定</a:t>
             </a:r>
             <a:endParaRPr lang="en-US" dirty="0"/>
           </a:p>
@@ -9207,8 +9270,8 @@
           </a:lstStyle>
           <a:p>
             <a:r>
-              <a:rPr lang="en-US"/>
-              <a:t>Click to edit Master subtitle style</a:t>
+              <a:rPr lang="ja-JP" altLang="en-US"/>
+              <a:t>マスター サブタイトルの書式設定</a:t>
             </a:r>
             <a:endParaRPr lang="en-US" dirty="0"/>
           </a:p>
@@ -9282,7 +9345,7 @@
     </p:spTree>
     <p:extLst>
       <p:ext uri="{BB962C8B-B14F-4D97-AF65-F5344CB8AC3E}">
-        <p14:creationId xmlns:p14="http://schemas.microsoft.com/office/powerpoint/2010/main" val="1028115394"/>
+        <p14:creationId xmlns:p14="http://schemas.microsoft.com/office/powerpoint/2010/main" val="2628672219"/>
       </p:ext>
     </p:extLst>
   </p:cSld>
@@ -9294,7 +9357,7 @@
 
 <file path=ppt/slideLayouts/slideLayout10.xml><?xml version="1.0" encoding="utf-8"?>
 <p:sldLayout xmlns:a="http://schemas.openxmlformats.org/drawingml/2006/main" xmlns:r="http://schemas.openxmlformats.org/officeDocument/2006/relationships" xmlns:p="http://schemas.openxmlformats.org/presentationml/2006/main" preserve="1">
-  <p:cSld name="Panoramic Picture with Caption">
+  <p:cSld name="パノラマ写真 (キャプション付き)">
     <p:spTree>
       <p:nvGrpSpPr>
         <p:cNvPr id="1" name=""/>
@@ -9336,8 +9399,8 @@
           </a:lstStyle>
           <a:p>
             <a:r>
-              <a:rPr lang="en-US"/>
-              <a:t>Click to edit Master title style</a:t>
+              <a:rPr lang="ja-JP" altLang="en-US"/>
+              <a:t>マスター タイトルの書式設定</a:t>
             </a:r>
             <a:endParaRPr lang="en-US" dirty="0"/>
           </a:p>
@@ -9427,8 +9490,8 @@
           </a:lstStyle>
           <a:p>
             <a:r>
-              <a:rPr lang="en-US"/>
-              <a:t>Click icon to add picture</a:t>
+              <a:rPr lang="ja-JP" altLang="en-US"/>
+              <a:t>アイコンをクリックして図を追加</a:t>
             </a:r>
             <a:endParaRPr lang="en-US" dirty="0"/>
           </a:p>
@@ -9495,8 +9558,8 @@
           <a:p>
             <a:pPr lvl="0"/>
             <a:r>
-              <a:rPr lang="en-US"/>
-              <a:t>Click to edit Master text styles</a:t>
+              <a:rPr lang="ja-JP" altLang="en-US"/>
+              <a:t>マスター テキストの書式設定</a:t>
             </a:r>
           </a:p>
         </p:txBody>
@@ -9569,7 +9632,7 @@
     </p:spTree>
     <p:extLst>
       <p:ext uri="{BB962C8B-B14F-4D97-AF65-F5344CB8AC3E}">
-        <p14:creationId xmlns:p14="http://schemas.microsoft.com/office/powerpoint/2010/main" val="1976359984"/>
+        <p14:creationId xmlns:p14="http://schemas.microsoft.com/office/powerpoint/2010/main" val="1599829907"/>
       </p:ext>
     </p:extLst>
   </p:cSld>
@@ -9581,7 +9644,7 @@
 
 <file path=ppt/slideLayouts/slideLayout11.xml><?xml version="1.0" encoding="utf-8"?>
 <p:sldLayout xmlns:a="http://schemas.openxmlformats.org/drawingml/2006/main" xmlns:r="http://schemas.openxmlformats.org/officeDocument/2006/relationships" xmlns:p="http://schemas.openxmlformats.org/presentationml/2006/main" preserve="1">
-  <p:cSld name="Title and Caption">
+  <p:cSld name="タイトルとキャプション">
     <p:spTree>
       <p:nvGrpSpPr>
         <p:cNvPr id="1" name=""/>
@@ -9621,8 +9684,8 @@
           </a:lstStyle>
           <a:p>
             <a:r>
-              <a:rPr lang="en-US"/>
-              <a:t>Click to edit Master title style</a:t>
+              <a:rPr lang="ja-JP" altLang="en-US"/>
+              <a:t>マスター タイトルの書式設定</a:t>
             </a:r>
             <a:endParaRPr lang="en-US" dirty="0"/>
           </a:p>
@@ -9687,8 +9750,8 @@
           <a:p>
             <a:pPr lvl="0"/>
             <a:r>
-              <a:rPr lang="en-US"/>
-              <a:t>Click to edit Master text styles</a:t>
+              <a:rPr lang="ja-JP" altLang="en-US"/>
+              <a:t>マスター テキストの書式設定</a:t>
             </a:r>
           </a:p>
         </p:txBody>
@@ -9761,7 +9824,7 @@
     </p:spTree>
     <p:extLst>
       <p:ext uri="{BB962C8B-B14F-4D97-AF65-F5344CB8AC3E}">
-        <p14:creationId xmlns:p14="http://schemas.microsoft.com/office/powerpoint/2010/main" val="126172010"/>
+        <p14:creationId xmlns:p14="http://schemas.microsoft.com/office/powerpoint/2010/main" val="434178404"/>
       </p:ext>
     </p:extLst>
   </p:cSld>
@@ -9773,7 +9836,7 @@
 
 <file path=ppt/slideLayouts/slideLayout12.xml><?xml version="1.0" encoding="utf-8"?>
 <p:sldLayout xmlns:a="http://schemas.openxmlformats.org/drawingml/2006/main" xmlns:r="http://schemas.openxmlformats.org/officeDocument/2006/relationships" xmlns:p="http://schemas.openxmlformats.org/presentationml/2006/main" preserve="1">
-  <p:cSld name="Quote with Caption">
+  <p:cSld name="引用 (キャプション付き)">
     <p:spTree>
       <p:nvGrpSpPr>
         <p:cNvPr id="1" name=""/>
@@ -9813,8 +9876,8 @@
           </a:lstStyle>
           <a:p>
             <a:r>
-              <a:rPr lang="en-US"/>
-              <a:t>Click to edit Master title style</a:t>
+              <a:rPr lang="ja-JP" altLang="en-US"/>
+              <a:t>マスター タイトルの書式設定</a:t>
             </a:r>
             <a:endParaRPr lang="en-US" dirty="0"/>
           </a:p>
@@ -9881,8 +9944,8 @@
           <a:p>
             <a:pPr lvl="0"/>
             <a:r>
-              <a:rPr lang="en-US"/>
-              <a:t>Click to edit Master text styles</a:t>
+              <a:rPr lang="ja-JP" altLang="en-US"/>
+              <a:t>マスター テキストの書式設定</a:t>
             </a:r>
           </a:p>
         </p:txBody>
@@ -9948,8 +10011,8 @@
           <a:p>
             <a:pPr lvl="0"/>
             <a:r>
-              <a:rPr lang="en-US"/>
-              <a:t>Click to edit Master text styles</a:t>
+              <a:rPr lang="ja-JP" altLang="en-US"/>
+              <a:t>マスター テキストの書式設定</a:t>
             </a:r>
           </a:p>
         </p:txBody>
@@ -10254,7 +10317,7 @@
     </p:spTree>
     <p:extLst>
       <p:ext uri="{BB962C8B-B14F-4D97-AF65-F5344CB8AC3E}">
-        <p14:creationId xmlns:p14="http://schemas.microsoft.com/office/powerpoint/2010/main" val="3693896093"/>
+        <p14:creationId xmlns:p14="http://schemas.microsoft.com/office/powerpoint/2010/main" val="74111272"/>
       </p:ext>
     </p:extLst>
   </p:cSld>
@@ -10266,7 +10329,7 @@
 
 <file path=ppt/slideLayouts/slideLayout13.xml><?xml version="1.0" encoding="utf-8"?>
 <p:sldLayout xmlns:a="http://schemas.openxmlformats.org/drawingml/2006/main" xmlns:r="http://schemas.openxmlformats.org/officeDocument/2006/relationships" xmlns:p="http://schemas.openxmlformats.org/presentationml/2006/main" preserve="1">
-  <p:cSld name="Name Card">
+  <p:cSld name="名札">
     <p:spTree>
       <p:nvGrpSpPr>
         <p:cNvPr id="1" name=""/>
@@ -10306,8 +10369,8 @@
           </a:lstStyle>
           <a:p>
             <a:r>
-              <a:rPr lang="en-US"/>
-              <a:t>Click to edit Master title style</a:t>
+              <a:rPr lang="ja-JP" altLang="en-US"/>
+              <a:t>マスター タイトルの書式設定</a:t>
             </a:r>
             <a:endParaRPr lang="en-US" dirty="0"/>
           </a:p>
@@ -10372,8 +10435,8 @@
           <a:p>
             <a:pPr lvl="0"/>
             <a:r>
-              <a:rPr lang="en-US"/>
-              <a:t>Click to edit Master text styles</a:t>
+              <a:rPr lang="ja-JP" altLang="en-US"/>
+              <a:t>マスター テキストの書式設定</a:t>
             </a:r>
           </a:p>
         </p:txBody>
@@ -10446,7 +10509,7 @@
     </p:spTree>
     <p:extLst>
       <p:ext uri="{BB962C8B-B14F-4D97-AF65-F5344CB8AC3E}">
-        <p14:creationId xmlns:p14="http://schemas.microsoft.com/office/powerpoint/2010/main" val="313030424"/>
+        <p14:creationId xmlns:p14="http://schemas.microsoft.com/office/powerpoint/2010/main" val="1632299963"/>
       </p:ext>
     </p:extLst>
   </p:cSld>
@@ -10458,7 +10521,7 @@
 
 <file path=ppt/slideLayouts/slideLayout14.xml><?xml version="1.0" encoding="utf-8"?>
 <p:sldLayout xmlns:a="http://schemas.openxmlformats.org/drawingml/2006/main" xmlns:r="http://schemas.openxmlformats.org/officeDocument/2006/relationships" xmlns:p="http://schemas.openxmlformats.org/presentationml/2006/main" preserve="1">
-  <p:cSld name="3 Column">
+  <p:cSld name="3 段">
     <p:spTree>
       <p:nvGrpSpPr>
         <p:cNvPr id="1" name=""/>
@@ -10494,8 +10557,8 @@
           <a:lstStyle/>
           <a:p>
             <a:r>
-              <a:rPr lang="en-US"/>
-              <a:t>Click to edit Master title style</a:t>
+              <a:rPr lang="ja-JP" altLang="en-US"/>
+              <a:t>マスター タイトルの書式設定</a:t>
             </a:r>
             <a:endParaRPr lang="en-US" dirty="0"/>
           </a:p>
@@ -10569,8 +10632,8 @@
           <a:p>
             <a:pPr lvl="0"/>
             <a:r>
-              <a:rPr lang="en-US"/>
-              <a:t>Click to edit Master text styles</a:t>
+              <a:rPr lang="ja-JP" altLang="en-US"/>
+              <a:t>マスター テキストの書式設定</a:t>
             </a:r>
           </a:p>
         </p:txBody>
@@ -10636,8 +10699,8 @@
           <a:p>
             <a:pPr lvl="0"/>
             <a:r>
-              <a:rPr lang="en-US"/>
-              <a:t>Click to edit Master text styles</a:t>
+              <a:rPr lang="ja-JP" altLang="en-US"/>
+              <a:t>マスター テキストの書式設定</a:t>
             </a:r>
           </a:p>
         </p:txBody>
@@ -10710,8 +10773,8 @@
           <a:p>
             <a:pPr lvl="0"/>
             <a:r>
-              <a:rPr lang="en-US"/>
-              <a:t>Click to edit Master text styles</a:t>
+              <a:rPr lang="ja-JP" altLang="en-US"/>
+              <a:t>マスター テキストの書式設定</a:t>
             </a:r>
           </a:p>
         </p:txBody>
@@ -10777,8 +10840,8 @@
           <a:p>
             <a:pPr lvl="0"/>
             <a:r>
-              <a:rPr lang="en-US"/>
-              <a:t>Click to edit Master text styles</a:t>
+              <a:rPr lang="ja-JP" altLang="en-US"/>
+              <a:t>マスター テキストの書式設定</a:t>
             </a:r>
           </a:p>
         </p:txBody>
@@ -10851,8 +10914,8 @@
           <a:p>
             <a:pPr lvl="0"/>
             <a:r>
-              <a:rPr lang="en-US"/>
-              <a:t>Click to edit Master text styles</a:t>
+              <a:rPr lang="ja-JP" altLang="en-US"/>
+              <a:t>マスター テキストの書式設定</a:t>
             </a:r>
           </a:p>
         </p:txBody>
@@ -10918,8 +10981,8 @@
           <a:p>
             <a:pPr lvl="0"/>
             <a:r>
-              <a:rPr lang="en-US"/>
-              <a:t>Click to edit Master text styles</a:t>
+              <a:rPr lang="ja-JP" altLang="en-US"/>
+              <a:t>マスター テキストの書式設定</a:t>
             </a:r>
           </a:p>
         </p:txBody>
@@ -10992,7 +11055,7 @@
     </p:spTree>
     <p:extLst>
       <p:ext uri="{BB962C8B-B14F-4D97-AF65-F5344CB8AC3E}">
-        <p14:creationId xmlns:p14="http://schemas.microsoft.com/office/powerpoint/2010/main" val="516487696"/>
+        <p14:creationId xmlns:p14="http://schemas.microsoft.com/office/powerpoint/2010/main" val="226130540"/>
       </p:ext>
     </p:extLst>
   </p:cSld>
@@ -11004,7 +11067,7 @@
 
 <file path=ppt/slideLayouts/slideLayout15.xml><?xml version="1.0" encoding="utf-8"?>
 <p:sldLayout xmlns:a="http://schemas.openxmlformats.org/drawingml/2006/main" xmlns:r="http://schemas.openxmlformats.org/officeDocument/2006/relationships" xmlns:p="http://schemas.openxmlformats.org/presentationml/2006/main" preserve="1">
-  <p:cSld name="3 Picture Column">
+  <p:cSld name="3 つの画像列">
     <p:spTree>
       <p:nvGrpSpPr>
         <p:cNvPr id="1" name=""/>
@@ -11040,8 +11103,8 @@
           <a:lstStyle/>
           <a:p>
             <a:r>
-              <a:rPr lang="en-US"/>
-              <a:t>Click to edit Master title style</a:t>
+              <a:rPr lang="ja-JP" altLang="en-US"/>
+              <a:t>マスター タイトルの書式設定</a:t>
             </a:r>
             <a:endParaRPr lang="en-US" dirty="0"/>
           </a:p>
@@ -11115,8 +11178,8 @@
           <a:p>
             <a:pPr lvl="0"/>
             <a:r>
-              <a:rPr lang="en-US"/>
-              <a:t>Click to edit Master text styles</a:t>
+              <a:rPr lang="ja-JP" altLang="en-US"/>
+              <a:t>マスター テキストの書式設定</a:t>
             </a:r>
           </a:p>
         </p:txBody>
@@ -11212,8 +11275,8 @@
           </a:lstStyle>
           <a:p>
             <a:r>
-              <a:rPr lang="en-US"/>
-              <a:t>Click icon to add picture</a:t>
+              <a:rPr lang="ja-JP" altLang="en-US"/>
+              <a:t>アイコンをクリックして図を追加</a:t>
             </a:r>
             <a:endParaRPr lang="en-US" dirty="0"/>
           </a:p>
@@ -11280,8 +11343,8 @@
           <a:p>
             <a:pPr lvl="0"/>
             <a:r>
-              <a:rPr lang="en-US"/>
-              <a:t>Click to edit Master text styles</a:t>
+              <a:rPr lang="ja-JP" altLang="en-US"/>
+              <a:t>マスター テキストの書式設定</a:t>
             </a:r>
           </a:p>
         </p:txBody>
@@ -11354,8 +11417,8 @@
           <a:p>
             <a:pPr lvl="0"/>
             <a:r>
-              <a:rPr lang="en-US"/>
-              <a:t>Click to edit Master text styles</a:t>
+              <a:rPr lang="ja-JP" altLang="en-US"/>
+              <a:t>マスター テキストの書式設定</a:t>
             </a:r>
           </a:p>
         </p:txBody>
@@ -11451,8 +11514,8 @@
           </a:lstStyle>
           <a:p>
             <a:r>
-              <a:rPr lang="en-US"/>
-              <a:t>Click icon to add picture</a:t>
+              <a:rPr lang="ja-JP" altLang="en-US"/>
+              <a:t>アイコンをクリックして図を追加</a:t>
             </a:r>
             <a:endParaRPr lang="en-US" dirty="0"/>
           </a:p>
@@ -11519,8 +11582,8 @@
           <a:p>
             <a:pPr lvl="0"/>
             <a:r>
-              <a:rPr lang="en-US"/>
-              <a:t>Click to edit Master text styles</a:t>
+              <a:rPr lang="ja-JP" altLang="en-US"/>
+              <a:t>マスター テキストの書式設定</a:t>
             </a:r>
           </a:p>
         </p:txBody>
@@ -11593,8 +11656,8 @@
           <a:p>
             <a:pPr lvl="0"/>
             <a:r>
-              <a:rPr lang="en-US"/>
-              <a:t>Click to edit Master text styles</a:t>
+              <a:rPr lang="ja-JP" altLang="en-US"/>
+              <a:t>マスター テキストの書式設定</a:t>
             </a:r>
           </a:p>
         </p:txBody>
@@ -11690,8 +11753,8 @@
           </a:lstStyle>
           <a:p>
             <a:r>
-              <a:rPr lang="en-US"/>
-              <a:t>Click icon to add picture</a:t>
+              <a:rPr lang="ja-JP" altLang="en-US"/>
+              <a:t>アイコンをクリックして図を追加</a:t>
             </a:r>
             <a:endParaRPr lang="en-US" dirty="0"/>
           </a:p>
@@ -11758,8 +11821,8 @@
           <a:p>
             <a:pPr lvl="0"/>
             <a:r>
-              <a:rPr lang="en-US"/>
-              <a:t>Click to edit Master text styles</a:t>
+              <a:rPr lang="ja-JP" altLang="en-US"/>
+              <a:t>マスター テキストの書式設定</a:t>
             </a:r>
           </a:p>
         </p:txBody>
@@ -11832,7 +11895,7 @@
     </p:spTree>
     <p:extLst>
       <p:ext uri="{BB962C8B-B14F-4D97-AF65-F5344CB8AC3E}">
-        <p14:creationId xmlns:p14="http://schemas.microsoft.com/office/powerpoint/2010/main" val="3717235581"/>
+        <p14:creationId xmlns:p14="http://schemas.microsoft.com/office/powerpoint/2010/main" val="4192584171"/>
       </p:ext>
     </p:extLst>
   </p:cSld>
@@ -11844,7 +11907,7 @@
 
 <file path=ppt/slideLayouts/slideLayout16.xml><?xml version="1.0" encoding="utf-8"?>
 <p:sldLayout xmlns:a="http://schemas.openxmlformats.org/drawingml/2006/main" xmlns:r="http://schemas.openxmlformats.org/officeDocument/2006/relationships" xmlns:p="http://schemas.openxmlformats.org/presentationml/2006/main" type="vertTx" preserve="1">
-  <p:cSld name="Title and Vertical Text">
+  <p:cSld name="タイトルと縦書きテキスト">
     <p:spTree>
       <p:nvGrpSpPr>
         <p:cNvPr id="1" name=""/>
@@ -11875,8 +11938,8 @@
           <a:lstStyle/>
           <a:p>
             <a:r>
-              <a:rPr lang="en-US"/>
-              <a:t>Click to edit Master title style</a:t>
+              <a:rPr lang="ja-JP" altLang="en-US"/>
+              <a:t>マスター タイトルの書式設定</a:t>
             </a:r>
             <a:endParaRPr lang="en-US" dirty="0"/>
           </a:p>
@@ -11899,36 +11962,68 @@
           <a:p>
             <a:pPr lvl="0"/>
             <a:r>
-              <a:rPr lang="en-US"/>
-              <a:t>Click to edit Master text styles</a:t>
+              <a:rPr lang="ja-JP" altLang="en-US"/>
+              <a:t>マスター テキストの書式設定</a:t>
             </a:r>
           </a:p>
           <a:p>
             <a:pPr lvl="1"/>
             <a:r>
-              <a:rPr lang="en-US"/>
-              <a:t>Second level</a:t>
+              <a:rPr lang="ja-JP" altLang="en-US"/>
+              <a:t>第 </a:t>
+            </a:r>
+            <a:r>
+              <a:rPr lang="en-US" altLang="ja-JP"/>
+              <a:t>2 </a:t>
+            </a:r>
+            <a:r>
+              <a:rPr lang="ja-JP" altLang="en-US"/>
+              <a:t>レベル</a:t>
             </a:r>
           </a:p>
           <a:p>
             <a:pPr lvl="2"/>
             <a:r>
-              <a:rPr lang="en-US"/>
-              <a:t>Third level</a:t>
+              <a:rPr lang="ja-JP" altLang="en-US"/>
+              <a:t>第 </a:t>
+            </a:r>
+            <a:r>
+              <a:rPr lang="en-US" altLang="ja-JP"/>
+              <a:t>3 </a:t>
+            </a:r>
+            <a:r>
+              <a:rPr lang="ja-JP" altLang="en-US"/>
+              <a:t>レベル</a:t>
             </a:r>
           </a:p>
           <a:p>
             <a:pPr lvl="3"/>
             <a:r>
-              <a:rPr lang="en-US"/>
-              <a:t>Fourth level</a:t>
+              <a:rPr lang="ja-JP" altLang="en-US"/>
+              <a:t>第 </a:t>
+            </a:r>
+            <a:r>
+              <a:rPr lang="en-US" altLang="ja-JP"/>
+              <a:t>4 </a:t>
+            </a:r>
+            <a:r>
+              <a:rPr lang="ja-JP" altLang="en-US"/>
+              <a:t>レベル</a:t>
             </a:r>
           </a:p>
           <a:p>
             <a:pPr lvl="4"/>
             <a:r>
-              <a:rPr lang="en-US"/>
-              <a:t>Fifth level</a:t>
+              <a:rPr lang="ja-JP" altLang="en-US"/>
+              <a:t>第 </a:t>
+            </a:r>
+            <a:r>
+              <a:rPr lang="en-US" altLang="ja-JP"/>
+              <a:t>5 </a:t>
+            </a:r>
+            <a:r>
+              <a:rPr lang="ja-JP" altLang="en-US"/>
+              <a:t>レベル</a:t>
             </a:r>
             <a:endParaRPr lang="en-US" dirty="0"/>
           </a:p>
@@ -12002,7 +12097,7 @@
     </p:spTree>
     <p:extLst>
       <p:ext uri="{BB962C8B-B14F-4D97-AF65-F5344CB8AC3E}">
-        <p14:creationId xmlns:p14="http://schemas.microsoft.com/office/powerpoint/2010/main" val="2763091100"/>
+        <p14:creationId xmlns:p14="http://schemas.microsoft.com/office/powerpoint/2010/main" val="349631781"/>
       </p:ext>
     </p:extLst>
   </p:cSld>
@@ -12014,7 +12109,7 @@
 
 <file path=ppt/slideLayouts/slideLayout17.xml><?xml version="1.0" encoding="utf-8"?>
 <p:sldLayout xmlns:a="http://schemas.openxmlformats.org/drawingml/2006/main" xmlns:r="http://schemas.openxmlformats.org/officeDocument/2006/relationships" xmlns:p="http://schemas.openxmlformats.org/presentationml/2006/main" type="vertTitleAndTx" preserve="1">
-  <p:cSld name="Vertical Title and Text">
+  <p:cSld name="縦書きタイトルと&#10;縦書きテキスト">
     <p:spTree>
       <p:nvGrpSpPr>
         <p:cNvPr id="1" name=""/>
@@ -12054,8 +12149,8 @@
           </a:lstStyle>
           <a:p>
             <a:r>
-              <a:rPr lang="en-US"/>
-              <a:t>Click to edit Master title style</a:t>
+              <a:rPr lang="ja-JP" altLang="en-US"/>
+              <a:t>マスター タイトルの書式設定</a:t>
             </a:r>
             <a:endParaRPr lang="en-US" dirty="0"/>
           </a:p>
@@ -12083,36 +12178,68 @@
           <a:p>
             <a:pPr lvl="0"/>
             <a:r>
-              <a:rPr lang="en-US"/>
-              <a:t>Click to edit Master text styles</a:t>
+              <a:rPr lang="ja-JP" altLang="en-US"/>
+              <a:t>マスター テキストの書式設定</a:t>
             </a:r>
           </a:p>
           <a:p>
             <a:pPr lvl="1"/>
             <a:r>
-              <a:rPr lang="en-US"/>
-              <a:t>Second level</a:t>
+              <a:rPr lang="ja-JP" altLang="en-US"/>
+              <a:t>第 </a:t>
+            </a:r>
+            <a:r>
+              <a:rPr lang="en-US" altLang="ja-JP"/>
+              <a:t>2 </a:t>
+            </a:r>
+            <a:r>
+              <a:rPr lang="ja-JP" altLang="en-US"/>
+              <a:t>レベル</a:t>
             </a:r>
           </a:p>
           <a:p>
             <a:pPr lvl="2"/>
             <a:r>
-              <a:rPr lang="en-US"/>
-              <a:t>Third level</a:t>
+              <a:rPr lang="ja-JP" altLang="en-US"/>
+              <a:t>第 </a:t>
+            </a:r>
+            <a:r>
+              <a:rPr lang="en-US" altLang="ja-JP"/>
+              <a:t>3 </a:t>
+            </a:r>
+            <a:r>
+              <a:rPr lang="ja-JP" altLang="en-US"/>
+              <a:t>レベル</a:t>
             </a:r>
           </a:p>
           <a:p>
             <a:pPr lvl="3"/>
             <a:r>
-              <a:rPr lang="en-US"/>
-              <a:t>Fourth level</a:t>
+              <a:rPr lang="ja-JP" altLang="en-US"/>
+              <a:t>第 </a:t>
+            </a:r>
+            <a:r>
+              <a:rPr lang="en-US" altLang="ja-JP"/>
+              <a:t>4 </a:t>
+            </a:r>
+            <a:r>
+              <a:rPr lang="ja-JP" altLang="en-US"/>
+              <a:t>レベル</a:t>
             </a:r>
           </a:p>
           <a:p>
             <a:pPr lvl="4"/>
             <a:r>
-              <a:rPr lang="en-US"/>
-              <a:t>Fifth level</a:t>
+              <a:rPr lang="ja-JP" altLang="en-US"/>
+              <a:t>第 </a:t>
+            </a:r>
+            <a:r>
+              <a:rPr lang="en-US" altLang="ja-JP"/>
+              <a:t>5 </a:t>
+            </a:r>
+            <a:r>
+              <a:rPr lang="ja-JP" altLang="en-US"/>
+              <a:t>レベル</a:t>
             </a:r>
             <a:endParaRPr lang="en-US" dirty="0"/>
           </a:p>
@@ -12186,7 +12313,7 @@
     </p:spTree>
     <p:extLst>
       <p:ext uri="{BB962C8B-B14F-4D97-AF65-F5344CB8AC3E}">
-        <p14:creationId xmlns:p14="http://schemas.microsoft.com/office/powerpoint/2010/main" val="4074596693"/>
+        <p14:creationId xmlns:p14="http://schemas.microsoft.com/office/powerpoint/2010/main" val="3431679287"/>
       </p:ext>
     </p:extLst>
   </p:cSld>
@@ -12198,7 +12325,7 @@
 
 <file path=ppt/slideLayouts/slideLayout2.xml><?xml version="1.0" encoding="utf-8"?>
 <p:sldLayout xmlns:a="http://schemas.openxmlformats.org/drawingml/2006/main" xmlns:r="http://schemas.openxmlformats.org/officeDocument/2006/relationships" xmlns:p="http://schemas.openxmlformats.org/presentationml/2006/main" type="obj" preserve="1">
-  <p:cSld name="Title and Content">
+  <p:cSld name="タイトルとコンテンツ">
     <p:spTree>
       <p:nvGrpSpPr>
         <p:cNvPr id="1" name=""/>
@@ -12229,8 +12356,8 @@
           <a:lstStyle/>
           <a:p>
             <a:r>
-              <a:rPr lang="en-US"/>
-              <a:t>Click to edit Master title style</a:t>
+              <a:rPr lang="ja-JP" altLang="en-US"/>
+              <a:t>マスター タイトルの書式設定</a:t>
             </a:r>
             <a:endParaRPr lang="en-US" dirty="0"/>
           </a:p>
@@ -12253,36 +12380,68 @@
           <a:p>
             <a:pPr lvl="0"/>
             <a:r>
-              <a:rPr lang="en-US"/>
-              <a:t>Click to edit Master text styles</a:t>
+              <a:rPr lang="ja-JP" altLang="en-US"/>
+              <a:t>マスター テキストの書式設定</a:t>
             </a:r>
           </a:p>
           <a:p>
             <a:pPr lvl="1"/>
             <a:r>
-              <a:rPr lang="en-US"/>
-              <a:t>Second level</a:t>
+              <a:rPr lang="ja-JP" altLang="en-US"/>
+              <a:t>第 </a:t>
+            </a:r>
+            <a:r>
+              <a:rPr lang="en-US" altLang="ja-JP"/>
+              <a:t>2 </a:t>
+            </a:r>
+            <a:r>
+              <a:rPr lang="ja-JP" altLang="en-US"/>
+              <a:t>レベル</a:t>
             </a:r>
           </a:p>
           <a:p>
             <a:pPr lvl="2"/>
             <a:r>
-              <a:rPr lang="en-US"/>
-              <a:t>Third level</a:t>
+              <a:rPr lang="ja-JP" altLang="en-US"/>
+              <a:t>第 </a:t>
+            </a:r>
+            <a:r>
+              <a:rPr lang="en-US" altLang="ja-JP"/>
+              <a:t>3 </a:t>
+            </a:r>
+            <a:r>
+              <a:rPr lang="ja-JP" altLang="en-US"/>
+              <a:t>レベル</a:t>
             </a:r>
           </a:p>
           <a:p>
             <a:pPr lvl="3"/>
             <a:r>
-              <a:rPr lang="en-US"/>
-              <a:t>Fourth level</a:t>
+              <a:rPr lang="ja-JP" altLang="en-US"/>
+              <a:t>第 </a:t>
+            </a:r>
+            <a:r>
+              <a:rPr lang="en-US" altLang="ja-JP"/>
+              <a:t>4 </a:t>
+            </a:r>
+            <a:r>
+              <a:rPr lang="ja-JP" altLang="en-US"/>
+              <a:t>レベル</a:t>
             </a:r>
           </a:p>
           <a:p>
             <a:pPr lvl="4"/>
             <a:r>
-              <a:rPr lang="en-US"/>
-              <a:t>Fifth level</a:t>
+              <a:rPr lang="ja-JP" altLang="en-US"/>
+              <a:t>第 </a:t>
+            </a:r>
+            <a:r>
+              <a:rPr lang="en-US" altLang="ja-JP"/>
+              <a:t>5 </a:t>
+            </a:r>
+            <a:r>
+              <a:rPr lang="ja-JP" altLang="en-US"/>
+              <a:t>レベル</a:t>
             </a:r>
             <a:endParaRPr lang="en-US" dirty="0"/>
           </a:p>
@@ -12356,7 +12515,7 @@
     </p:spTree>
     <p:extLst>
       <p:ext uri="{BB962C8B-B14F-4D97-AF65-F5344CB8AC3E}">
-        <p14:creationId xmlns:p14="http://schemas.microsoft.com/office/powerpoint/2010/main" val="2586241081"/>
+        <p14:creationId xmlns:p14="http://schemas.microsoft.com/office/powerpoint/2010/main" val="833291111"/>
       </p:ext>
     </p:extLst>
   </p:cSld>
@@ -12368,7 +12527,7 @@
 
 <file path=ppt/slideLayouts/slideLayout3.xml><?xml version="1.0" encoding="utf-8"?>
 <p:sldLayout xmlns:a="http://schemas.openxmlformats.org/drawingml/2006/main" xmlns:r="http://schemas.openxmlformats.org/officeDocument/2006/relationships" xmlns:p="http://schemas.openxmlformats.org/presentationml/2006/main" type="secHead" preserve="1">
-  <p:cSld name="Section Header">
+  <p:cSld name="セクション見出し">
     <p:spTree>
       <p:nvGrpSpPr>
         <p:cNvPr id="1" name=""/>
@@ -12410,8 +12569,8 @@
           </a:lstStyle>
           <a:p>
             <a:r>
-              <a:rPr lang="en-US"/>
-              <a:t>Click to edit Master title style</a:t>
+              <a:rPr lang="ja-JP" altLang="en-US"/>
+              <a:t>マスター タイトルの書式設定</a:t>
             </a:r>
             <a:endParaRPr lang="en-US" dirty="0"/>
           </a:p>
@@ -12530,8 +12689,8 @@
           <a:p>
             <a:pPr lvl="0"/>
             <a:r>
-              <a:rPr lang="en-US"/>
-              <a:t>Click to edit Master text styles</a:t>
+              <a:rPr lang="ja-JP" altLang="en-US"/>
+              <a:t>マスター テキストの書式設定</a:t>
             </a:r>
           </a:p>
         </p:txBody>
@@ -12604,7 +12763,7 @@
     </p:spTree>
     <p:extLst>
       <p:ext uri="{BB962C8B-B14F-4D97-AF65-F5344CB8AC3E}">
-        <p14:creationId xmlns:p14="http://schemas.microsoft.com/office/powerpoint/2010/main" val="2080002485"/>
+        <p14:creationId xmlns:p14="http://schemas.microsoft.com/office/powerpoint/2010/main" val="3185645056"/>
       </p:ext>
     </p:extLst>
   </p:cSld>
@@ -12616,7 +12775,7 @@
 
 <file path=ppt/slideLayouts/slideLayout4.xml><?xml version="1.0" encoding="utf-8"?>
 <p:sldLayout xmlns:a="http://schemas.openxmlformats.org/drawingml/2006/main" xmlns:r="http://schemas.openxmlformats.org/officeDocument/2006/relationships" xmlns:p="http://schemas.openxmlformats.org/presentationml/2006/main" type="twoObj" preserve="1">
-  <p:cSld name="Two Content">
+  <p:cSld name="2 つのコンテンツ">
     <p:spTree>
       <p:nvGrpSpPr>
         <p:cNvPr id="1" name=""/>
@@ -12652,8 +12811,8 @@
           <a:lstStyle/>
           <a:p>
             <a:r>
-              <a:rPr lang="en-US"/>
-              <a:t>Click to edit Master title style</a:t>
+              <a:rPr lang="ja-JP" altLang="en-US"/>
+              <a:t>マスター タイトルの書式設定</a:t>
             </a:r>
             <a:endParaRPr lang="en-US" dirty="0"/>
           </a:p>
@@ -12681,36 +12840,68 @@
           <a:p>
             <a:pPr lvl="0"/>
             <a:r>
-              <a:rPr lang="en-US"/>
-              <a:t>Click to edit Master text styles</a:t>
+              <a:rPr lang="ja-JP" altLang="en-US"/>
+              <a:t>マスター テキストの書式設定</a:t>
             </a:r>
           </a:p>
           <a:p>
             <a:pPr lvl="1"/>
             <a:r>
-              <a:rPr lang="en-US"/>
-              <a:t>Second level</a:t>
+              <a:rPr lang="ja-JP" altLang="en-US"/>
+              <a:t>第 </a:t>
+            </a:r>
+            <a:r>
+              <a:rPr lang="en-US" altLang="ja-JP"/>
+              <a:t>2 </a:t>
+            </a:r>
+            <a:r>
+              <a:rPr lang="ja-JP" altLang="en-US"/>
+              <a:t>レベル</a:t>
             </a:r>
           </a:p>
           <a:p>
             <a:pPr lvl="2"/>
             <a:r>
-              <a:rPr lang="en-US"/>
-              <a:t>Third level</a:t>
+              <a:rPr lang="ja-JP" altLang="en-US"/>
+              <a:t>第 </a:t>
+            </a:r>
+            <a:r>
+              <a:rPr lang="en-US" altLang="ja-JP"/>
+              <a:t>3 </a:t>
+            </a:r>
+            <a:r>
+              <a:rPr lang="ja-JP" altLang="en-US"/>
+              <a:t>レベル</a:t>
             </a:r>
           </a:p>
           <a:p>
             <a:pPr lvl="3"/>
             <a:r>
-              <a:rPr lang="en-US"/>
-              <a:t>Fourth level</a:t>
+              <a:rPr lang="ja-JP" altLang="en-US"/>
+              <a:t>第 </a:t>
+            </a:r>
+            <a:r>
+              <a:rPr lang="en-US" altLang="ja-JP"/>
+              <a:t>4 </a:t>
+            </a:r>
+            <a:r>
+              <a:rPr lang="ja-JP" altLang="en-US"/>
+              <a:t>レベル</a:t>
             </a:r>
           </a:p>
           <a:p>
             <a:pPr lvl="4"/>
             <a:r>
-              <a:rPr lang="en-US"/>
-              <a:t>Fifth level</a:t>
+              <a:rPr lang="ja-JP" altLang="en-US"/>
+              <a:t>第 </a:t>
+            </a:r>
+            <a:r>
+              <a:rPr lang="en-US" altLang="ja-JP"/>
+              <a:t>5 </a:t>
+            </a:r>
+            <a:r>
+              <a:rPr lang="ja-JP" altLang="en-US"/>
+              <a:t>レベル</a:t>
             </a:r>
             <a:endParaRPr lang="en-US" dirty="0"/>
           </a:p>
@@ -12738,36 +12929,68 @@
           <a:p>
             <a:pPr lvl="0"/>
             <a:r>
-              <a:rPr lang="en-US"/>
-              <a:t>Click to edit Master text styles</a:t>
+              <a:rPr lang="ja-JP" altLang="en-US"/>
+              <a:t>マスター テキストの書式設定</a:t>
             </a:r>
           </a:p>
           <a:p>
             <a:pPr lvl="1"/>
             <a:r>
-              <a:rPr lang="en-US"/>
-              <a:t>Second level</a:t>
+              <a:rPr lang="ja-JP" altLang="en-US"/>
+              <a:t>第 </a:t>
+            </a:r>
+            <a:r>
+              <a:rPr lang="en-US" altLang="ja-JP"/>
+              <a:t>2 </a:t>
+            </a:r>
+            <a:r>
+              <a:rPr lang="ja-JP" altLang="en-US"/>
+              <a:t>レベル</a:t>
             </a:r>
           </a:p>
           <a:p>
             <a:pPr lvl="2"/>
             <a:r>
-              <a:rPr lang="en-US"/>
-              <a:t>Third level</a:t>
+              <a:rPr lang="ja-JP" altLang="en-US"/>
+              <a:t>第 </a:t>
+            </a:r>
+            <a:r>
+              <a:rPr lang="en-US" altLang="ja-JP"/>
+              <a:t>3 </a:t>
+            </a:r>
+            <a:r>
+              <a:rPr lang="ja-JP" altLang="en-US"/>
+              <a:t>レベル</a:t>
             </a:r>
           </a:p>
           <a:p>
             <a:pPr lvl="3"/>
             <a:r>
-              <a:rPr lang="en-US"/>
-              <a:t>Fourth level</a:t>
+              <a:rPr lang="ja-JP" altLang="en-US"/>
+              <a:t>第 </a:t>
+            </a:r>
+            <a:r>
+              <a:rPr lang="en-US" altLang="ja-JP"/>
+              <a:t>4 </a:t>
+            </a:r>
+            <a:r>
+              <a:rPr lang="ja-JP" altLang="en-US"/>
+              <a:t>レベル</a:t>
             </a:r>
           </a:p>
           <a:p>
             <a:pPr lvl="4"/>
             <a:r>
-              <a:rPr lang="en-US"/>
-              <a:t>Fifth level</a:t>
+              <a:rPr lang="ja-JP" altLang="en-US"/>
+              <a:t>第 </a:t>
+            </a:r>
+            <a:r>
+              <a:rPr lang="en-US" altLang="ja-JP"/>
+              <a:t>5 </a:t>
+            </a:r>
+            <a:r>
+              <a:rPr lang="ja-JP" altLang="en-US"/>
+              <a:t>レベル</a:t>
             </a:r>
             <a:endParaRPr lang="en-US" dirty="0"/>
           </a:p>
@@ -12841,7 +13064,7 @@
     </p:spTree>
     <p:extLst>
       <p:ext uri="{BB962C8B-B14F-4D97-AF65-F5344CB8AC3E}">
-        <p14:creationId xmlns:p14="http://schemas.microsoft.com/office/powerpoint/2010/main" val="4234267581"/>
+        <p14:creationId xmlns:p14="http://schemas.microsoft.com/office/powerpoint/2010/main" val="3125492334"/>
       </p:ext>
     </p:extLst>
   </p:cSld>
@@ -12853,7 +13076,7 @@
 
 <file path=ppt/slideLayouts/slideLayout5.xml><?xml version="1.0" encoding="utf-8"?>
 <p:sldLayout xmlns:a="http://schemas.openxmlformats.org/drawingml/2006/main" xmlns:r="http://schemas.openxmlformats.org/officeDocument/2006/relationships" xmlns:p="http://schemas.openxmlformats.org/presentationml/2006/main" type="twoTxTwoObj" preserve="1">
-  <p:cSld name="Comparison">
+  <p:cSld name="比較">
     <p:spTree>
       <p:nvGrpSpPr>
         <p:cNvPr id="1" name=""/>
@@ -12889,8 +13112,8 @@
           <a:lstStyle/>
           <a:p>
             <a:r>
-              <a:rPr lang="en-US"/>
-              <a:t>Click to edit Master title style</a:t>
+              <a:rPr lang="ja-JP" altLang="en-US"/>
+              <a:t>マスター タイトルの書式設定</a:t>
             </a:r>
             <a:endParaRPr lang="en-US" dirty="0"/>
           </a:p>
@@ -12958,8 +13181,8 @@
           <a:p>
             <a:pPr lvl="0"/>
             <a:r>
-              <a:rPr lang="en-US"/>
-              <a:t>Click to edit Master text styles</a:t>
+              <a:rPr lang="ja-JP" altLang="en-US"/>
+              <a:t>マスター テキストの書式設定</a:t>
             </a:r>
           </a:p>
         </p:txBody>
@@ -12986,36 +13209,68 @@
           <a:p>
             <a:pPr lvl="0"/>
             <a:r>
-              <a:rPr lang="en-US"/>
-              <a:t>Click to edit Master text styles</a:t>
+              <a:rPr lang="ja-JP" altLang="en-US"/>
+              <a:t>マスター テキストの書式設定</a:t>
             </a:r>
           </a:p>
           <a:p>
             <a:pPr lvl="1"/>
             <a:r>
-              <a:rPr lang="en-US"/>
-              <a:t>Second level</a:t>
+              <a:rPr lang="ja-JP" altLang="en-US"/>
+              <a:t>第 </a:t>
+            </a:r>
+            <a:r>
+              <a:rPr lang="en-US" altLang="ja-JP"/>
+              <a:t>2 </a:t>
+            </a:r>
+            <a:r>
+              <a:rPr lang="ja-JP" altLang="en-US"/>
+              <a:t>レベル</a:t>
             </a:r>
           </a:p>
           <a:p>
             <a:pPr lvl="2"/>
             <a:r>
-              <a:rPr lang="en-US"/>
-              <a:t>Third level</a:t>
+              <a:rPr lang="ja-JP" altLang="en-US"/>
+              <a:t>第 </a:t>
+            </a:r>
+            <a:r>
+              <a:rPr lang="en-US" altLang="ja-JP"/>
+              <a:t>3 </a:t>
+            </a:r>
+            <a:r>
+              <a:rPr lang="ja-JP" altLang="en-US"/>
+              <a:t>レベル</a:t>
             </a:r>
           </a:p>
           <a:p>
             <a:pPr lvl="3"/>
             <a:r>
-              <a:rPr lang="en-US"/>
-              <a:t>Fourth level</a:t>
+              <a:rPr lang="ja-JP" altLang="en-US"/>
+              <a:t>第 </a:t>
+            </a:r>
+            <a:r>
+              <a:rPr lang="en-US" altLang="ja-JP"/>
+              <a:t>4 </a:t>
+            </a:r>
+            <a:r>
+              <a:rPr lang="ja-JP" altLang="en-US"/>
+              <a:t>レベル</a:t>
             </a:r>
           </a:p>
           <a:p>
             <a:pPr lvl="4"/>
             <a:r>
-              <a:rPr lang="en-US"/>
-              <a:t>Fifth level</a:t>
+              <a:rPr lang="ja-JP" altLang="en-US"/>
+              <a:t>第 </a:t>
+            </a:r>
+            <a:r>
+              <a:rPr lang="en-US" altLang="ja-JP"/>
+              <a:t>5 </a:t>
+            </a:r>
+            <a:r>
+              <a:rPr lang="ja-JP" altLang="en-US"/>
+              <a:t>レベル</a:t>
             </a:r>
             <a:endParaRPr lang="en-US" dirty="0"/>
           </a:p>
@@ -13083,8 +13338,8 @@
           <a:p>
             <a:pPr lvl="0"/>
             <a:r>
-              <a:rPr lang="en-US"/>
-              <a:t>Click to edit Master text styles</a:t>
+              <a:rPr lang="ja-JP" altLang="en-US"/>
+              <a:t>マスター テキストの書式設定</a:t>
             </a:r>
           </a:p>
         </p:txBody>
@@ -13111,36 +13366,68 @@
           <a:p>
             <a:pPr lvl="0"/>
             <a:r>
-              <a:rPr lang="en-US"/>
-              <a:t>Click to edit Master text styles</a:t>
+              <a:rPr lang="ja-JP" altLang="en-US"/>
+              <a:t>マスター テキストの書式設定</a:t>
             </a:r>
           </a:p>
           <a:p>
             <a:pPr lvl="1"/>
             <a:r>
-              <a:rPr lang="en-US"/>
-              <a:t>Second level</a:t>
+              <a:rPr lang="ja-JP" altLang="en-US"/>
+              <a:t>第 </a:t>
+            </a:r>
+            <a:r>
+              <a:rPr lang="en-US" altLang="ja-JP"/>
+              <a:t>2 </a:t>
+            </a:r>
+            <a:r>
+              <a:rPr lang="ja-JP" altLang="en-US"/>
+              <a:t>レベル</a:t>
             </a:r>
           </a:p>
           <a:p>
             <a:pPr lvl="2"/>
             <a:r>
-              <a:rPr lang="en-US"/>
-              <a:t>Third level</a:t>
+              <a:rPr lang="ja-JP" altLang="en-US"/>
+              <a:t>第 </a:t>
+            </a:r>
+            <a:r>
+              <a:rPr lang="en-US" altLang="ja-JP"/>
+              <a:t>3 </a:t>
+            </a:r>
+            <a:r>
+              <a:rPr lang="ja-JP" altLang="en-US"/>
+              <a:t>レベル</a:t>
             </a:r>
           </a:p>
           <a:p>
             <a:pPr lvl="3"/>
             <a:r>
-              <a:rPr lang="en-US"/>
-              <a:t>Fourth level</a:t>
+              <a:rPr lang="ja-JP" altLang="en-US"/>
+              <a:t>第 </a:t>
+            </a:r>
+            <a:r>
+              <a:rPr lang="en-US" altLang="ja-JP"/>
+              <a:t>4 </a:t>
+            </a:r>
+            <a:r>
+              <a:rPr lang="ja-JP" altLang="en-US"/>
+              <a:t>レベル</a:t>
             </a:r>
           </a:p>
           <a:p>
             <a:pPr lvl="4"/>
             <a:r>
-              <a:rPr lang="en-US"/>
-              <a:t>Fifth level</a:t>
+              <a:rPr lang="ja-JP" altLang="en-US"/>
+              <a:t>第 </a:t>
+            </a:r>
+            <a:r>
+              <a:rPr lang="en-US" altLang="ja-JP"/>
+              <a:t>5 </a:t>
+            </a:r>
+            <a:r>
+              <a:rPr lang="ja-JP" altLang="en-US"/>
+              <a:t>レベル</a:t>
             </a:r>
             <a:endParaRPr lang="en-US" dirty="0"/>
           </a:p>
@@ -13214,7 +13501,7 @@
     </p:spTree>
     <p:extLst>
       <p:ext uri="{BB962C8B-B14F-4D97-AF65-F5344CB8AC3E}">
-        <p14:creationId xmlns:p14="http://schemas.microsoft.com/office/powerpoint/2010/main" val="1410061370"/>
+        <p14:creationId xmlns:p14="http://schemas.microsoft.com/office/powerpoint/2010/main" val="1109252836"/>
       </p:ext>
     </p:extLst>
   </p:cSld>
@@ -13226,7 +13513,7 @@
 
 <file path=ppt/slideLayouts/slideLayout6.xml><?xml version="1.0" encoding="utf-8"?>
 <p:sldLayout xmlns:a="http://schemas.openxmlformats.org/drawingml/2006/main" xmlns:r="http://schemas.openxmlformats.org/officeDocument/2006/relationships" xmlns:p="http://schemas.openxmlformats.org/presentationml/2006/main" type="titleOnly" preserve="1">
-  <p:cSld name="Title Only">
+  <p:cSld name="タイトルのみ">
     <p:spTree>
       <p:nvGrpSpPr>
         <p:cNvPr id="1" name=""/>
@@ -13257,8 +13544,8 @@
           <a:lstStyle/>
           <a:p>
             <a:r>
-              <a:rPr lang="en-US"/>
-              <a:t>Click to edit Master title style</a:t>
+              <a:rPr lang="ja-JP" altLang="en-US"/>
+              <a:t>マスター タイトルの書式設定</a:t>
             </a:r>
             <a:endParaRPr lang="en-US" dirty="0"/>
           </a:p>
@@ -13332,7 +13619,7 @@
     </p:spTree>
     <p:extLst>
       <p:ext uri="{BB962C8B-B14F-4D97-AF65-F5344CB8AC3E}">
-        <p14:creationId xmlns:p14="http://schemas.microsoft.com/office/powerpoint/2010/main" val="3160745096"/>
+        <p14:creationId xmlns:p14="http://schemas.microsoft.com/office/powerpoint/2010/main" val="3187530920"/>
       </p:ext>
     </p:extLst>
   </p:cSld>
@@ -13344,7 +13631,7 @@
 
 <file path=ppt/slideLayouts/slideLayout7.xml><?xml version="1.0" encoding="utf-8"?>
 <p:sldLayout xmlns:a="http://schemas.openxmlformats.org/drawingml/2006/main" xmlns:r="http://schemas.openxmlformats.org/officeDocument/2006/relationships" xmlns:p="http://schemas.openxmlformats.org/presentationml/2006/main" type="blank" preserve="1">
-  <p:cSld name="Blank">
+  <p:cSld name="白紙">
     <p:spTree>
       <p:nvGrpSpPr>
         <p:cNvPr id="1" name=""/>
@@ -13427,7 +13714,7 @@
     </p:spTree>
     <p:extLst>
       <p:ext uri="{BB962C8B-B14F-4D97-AF65-F5344CB8AC3E}">
-        <p14:creationId xmlns:p14="http://schemas.microsoft.com/office/powerpoint/2010/main" val="352432715"/>
+        <p14:creationId xmlns:p14="http://schemas.microsoft.com/office/powerpoint/2010/main" val="3039688735"/>
       </p:ext>
     </p:extLst>
   </p:cSld>
@@ -13439,7 +13726,7 @@
 
 <file path=ppt/slideLayouts/slideLayout8.xml><?xml version="1.0" encoding="utf-8"?>
 <p:sldLayout xmlns:a="http://schemas.openxmlformats.org/drawingml/2006/main" xmlns:r="http://schemas.openxmlformats.org/officeDocument/2006/relationships" xmlns:p="http://schemas.openxmlformats.org/presentationml/2006/main" type="objTx" preserve="1">
-  <p:cSld name="Content with Caption">
+  <p:cSld name="タイトル付きのコンテンツ">
     <p:spTree>
       <p:nvGrpSpPr>
         <p:cNvPr id="1" name=""/>
@@ -13481,8 +13768,8 @@
           </a:lstStyle>
           <a:p>
             <a:r>
-              <a:rPr lang="en-US"/>
-              <a:t>Click to edit Master title style</a:t>
+              <a:rPr lang="ja-JP" altLang="en-US"/>
+              <a:t>マスター タイトルの書式設定</a:t>
             </a:r>
             <a:endParaRPr lang="en-US" dirty="0"/>
           </a:p>
@@ -13510,36 +13797,68 @@
           <a:p>
             <a:pPr lvl="0"/>
             <a:r>
-              <a:rPr lang="en-US"/>
-              <a:t>Click to edit Master text styles</a:t>
+              <a:rPr lang="ja-JP" altLang="en-US"/>
+              <a:t>マスター テキストの書式設定</a:t>
             </a:r>
           </a:p>
           <a:p>
             <a:pPr lvl="1"/>
             <a:r>
-              <a:rPr lang="en-US"/>
-              <a:t>Second level</a:t>
+              <a:rPr lang="ja-JP" altLang="en-US"/>
+              <a:t>第 </a:t>
+            </a:r>
+            <a:r>
+              <a:rPr lang="en-US" altLang="ja-JP"/>
+              <a:t>2 </a:t>
+            </a:r>
+            <a:r>
+              <a:rPr lang="ja-JP" altLang="en-US"/>
+              <a:t>レベル</a:t>
             </a:r>
           </a:p>
           <a:p>
             <a:pPr lvl="2"/>
             <a:r>
-              <a:rPr lang="en-US"/>
-              <a:t>Third level</a:t>
+              <a:rPr lang="ja-JP" altLang="en-US"/>
+              <a:t>第 </a:t>
+            </a:r>
+            <a:r>
+              <a:rPr lang="en-US" altLang="ja-JP"/>
+              <a:t>3 </a:t>
+            </a:r>
+            <a:r>
+              <a:rPr lang="ja-JP" altLang="en-US"/>
+              <a:t>レベル</a:t>
             </a:r>
           </a:p>
           <a:p>
             <a:pPr lvl="3"/>
             <a:r>
-              <a:rPr lang="en-US"/>
-              <a:t>Fourth level</a:t>
+              <a:rPr lang="ja-JP" altLang="en-US"/>
+              <a:t>第 </a:t>
+            </a:r>
+            <a:r>
+              <a:rPr lang="en-US" altLang="ja-JP"/>
+              <a:t>4 </a:t>
+            </a:r>
+            <a:r>
+              <a:rPr lang="ja-JP" altLang="en-US"/>
+              <a:t>レベル</a:t>
             </a:r>
           </a:p>
           <a:p>
             <a:pPr lvl="4"/>
             <a:r>
-              <a:rPr lang="en-US"/>
-              <a:t>Fifth level</a:t>
+              <a:rPr lang="ja-JP" altLang="en-US"/>
+              <a:t>第 </a:t>
+            </a:r>
+            <a:r>
+              <a:rPr lang="en-US" altLang="ja-JP"/>
+              <a:t>5 </a:t>
+            </a:r>
+            <a:r>
+              <a:rPr lang="ja-JP" altLang="en-US"/>
+              <a:t>レベル</a:t>
             </a:r>
             <a:endParaRPr lang="en-US" dirty="0"/>
           </a:p>
@@ -13604,8 +13923,8 @@
           <a:p>
             <a:pPr lvl="0"/>
             <a:r>
-              <a:rPr lang="en-US"/>
-              <a:t>Click to edit Master text styles</a:t>
+              <a:rPr lang="ja-JP" altLang="en-US"/>
+              <a:t>マスター テキストの書式設定</a:t>
             </a:r>
           </a:p>
         </p:txBody>
@@ -13678,7 +13997,7 @@
     </p:spTree>
     <p:extLst>
       <p:ext uri="{BB962C8B-B14F-4D97-AF65-F5344CB8AC3E}">
-        <p14:creationId xmlns:p14="http://schemas.microsoft.com/office/powerpoint/2010/main" val="4266166606"/>
+        <p14:creationId xmlns:p14="http://schemas.microsoft.com/office/powerpoint/2010/main" val="1204918345"/>
       </p:ext>
     </p:extLst>
   </p:cSld>
@@ -13690,7 +14009,7 @@
 
 <file path=ppt/slideLayouts/slideLayout9.xml><?xml version="1.0" encoding="utf-8"?>
 <p:sldLayout xmlns:a="http://schemas.openxmlformats.org/drawingml/2006/main" xmlns:r="http://schemas.openxmlformats.org/officeDocument/2006/relationships" xmlns:p="http://schemas.openxmlformats.org/presentationml/2006/main" type="picTx" preserve="1">
-  <p:cSld name="Picture with Caption">
+  <p:cSld name="タイトル付きの図">
     <p:spTree>
       <p:nvGrpSpPr>
         <p:cNvPr id="1" name=""/>
@@ -13732,8 +14051,8 @@
           </a:lstStyle>
           <a:p>
             <a:r>
-              <a:rPr lang="en-US"/>
-              <a:t>Click to edit Master title style</a:t>
+              <a:rPr lang="ja-JP" altLang="en-US"/>
+              <a:t>マスター タイトルの書式設定</a:t>
             </a:r>
             <a:endParaRPr lang="en-US" dirty="0"/>
           </a:p>
@@ -13823,8 +14142,8 @@
           </a:lstStyle>
           <a:p>
             <a:r>
-              <a:rPr lang="en-US"/>
-              <a:t>Click icon to add picture</a:t>
+              <a:rPr lang="ja-JP" altLang="en-US"/>
+              <a:t>アイコンをクリックして図を追加</a:t>
             </a:r>
             <a:endParaRPr lang="en-US" dirty="0"/>
           </a:p>
@@ -13891,8 +14210,8 @@
           <a:p>
             <a:pPr lvl="0"/>
             <a:r>
-              <a:rPr lang="en-US"/>
-              <a:t>Click to edit Master text styles</a:t>
+              <a:rPr lang="ja-JP" altLang="en-US"/>
+              <a:t>マスター テキストの書式設定</a:t>
             </a:r>
           </a:p>
         </p:txBody>
@@ -13965,7 +14284,7 @@
     </p:spTree>
     <p:extLst>
       <p:ext uri="{BB962C8B-B14F-4D97-AF65-F5344CB8AC3E}">
-        <p14:creationId xmlns:p14="http://schemas.microsoft.com/office/powerpoint/2010/main" val="1521275810"/>
+        <p14:creationId xmlns:p14="http://schemas.microsoft.com/office/powerpoint/2010/main" val="2375816914"/>
       </p:ext>
     </p:extLst>
   </p:cSld>
@@ -14023,8 +14342,8 @@
           <a:lstStyle/>
           <a:p>
             <a:r>
-              <a:rPr lang="en-US"/>
-              <a:t>Click to edit Master title style</a:t>
+              <a:rPr lang="ja-JP" altLang="en-US"/>
+              <a:t>マスター タイトルの書式設定</a:t>
             </a:r>
             <a:endParaRPr lang="en-US" dirty="0"/>
           </a:p>
@@ -14057,36 +14376,68 @@
           <a:p>
             <a:pPr lvl="0"/>
             <a:r>
-              <a:rPr lang="en-US"/>
-              <a:t>Click to edit Master text styles</a:t>
+              <a:rPr lang="ja-JP" altLang="en-US"/>
+              <a:t>マスター テキストの書式設定</a:t>
             </a:r>
           </a:p>
           <a:p>
             <a:pPr lvl="1"/>
             <a:r>
-              <a:rPr lang="en-US"/>
-              <a:t>Second level</a:t>
+              <a:rPr lang="ja-JP" altLang="en-US"/>
+              <a:t>第 </a:t>
+            </a:r>
+            <a:r>
+              <a:rPr lang="en-US" altLang="ja-JP"/>
+              <a:t>2 </a:t>
+            </a:r>
+            <a:r>
+              <a:rPr lang="ja-JP" altLang="en-US"/>
+              <a:t>レベル</a:t>
             </a:r>
           </a:p>
           <a:p>
             <a:pPr lvl="2"/>
             <a:r>
-              <a:rPr lang="en-US"/>
-              <a:t>Third level</a:t>
+              <a:rPr lang="ja-JP" altLang="en-US"/>
+              <a:t>第 </a:t>
+            </a:r>
+            <a:r>
+              <a:rPr lang="en-US" altLang="ja-JP"/>
+              <a:t>3 </a:t>
+            </a:r>
+            <a:r>
+              <a:rPr lang="ja-JP" altLang="en-US"/>
+              <a:t>レベル</a:t>
             </a:r>
           </a:p>
           <a:p>
             <a:pPr lvl="3"/>
             <a:r>
-              <a:rPr lang="en-US"/>
-              <a:t>Fourth level</a:t>
+              <a:rPr lang="ja-JP" altLang="en-US"/>
+              <a:t>第 </a:t>
+            </a:r>
+            <a:r>
+              <a:rPr lang="en-US" altLang="ja-JP"/>
+              <a:t>4 </a:t>
+            </a:r>
+            <a:r>
+              <a:rPr lang="ja-JP" altLang="en-US"/>
+              <a:t>レベル</a:t>
             </a:r>
           </a:p>
           <a:p>
             <a:pPr lvl="4"/>
             <a:r>
-              <a:rPr lang="en-US"/>
-              <a:t>Fifth level</a:t>
+              <a:rPr lang="ja-JP" altLang="en-US"/>
+              <a:t>第 </a:t>
+            </a:r>
+            <a:r>
+              <a:rPr lang="en-US" altLang="ja-JP"/>
+              <a:t>5 </a:t>
+            </a:r>
+            <a:r>
+              <a:rPr lang="ja-JP" altLang="en-US"/>
+              <a:t>レベル</a:t>
             </a:r>
             <a:endParaRPr lang="en-US" dirty="0"/>
           </a:p>
@@ -14214,29 +14565,29 @@
     </p:spTree>
     <p:extLst>
       <p:ext uri="{BB962C8B-B14F-4D97-AF65-F5344CB8AC3E}">
-        <p14:creationId xmlns:p14="http://schemas.microsoft.com/office/powerpoint/2010/main" val="2979992044"/>
+        <p14:creationId xmlns:p14="http://schemas.microsoft.com/office/powerpoint/2010/main" val="3214226827"/>
       </p:ext>
     </p:extLst>
   </p:cSld>
   <p:clrMap bg1="dk1" tx1="lt1" bg2="dk2" tx2="lt2" accent1="accent1" accent2="accent2" accent3="accent3" accent4="accent4" accent5="accent5" accent6="accent6" hlink="hlink" folHlink="folHlink"/>
   <p:sldLayoutIdLst>
-    <p:sldLayoutId id="2147483847" r:id="rId1"/>
-    <p:sldLayoutId id="2147483848" r:id="rId2"/>
-    <p:sldLayoutId id="2147483849" r:id="rId3"/>
-    <p:sldLayoutId id="2147483850" r:id="rId4"/>
-    <p:sldLayoutId id="2147483851" r:id="rId5"/>
-    <p:sldLayoutId id="2147483852" r:id="rId6"/>
-    <p:sldLayoutId id="2147483853" r:id="rId7"/>
-    <p:sldLayoutId id="2147483854" r:id="rId8"/>
-    <p:sldLayoutId id="2147483855" r:id="rId9"/>
-    <p:sldLayoutId id="2147483856" r:id="rId10"/>
-    <p:sldLayoutId id="2147483857" r:id="rId11"/>
-    <p:sldLayoutId id="2147483858" r:id="rId12"/>
-    <p:sldLayoutId id="2147483859" r:id="rId13"/>
-    <p:sldLayoutId id="2147483860" r:id="rId14"/>
-    <p:sldLayoutId id="2147483861" r:id="rId15"/>
-    <p:sldLayoutId id="2147483862" r:id="rId16"/>
-    <p:sldLayoutId id="2147483863" r:id="rId17"/>
+    <p:sldLayoutId id="2147483865" r:id="rId1"/>
+    <p:sldLayoutId id="2147483866" r:id="rId2"/>
+    <p:sldLayoutId id="2147483867" r:id="rId3"/>
+    <p:sldLayoutId id="2147483868" r:id="rId4"/>
+    <p:sldLayoutId id="2147483869" r:id="rId5"/>
+    <p:sldLayoutId id="2147483870" r:id="rId6"/>
+    <p:sldLayoutId id="2147483871" r:id="rId7"/>
+    <p:sldLayoutId id="2147483872" r:id="rId8"/>
+    <p:sldLayoutId id="2147483873" r:id="rId9"/>
+    <p:sldLayoutId id="2147483874" r:id="rId10"/>
+    <p:sldLayoutId id="2147483875" r:id="rId11"/>
+    <p:sldLayoutId id="2147483876" r:id="rId12"/>
+    <p:sldLayoutId id="2147483877" r:id="rId13"/>
+    <p:sldLayoutId id="2147483878" r:id="rId14"/>
+    <p:sldLayoutId id="2147483879" r:id="rId15"/>
+    <p:sldLayoutId id="2147483880" r:id="rId16"/>
+    <p:sldLayoutId id="2147483881" r:id="rId17"/>
   </p:sldLayoutIdLst>
   <p:txStyles>
     <p:titleStyle>
@@ -14248,7 +14599,7 @@
           <a:spcPct val="0"/>
         </a:spcBef>
         <a:buNone/>
-        <a:defRPr sz="3400" b="1" i="0" kern="1200" cap="all">
+        <a:defRPr kumimoji="1" sz="3400" b="1" i="0" kern="1200" cap="all">
           <a:solidFill>
             <a:schemeClr val="tx1"/>
           </a:solidFill>
@@ -14275,7 +14626,7 @@
         </a:spcBef>
         <a:buFont typeface="Arial" panose="020B0604020202020204" pitchFamily="34" charset="0"/>
         <a:buChar char="•"/>
-        <a:defRPr sz="2000" kern="1200">
+        <a:defRPr kumimoji="1" sz="2000" kern="1200">
           <a:solidFill>
             <a:schemeClr val="tx1"/>
           </a:solidFill>
@@ -14300,7 +14651,7 @@
         </a:spcBef>
         <a:buFont typeface="Arial" panose="020B0604020202020204" pitchFamily="34" charset="0"/>
         <a:buChar char="•"/>
-        <a:defRPr sz="1800" kern="1200">
+        <a:defRPr kumimoji="1" sz="1800" kern="1200">
           <a:solidFill>
             <a:schemeClr val="tx1"/>
           </a:solidFill>
@@ -14325,7 +14676,7 @@
         </a:spcBef>
         <a:buFont typeface="Arial" panose="020B0604020202020204" pitchFamily="34" charset="0"/>
         <a:buChar char="•"/>
-        <a:defRPr sz="1600" kern="1200">
+        <a:defRPr kumimoji="1" sz="1600" kern="1200">
           <a:solidFill>
             <a:schemeClr val="tx1"/>
           </a:solidFill>
@@ -14350,7 +14701,7 @@
         </a:spcBef>
         <a:buFont typeface="Arial" panose="020B0604020202020204" pitchFamily="34" charset="0"/>
         <a:buChar char="•"/>
-        <a:defRPr sz="1400" kern="1200">
+        <a:defRPr kumimoji="1" sz="1400" kern="1200">
           <a:solidFill>
             <a:schemeClr val="tx1"/>
           </a:solidFill>
@@ -14375,7 +14726,7 @@
         </a:spcBef>
         <a:buFont typeface="Arial" panose="020B0604020202020204" pitchFamily="34" charset="0"/>
         <a:buChar char="•"/>
-        <a:defRPr sz="1200" kern="1200">
+        <a:defRPr kumimoji="1" sz="1200" kern="1200">
           <a:solidFill>
             <a:schemeClr val="tx1"/>
           </a:solidFill>
@@ -14400,7 +14751,7 @@
         </a:spcBef>
         <a:buFont typeface="Arial" panose="020B0604020202020204" pitchFamily="34" charset="0"/>
         <a:buChar char="•"/>
-        <a:defRPr sz="1200" kern="1200">
+        <a:defRPr kumimoji="1" sz="1200" kern="1200">
           <a:solidFill>
             <a:schemeClr val="tx1"/>
           </a:solidFill>
@@ -14425,7 +14776,7 @@
         </a:spcBef>
         <a:buFont typeface="Arial" panose="020B0604020202020204" pitchFamily="34" charset="0"/>
         <a:buChar char="•"/>
-        <a:defRPr sz="1200" kern="1200">
+        <a:defRPr kumimoji="1" sz="1200" kern="1200">
           <a:solidFill>
             <a:schemeClr val="tx1"/>
           </a:solidFill>
@@ -14450,7 +14801,7 @@
         </a:spcBef>
         <a:buFont typeface="Arial" panose="020B0604020202020204" pitchFamily="34" charset="0"/>
         <a:buChar char="•"/>
-        <a:defRPr sz="1200" kern="1200">
+        <a:defRPr kumimoji="1" sz="1200" kern="1200">
           <a:solidFill>
             <a:schemeClr val="tx1"/>
           </a:solidFill>
@@ -14475,7 +14826,7 @@
         </a:spcBef>
         <a:buFont typeface="Arial" panose="020B0604020202020204" pitchFamily="34" charset="0"/>
         <a:buChar char="•"/>
-        <a:defRPr sz="1200" kern="1200">
+        <a:defRPr kumimoji="1" sz="1200" kern="1200">
           <a:solidFill>
             <a:schemeClr val="tx1"/>
           </a:solidFill>
@@ -14497,7 +14848,7 @@
         <a:defRPr lang="en-US"/>
       </a:defPPr>
       <a:lvl1pPr marL="0" algn="l" defTabSz="914400" rtl="0" eaLnBrk="1" latinLnBrk="0" hangingPunct="1">
-        <a:defRPr sz="1800" kern="1200">
+        <a:defRPr kumimoji="1" sz="1800" kern="1200">
           <a:solidFill>
             <a:schemeClr val="tx1"/>
           </a:solidFill>
@@ -14507,7 +14858,7 @@
         </a:defRPr>
       </a:lvl1pPr>
       <a:lvl2pPr marL="457200" algn="l" defTabSz="914400" rtl="0" eaLnBrk="1" latinLnBrk="0" hangingPunct="1">
-        <a:defRPr sz="1800" kern="1200">
+        <a:defRPr kumimoji="1" sz="1800" kern="1200">
           <a:solidFill>
             <a:schemeClr val="tx1"/>
           </a:solidFill>
@@ -14517,7 +14868,7 @@
         </a:defRPr>
       </a:lvl2pPr>
       <a:lvl3pPr marL="914400" algn="l" defTabSz="914400" rtl="0" eaLnBrk="1" latinLnBrk="0" hangingPunct="1">
-        <a:defRPr sz="1800" kern="1200">
+        <a:defRPr kumimoji="1" sz="1800" kern="1200">
           <a:solidFill>
             <a:schemeClr val="tx1"/>
           </a:solidFill>
@@ -14527,7 +14878,7 @@
         </a:defRPr>
       </a:lvl3pPr>
       <a:lvl4pPr marL="1371600" algn="l" defTabSz="914400" rtl="0" eaLnBrk="1" latinLnBrk="0" hangingPunct="1">
-        <a:defRPr sz="1800" kern="1200">
+        <a:defRPr kumimoji="1" sz="1800" kern="1200">
           <a:solidFill>
             <a:schemeClr val="tx1"/>
           </a:solidFill>
@@ -14537,7 +14888,7 @@
         </a:defRPr>
       </a:lvl4pPr>
       <a:lvl5pPr marL="1828800" algn="l" defTabSz="914400" rtl="0" eaLnBrk="1" latinLnBrk="0" hangingPunct="1">
-        <a:defRPr sz="1800" kern="1200">
+        <a:defRPr kumimoji="1" sz="1800" kern="1200">
           <a:solidFill>
             <a:schemeClr val="tx1"/>
           </a:solidFill>
@@ -14547,7 +14898,7 @@
         </a:defRPr>
       </a:lvl5pPr>
       <a:lvl6pPr marL="2286000" algn="l" defTabSz="914400" rtl="0" eaLnBrk="1" latinLnBrk="0" hangingPunct="1">
-        <a:defRPr sz="1800" kern="1200">
+        <a:defRPr kumimoji="1" sz="1800" kern="1200">
           <a:solidFill>
             <a:schemeClr val="tx1"/>
           </a:solidFill>
@@ -14557,7 +14908,7 @@
         </a:defRPr>
       </a:lvl6pPr>
       <a:lvl7pPr marL="2743200" algn="l" defTabSz="914400" rtl="0" eaLnBrk="1" latinLnBrk="0" hangingPunct="1">
-        <a:defRPr sz="1800" kern="1200">
+        <a:defRPr kumimoji="1" sz="1800" kern="1200">
           <a:solidFill>
             <a:schemeClr val="tx1"/>
           </a:solidFill>
@@ -14567,7 +14918,7 @@
         </a:defRPr>
       </a:lvl7pPr>
       <a:lvl8pPr marL="3200400" algn="l" defTabSz="914400" rtl="0" eaLnBrk="1" latinLnBrk="0" hangingPunct="1">
-        <a:defRPr sz="1800" kern="1200">
+        <a:defRPr kumimoji="1" sz="1800" kern="1200">
           <a:solidFill>
             <a:schemeClr val="tx1"/>
           </a:solidFill>
@@ -14577,7 +14928,7 @@
         </a:defRPr>
       </a:lvl8pPr>
       <a:lvl9pPr marL="3657600" algn="l" defTabSz="914400" rtl="0" eaLnBrk="1" latinLnBrk="0" hangingPunct="1">
-        <a:defRPr sz="1800" kern="1200">
+        <a:defRPr kumimoji="1" sz="1800" kern="1200">
           <a:solidFill>
             <a:schemeClr val="tx1"/>
           </a:solidFill>
@@ -14635,66 +14986,6 @@
           <a:chExt cx="0" cy="0"/>
         </a:xfrm>
       </p:grpSpPr>
-      <p:sp useBgFill="1">
-        <p:nvSpPr>
-          <p:cNvPr id="8" name="Rectangle 7">
-            <a:extLst>
-              <a:ext uri="{FF2B5EF4-FFF2-40B4-BE49-F238E27FC236}">
-                <a16:creationId xmlns:a16="http://schemas.microsoft.com/office/drawing/2014/main" id="{BC052280-388E-4151-A1EB-5236D4FCCA28}"/>
-              </a:ext>
-              <a:ext uri="{C183D7F6-B498-43B3-948B-1728B52AA6E4}">
-                <adec:decorative xmlns:adec="http://schemas.microsoft.com/office/drawing/2017/decorative" val="1"/>
-              </a:ext>
-            </a:extLst>
-          </p:cNvPr>
-          <p:cNvSpPr>
-            <a:spLocks noGrp="1" noRot="1" noChangeAspect="1" noMove="1" noResize="1" noEditPoints="1" noAdjustHandles="1" noChangeArrowheads="1" noChangeShapeType="1" noTextEdit="1"/>
-          </p:cNvSpPr>
-          <p:nvPr>
-            <p:extLst>
-              <p:ext uri="{386F3935-93C4-4BCD-93E2-E3B085C9AB24}">
-                <p16:designElem xmlns:p16="http://schemas.microsoft.com/office/powerpoint/2015/main" val="1"/>
-              </p:ext>
-            </p:extLst>
-          </p:nvPr>
-        </p:nvSpPr>
-        <p:spPr>
-          <a:xfrm>
-            <a:off x="0" y="0"/>
-            <a:ext cx="12192000" cy="6858000"/>
-          </a:xfrm>
-          <a:prstGeom prst="rect">
-            <a:avLst/>
-          </a:prstGeom>
-          <a:ln>
-            <a:noFill/>
-          </a:ln>
-        </p:spPr>
-        <p:style>
-          <a:lnRef idx="2">
-            <a:schemeClr val="accent1">
-              <a:shade val="50000"/>
-            </a:schemeClr>
-          </a:lnRef>
-          <a:fillRef idx="1">
-            <a:schemeClr val="accent1"/>
-          </a:fillRef>
-          <a:effectRef idx="0">
-            <a:schemeClr val="accent1"/>
-          </a:effectRef>
-          <a:fontRef idx="minor">
-            <a:schemeClr val="lt1"/>
-          </a:fontRef>
-        </p:style>
-        <p:txBody>
-          <a:bodyPr rtlCol="0" anchor="ctr"/>
-          <a:lstStyle/>
-          <a:p>
-            <a:pPr algn="ctr"/>
-            <a:endParaRPr lang="en-US"/>
-          </a:p>
-        </p:txBody>
-      </p:sp>
       <p:sp>
         <p:nvSpPr>
           <p:cNvPr id="2" name="タイトル 1">
@@ -14731,58 +15022,6 @@
           </a:p>
         </p:txBody>
       </p:sp>
-      <p:cxnSp>
-        <p:nvCxnSpPr>
-          <p:cNvPr id="10" name="Straight Connector 9">
-            <a:extLst>
-              <a:ext uri="{FF2B5EF4-FFF2-40B4-BE49-F238E27FC236}">
-                <a16:creationId xmlns:a16="http://schemas.microsoft.com/office/drawing/2014/main" id="{744251C3-E720-4363-8AF0-20AD319374F0}"/>
-              </a:ext>
-              <a:ext uri="{C183D7F6-B498-43B3-948B-1728B52AA6E4}">
-                <adec:decorative xmlns:adec="http://schemas.microsoft.com/office/drawing/2017/decorative" val="1"/>
-              </a:ext>
-            </a:extLst>
-          </p:cNvPr>
-          <p:cNvCxnSpPr>
-            <a:cxnSpLocks noGrp="1" noRot="1" noChangeAspect="1" noMove="1" noResize="1" noEditPoints="1" noAdjustHandles="1" noChangeArrowheads="1" noChangeShapeType="1"/>
-          </p:cNvCxnSpPr>
-          <p:nvPr>
-            <p:extLst>
-              <p:ext uri="{386F3935-93C4-4BCD-93E2-E3B085C9AB24}">
-                <p16:designElem xmlns:p16="http://schemas.microsoft.com/office/powerpoint/2015/main" val="1"/>
-              </p:ext>
-            </p:extLst>
-          </p:nvPr>
-        </p:nvCxnSpPr>
-        <p:spPr>
-          <a:xfrm>
-            <a:off x="4654296" y="2301359"/>
-            <a:ext cx="0" cy="1911350"/>
-          </a:xfrm>
-          <a:prstGeom prst="line">
-            <a:avLst/>
-          </a:prstGeom>
-          <a:ln>
-            <a:solidFill>
-              <a:schemeClr val="tx2"/>
-            </a:solidFill>
-          </a:ln>
-        </p:spPr>
-        <p:style>
-          <a:lnRef idx="1">
-            <a:schemeClr val="accent1"/>
-          </a:lnRef>
-          <a:fillRef idx="0">
-            <a:schemeClr val="accent1"/>
-          </a:fillRef>
-          <a:effectRef idx="0">
-            <a:schemeClr val="accent1"/>
-          </a:effectRef>
-          <a:fontRef idx="minor">
-            <a:schemeClr val="tx1"/>
-          </a:fontRef>
-        </p:style>
-      </p:cxnSp>
       <p:sp>
         <p:nvSpPr>
           <p:cNvPr id="3" name="コンテンツ プレースホルダー 2">
@@ -15061,7 +15300,7 @@
             <p:ph idx="1"/>
             <p:extLst>
               <p:ext uri="{D42A27DB-BD31-4B8C-83A1-F6EECF244321}">
-                <p14:modId xmlns:p14="http://schemas.microsoft.com/office/powerpoint/2010/main" val="2164186348"/>
+                <p14:modId xmlns:p14="http://schemas.microsoft.com/office/powerpoint/2010/main" val="1162587412"/>
               </p:ext>
             </p:extLst>
           </p:nvPr>
@@ -15128,66 +15367,6 @@
           <a:chExt cx="0" cy="0"/>
         </a:xfrm>
       </p:grpSpPr>
-      <p:sp useBgFill="1">
-        <p:nvSpPr>
-          <p:cNvPr id="22" name="Rectangle 17">
-            <a:extLst>
-              <a:ext uri="{FF2B5EF4-FFF2-40B4-BE49-F238E27FC236}">
-                <a16:creationId xmlns:a16="http://schemas.microsoft.com/office/drawing/2014/main" id="{BC052280-388E-4151-A1EB-5236D4FCCA28}"/>
-              </a:ext>
-              <a:ext uri="{C183D7F6-B498-43B3-948B-1728B52AA6E4}">
-                <adec:decorative xmlns:adec="http://schemas.microsoft.com/office/drawing/2017/decorative" val="1"/>
-              </a:ext>
-            </a:extLst>
-          </p:cNvPr>
-          <p:cNvSpPr>
-            <a:spLocks noGrp="1" noRot="1" noChangeAspect="1" noMove="1" noResize="1" noEditPoints="1" noAdjustHandles="1" noChangeArrowheads="1" noChangeShapeType="1" noTextEdit="1"/>
-          </p:cNvSpPr>
-          <p:nvPr>
-            <p:extLst>
-              <p:ext uri="{386F3935-93C4-4BCD-93E2-E3B085C9AB24}">
-                <p16:designElem xmlns:p16="http://schemas.microsoft.com/office/powerpoint/2015/main" val="1"/>
-              </p:ext>
-            </p:extLst>
-          </p:nvPr>
-        </p:nvSpPr>
-        <p:spPr>
-          <a:xfrm>
-            <a:off x="0" y="0"/>
-            <a:ext cx="12192000" cy="6858000"/>
-          </a:xfrm>
-          <a:prstGeom prst="rect">
-            <a:avLst/>
-          </a:prstGeom>
-          <a:ln>
-            <a:noFill/>
-          </a:ln>
-        </p:spPr>
-        <p:style>
-          <a:lnRef idx="2">
-            <a:schemeClr val="accent1">
-              <a:shade val="50000"/>
-            </a:schemeClr>
-          </a:lnRef>
-          <a:fillRef idx="1">
-            <a:schemeClr val="accent1"/>
-          </a:fillRef>
-          <a:effectRef idx="0">
-            <a:schemeClr val="accent1"/>
-          </a:effectRef>
-          <a:fontRef idx="minor">
-            <a:schemeClr val="lt1"/>
-          </a:fontRef>
-        </p:style>
-        <p:txBody>
-          <a:bodyPr rtlCol="0" anchor="ctr"/>
-          <a:lstStyle/>
-          <a:p>
-            <a:pPr algn="ctr"/>
-            <a:endParaRPr lang="en-US"/>
-          </a:p>
-        </p:txBody>
-      </p:sp>
       <p:sp>
         <p:nvSpPr>
           <p:cNvPr id="2" name="タイトル 1">
@@ -15221,64 +15400,12 @@
               <a:t>概要</a:t>
             </a:r>
             <a:br>
-              <a:rPr kumimoji="1" lang="en-US" altLang="ja-JP"/>
+              <a:rPr kumimoji="1" lang="en-US" altLang="ja-JP" dirty="0"/>
             </a:br>
-            <a:endParaRPr kumimoji="1" lang="en-US" altLang="ja-JP"/>
+            <a:endParaRPr kumimoji="1" lang="en-US" altLang="ja-JP" dirty="0"/>
           </a:p>
         </p:txBody>
       </p:sp>
-      <p:cxnSp>
-        <p:nvCxnSpPr>
-          <p:cNvPr id="23" name="Straight Connector 19">
-            <a:extLst>
-              <a:ext uri="{FF2B5EF4-FFF2-40B4-BE49-F238E27FC236}">
-                <a16:creationId xmlns:a16="http://schemas.microsoft.com/office/drawing/2014/main" id="{744251C3-E720-4363-8AF0-20AD319374F0}"/>
-              </a:ext>
-              <a:ext uri="{C183D7F6-B498-43B3-948B-1728B52AA6E4}">
-                <adec:decorative xmlns:adec="http://schemas.microsoft.com/office/drawing/2017/decorative" val="1"/>
-              </a:ext>
-            </a:extLst>
-          </p:cNvPr>
-          <p:cNvCxnSpPr>
-            <a:cxnSpLocks noGrp="1" noRot="1" noChangeAspect="1" noMove="1" noResize="1" noEditPoints="1" noAdjustHandles="1" noChangeArrowheads="1" noChangeShapeType="1"/>
-          </p:cNvCxnSpPr>
-          <p:nvPr>
-            <p:extLst>
-              <p:ext uri="{386F3935-93C4-4BCD-93E2-E3B085C9AB24}">
-                <p16:designElem xmlns:p16="http://schemas.microsoft.com/office/powerpoint/2015/main" val="1"/>
-              </p:ext>
-            </p:extLst>
-          </p:nvPr>
-        </p:nvCxnSpPr>
-        <p:spPr>
-          <a:xfrm>
-            <a:off x="4654296" y="2301359"/>
-            <a:ext cx="0" cy="1911350"/>
-          </a:xfrm>
-          <a:prstGeom prst="line">
-            <a:avLst/>
-          </a:prstGeom>
-          <a:ln>
-            <a:solidFill>
-              <a:schemeClr val="tx2"/>
-            </a:solidFill>
-          </a:ln>
-        </p:spPr>
-        <p:style>
-          <a:lnRef idx="1">
-            <a:schemeClr val="accent1"/>
-          </a:lnRef>
-          <a:fillRef idx="0">
-            <a:schemeClr val="accent1"/>
-          </a:fillRef>
-          <a:effectRef idx="0">
-            <a:schemeClr val="accent1"/>
-          </a:effectRef>
-          <a:fontRef idx="minor">
-            <a:schemeClr val="tx1"/>
-          </a:fontRef>
-        </p:style>
-      </p:cxnSp>
       <p:sp>
         <p:nvSpPr>
           <p:cNvPr id="6" name="テキスト ボックス 5">
@@ -15306,18 +15433,16 @@
           </a:bodyPr>
           <a:lstStyle/>
           <a:p>
-            <a:pPr indent="-228600" defTabSz="914400">
+            <a:pPr defTabSz="914400">
               <a:lnSpc>
                 <a:spcPct val="120000"/>
               </a:lnSpc>
               <a:spcAft>
                 <a:spcPts val="600"/>
               </a:spcAft>
-              <a:buFont typeface="Arial" panose="020B0604020202020204" pitchFamily="34" charset="0"/>
-              <a:buChar char="•"/>
             </a:pPr>
             <a:r>
-              <a:rPr lang="ja-JP" altLang="en-US">
+              <a:rPr lang="ja-JP" altLang="en-US" sz="3200" dirty="0">
                 <a:effectLst>
                   <a:outerShdw blurRad="50800" dist="38100" dir="2700000" algn="tl" rotWithShape="0">
                     <a:srgbClr val="000000">
@@ -15328,7 +15453,7 @@
               </a:rPr>
               <a:t>美味しい食べ物を口にすることで気分がよくなったり、人が幸せになれます。</a:t>
             </a:r>
-            <a:endParaRPr kumimoji="1" lang="en-US" altLang="ja-JP">
+            <a:endParaRPr kumimoji="1" lang="en-US" altLang="ja-JP" sz="3200" dirty="0">
               <a:effectLst>
                 <a:outerShdw blurRad="50800" dist="38100" dir="2700000" algn="tl" rotWithShape="0">
                   <a:srgbClr val="000000">
@@ -15484,578 +15609,6 @@
           <a:chExt cx="0" cy="0"/>
         </a:xfrm>
       </p:grpSpPr>
-      <p:sp>
-        <p:nvSpPr>
-          <p:cNvPr id="2" name="タイトル 1">
-            <a:extLst>
-              <a:ext uri="{FF2B5EF4-FFF2-40B4-BE49-F238E27FC236}">
-                <a16:creationId xmlns:a16="http://schemas.microsoft.com/office/drawing/2014/main" id="{5F7ED61C-CFDE-4E36-83DA-AC8038A3BDE3}"/>
-              </a:ext>
-            </a:extLst>
-          </p:cNvPr>
-          <p:cNvSpPr>
-            <a:spLocks noGrp="1"/>
-          </p:cNvSpPr>
-          <p:nvPr>
-            <p:ph type="title"/>
-          </p:nvPr>
-        </p:nvSpPr>
-        <p:spPr>
-          <a:xfrm>
-            <a:off x="752475" y="609600"/>
-            <a:ext cx="3643150" cy="5603310"/>
-          </a:xfrm>
-        </p:spPr>
-        <p:txBody>
-          <a:bodyPr>
-            <a:normAutofit/>
-          </a:bodyPr>
-          <a:lstStyle/>
-          <a:p>
-            <a:r>
-              <a:rPr lang="ja-JP" altLang="en-US" dirty="0"/>
-              <a:t>想定するユーザー</a:t>
-            </a:r>
-            <a:endParaRPr kumimoji="1" lang="ja-JP" altLang="en-US" dirty="0"/>
-          </a:p>
-        </p:txBody>
-      </p:sp>
-      <p:graphicFrame>
-        <p:nvGraphicFramePr>
-          <p:cNvPr id="5" name="コンテンツ プレースホルダー 2">
-            <a:extLst>
-              <a:ext uri="{FF2B5EF4-FFF2-40B4-BE49-F238E27FC236}">
-                <a16:creationId xmlns:a16="http://schemas.microsoft.com/office/drawing/2014/main" id="{157291A6-B6D3-4D43-A7B0-F628E8ACF787}"/>
-              </a:ext>
-            </a:extLst>
-          </p:cNvPr>
-          <p:cNvGraphicFramePr>
-            <a:graphicFrameLocks noGrp="1"/>
-          </p:cNvGraphicFramePr>
-          <p:nvPr>
-            <p:ph idx="1"/>
-            <p:extLst>
-              <p:ext uri="{D42A27DB-BD31-4B8C-83A1-F6EECF244321}">
-                <p14:modId xmlns:p14="http://schemas.microsoft.com/office/powerpoint/2010/main" val="3369385565"/>
-              </p:ext>
-            </p:extLst>
-          </p:nvPr>
-        </p:nvGraphicFramePr>
-        <p:xfrm>
-          <a:off x="5127625" y="1114425"/>
-          <a:ext cx="5924550" cy="4629150"/>
-        </p:xfrm>
-        <a:graphic>
-          <a:graphicData uri="http://schemas.openxmlformats.org/drawingml/2006/diagram">
-            <dgm:relIds xmlns:dgm="http://schemas.openxmlformats.org/drawingml/2006/diagram" xmlns:r="http://schemas.openxmlformats.org/officeDocument/2006/relationships" r:dm="rId3" r:lo="rId4" r:qs="rId5" r:cs="rId6"/>
-          </a:graphicData>
-        </a:graphic>
-      </p:graphicFrame>
-    </p:spTree>
-    <p:extLst>
-      <p:ext uri="{BB962C8B-B14F-4D97-AF65-F5344CB8AC3E}">
-        <p14:creationId xmlns:p14="http://schemas.microsoft.com/office/powerpoint/2010/main" val="184585051"/>
-      </p:ext>
-    </p:extLst>
-  </p:cSld>
-  <p:clrMapOvr>
-    <a:masterClrMapping/>
-  </p:clrMapOvr>
-</p:sld>
-</file>
-
-<file path=ppt/slides/slide5.xml><?xml version="1.0" encoding="utf-8"?>
-<p:sld xmlns:a="http://schemas.openxmlformats.org/drawingml/2006/main" xmlns:r="http://schemas.openxmlformats.org/officeDocument/2006/relationships" xmlns:p="http://schemas.openxmlformats.org/presentationml/2006/main">
-  <p:cSld>
-    <p:bg>
-      <p:bgPr>
-        <a:blipFill rotWithShape="1">
-          <a:blip r:embed="rId2">
-            <a:duotone>
-              <a:schemeClr val="bg2">
-                <a:shade val="18000"/>
-                <a:satMod val="160000"/>
-                <a:lumMod val="28000"/>
-              </a:schemeClr>
-              <a:schemeClr val="bg2">
-                <a:tint val="95000"/>
-                <a:satMod val="160000"/>
-                <a:lumMod val="116000"/>
-              </a:schemeClr>
-            </a:duotone>
-          </a:blip>
-          <a:stretch/>
-        </a:blipFill>
-        <a:effectLst/>
-      </p:bgPr>
-    </p:bg>
-    <p:spTree>
-      <p:nvGrpSpPr>
-        <p:cNvPr id="1" name=""/>
-        <p:cNvGrpSpPr/>
-        <p:nvPr/>
-      </p:nvGrpSpPr>
-      <p:grpSpPr>
-        <a:xfrm>
-          <a:off x="0" y="0"/>
-          <a:ext cx="0" cy="0"/>
-          <a:chOff x="0" y="0"/>
-          <a:chExt cx="0" cy="0"/>
-        </a:xfrm>
-      </p:grpSpPr>
-      <p:sp>
-        <p:nvSpPr>
-          <p:cNvPr id="2" name="タイトル 1">
-            <a:extLst>
-              <a:ext uri="{FF2B5EF4-FFF2-40B4-BE49-F238E27FC236}">
-                <a16:creationId xmlns:a16="http://schemas.microsoft.com/office/drawing/2014/main" id="{5F7ED61C-CFDE-4E36-83DA-AC8038A3BDE3}"/>
-              </a:ext>
-            </a:extLst>
-          </p:cNvPr>
-          <p:cNvSpPr>
-            <a:spLocks noGrp="1"/>
-          </p:cNvSpPr>
-          <p:nvPr>
-            <p:ph type="title"/>
-          </p:nvPr>
-        </p:nvSpPr>
-        <p:spPr>
-          <a:xfrm>
-            <a:off x="657227" y="4537711"/>
-            <a:ext cx="10844964" cy="1118371"/>
-          </a:xfrm>
-        </p:spPr>
-        <p:txBody>
-          <a:bodyPr>
-            <a:normAutofit/>
-          </a:bodyPr>
-          <a:lstStyle/>
-          <a:p>
-            <a:r>
-              <a:rPr lang="ja-JP" altLang="en-US" dirty="0"/>
-              <a:t>開発環境</a:t>
-            </a:r>
-            <a:endParaRPr kumimoji="1" lang="ja-JP" altLang="en-US" dirty="0"/>
-          </a:p>
-        </p:txBody>
-      </p:sp>
-      <p:sp>
-        <p:nvSpPr>
-          <p:cNvPr id="9" name="Rectangle 8">
-            <a:extLst>
-              <a:ext uri="{FF2B5EF4-FFF2-40B4-BE49-F238E27FC236}">
-                <a16:creationId xmlns:a16="http://schemas.microsoft.com/office/drawing/2014/main" id="{BF8EE22E-7CB7-4A22-8A2D-CE1918FE5F68}"/>
-              </a:ext>
-              <a:ext uri="{C183D7F6-B498-43B3-948B-1728B52AA6E4}">
-                <adec:decorative xmlns:adec="http://schemas.microsoft.com/office/drawing/2017/decorative" val="1"/>
-              </a:ext>
-            </a:extLst>
-          </p:cNvPr>
-          <p:cNvSpPr>
-            <a:spLocks noGrp="1" noRot="1" noChangeAspect="1" noMove="1" noResize="1" noEditPoints="1" noAdjustHandles="1" noChangeArrowheads="1" noChangeShapeType="1" noTextEdit="1"/>
-          </p:cNvSpPr>
-          <p:nvPr>
-            <p:extLst>
-              <p:ext uri="{386F3935-93C4-4BCD-93E2-E3B085C9AB24}">
-                <p16:designElem xmlns:p16="http://schemas.microsoft.com/office/powerpoint/2015/main" val="1"/>
-              </p:ext>
-            </p:extLst>
-          </p:nvPr>
-        </p:nvSpPr>
-        <p:spPr>
-          <a:xfrm>
-            <a:off x="0" y="0"/>
-            <a:ext cx="12192000" cy="4251960"/>
-          </a:xfrm>
-          <a:prstGeom prst="rect">
-            <a:avLst/>
-          </a:prstGeom>
-          <a:solidFill>
-            <a:schemeClr val="bg1">
-              <a:alpha val="50000"/>
-            </a:schemeClr>
-          </a:solidFill>
-          <a:ln>
-            <a:noFill/>
-          </a:ln>
-        </p:spPr>
-        <p:style>
-          <a:lnRef idx="2">
-            <a:schemeClr val="accent1">
-              <a:shade val="50000"/>
-            </a:schemeClr>
-          </a:lnRef>
-          <a:fillRef idx="1">
-            <a:schemeClr val="accent1"/>
-          </a:fillRef>
-          <a:effectRef idx="0">
-            <a:schemeClr val="accent1"/>
-          </a:effectRef>
-          <a:fontRef idx="minor">
-            <a:schemeClr val="lt1"/>
-          </a:fontRef>
-        </p:style>
-        <p:txBody>
-          <a:bodyPr rtlCol="0" anchor="ctr"/>
-          <a:lstStyle/>
-          <a:p>
-            <a:pPr algn="ctr"/>
-            <a:endParaRPr lang="en-US"/>
-          </a:p>
-        </p:txBody>
-      </p:sp>
-      <p:graphicFrame>
-        <p:nvGraphicFramePr>
-          <p:cNvPr id="5" name="コンテンツ プレースホルダー 2">
-            <a:extLst>
-              <a:ext uri="{FF2B5EF4-FFF2-40B4-BE49-F238E27FC236}">
-                <a16:creationId xmlns:a16="http://schemas.microsoft.com/office/drawing/2014/main" id="{A9BEABDD-B704-4046-A319-DFF5D1164772}"/>
-              </a:ext>
-            </a:extLst>
-          </p:cNvPr>
-          <p:cNvGraphicFramePr>
-            <a:graphicFrameLocks noGrp="1"/>
-          </p:cNvGraphicFramePr>
-          <p:nvPr>
-            <p:ph idx="1"/>
-            <p:extLst>
-              <p:ext uri="{D42A27DB-BD31-4B8C-83A1-F6EECF244321}">
-                <p14:modId xmlns:p14="http://schemas.microsoft.com/office/powerpoint/2010/main" val="3669090209"/>
-              </p:ext>
-            </p:extLst>
-          </p:nvPr>
-        </p:nvGraphicFramePr>
-        <p:xfrm>
-          <a:off x="1147763" y="1103313"/>
-          <a:ext cx="9886950" cy="2651125"/>
-        </p:xfrm>
-        <a:graphic>
-          <a:graphicData uri="http://schemas.openxmlformats.org/drawingml/2006/diagram">
-            <dgm:relIds xmlns:dgm="http://schemas.openxmlformats.org/drawingml/2006/diagram" xmlns:r="http://schemas.openxmlformats.org/officeDocument/2006/relationships" r:dm="rId3" r:lo="rId4" r:qs="rId5" r:cs="rId6"/>
-          </a:graphicData>
-        </a:graphic>
-      </p:graphicFrame>
-    </p:spTree>
-    <p:extLst>
-      <p:ext uri="{BB962C8B-B14F-4D97-AF65-F5344CB8AC3E}">
-        <p14:creationId xmlns:p14="http://schemas.microsoft.com/office/powerpoint/2010/main" val="3709188043"/>
-      </p:ext>
-    </p:extLst>
-  </p:cSld>
-  <p:clrMapOvr>
-    <a:masterClrMapping/>
-  </p:clrMapOvr>
-</p:sld>
-</file>
-
-<file path=ppt/slides/slide6.xml><?xml version="1.0" encoding="utf-8"?>
-<p:sld xmlns:a="http://schemas.openxmlformats.org/drawingml/2006/main" xmlns:r="http://schemas.openxmlformats.org/officeDocument/2006/relationships" xmlns:p="http://schemas.openxmlformats.org/presentationml/2006/main">
-  <p:cSld>
-    <p:bg>
-      <p:bgPr>
-        <a:blipFill rotWithShape="1">
-          <a:blip r:embed="rId2">
-            <a:duotone>
-              <a:schemeClr val="bg2">
-                <a:shade val="18000"/>
-                <a:satMod val="160000"/>
-                <a:lumMod val="28000"/>
-              </a:schemeClr>
-              <a:schemeClr val="bg2">
-                <a:tint val="95000"/>
-                <a:satMod val="160000"/>
-                <a:lumMod val="116000"/>
-              </a:schemeClr>
-            </a:duotone>
-          </a:blip>
-          <a:stretch/>
-        </a:blipFill>
-        <a:effectLst/>
-      </p:bgPr>
-    </p:bg>
-    <p:spTree>
-      <p:nvGrpSpPr>
-        <p:cNvPr id="1" name=""/>
-        <p:cNvGrpSpPr/>
-        <p:nvPr/>
-      </p:nvGrpSpPr>
-      <p:grpSpPr>
-        <a:xfrm>
-          <a:off x="0" y="0"/>
-          <a:ext cx="0" cy="0"/>
-          <a:chOff x="0" y="0"/>
-          <a:chExt cx="0" cy="0"/>
-        </a:xfrm>
-      </p:grpSpPr>
-      <p:sp useBgFill="1">
-        <p:nvSpPr>
-          <p:cNvPr id="8" name="Rectangle 7">
-            <a:extLst>
-              <a:ext uri="{FF2B5EF4-FFF2-40B4-BE49-F238E27FC236}">
-                <a16:creationId xmlns:a16="http://schemas.microsoft.com/office/drawing/2014/main" id="{BC052280-388E-4151-A1EB-5236D4FCCA28}"/>
-              </a:ext>
-              <a:ext uri="{C183D7F6-B498-43B3-948B-1728B52AA6E4}">
-                <adec:decorative xmlns:adec="http://schemas.microsoft.com/office/drawing/2017/decorative" val="1"/>
-              </a:ext>
-            </a:extLst>
-          </p:cNvPr>
-          <p:cNvSpPr>
-            <a:spLocks noGrp="1" noRot="1" noChangeAspect="1" noMove="1" noResize="1" noEditPoints="1" noAdjustHandles="1" noChangeArrowheads="1" noChangeShapeType="1" noTextEdit="1"/>
-          </p:cNvSpPr>
-          <p:nvPr>
-            <p:extLst>
-              <p:ext uri="{386F3935-93C4-4BCD-93E2-E3B085C9AB24}">
-                <p16:designElem xmlns:p16="http://schemas.microsoft.com/office/powerpoint/2015/main" val="1"/>
-              </p:ext>
-            </p:extLst>
-          </p:nvPr>
-        </p:nvSpPr>
-        <p:spPr>
-          <a:xfrm>
-            <a:off x="0" y="0"/>
-            <a:ext cx="12192000" cy="6858000"/>
-          </a:xfrm>
-          <a:prstGeom prst="rect">
-            <a:avLst/>
-          </a:prstGeom>
-          <a:ln>
-            <a:noFill/>
-          </a:ln>
-        </p:spPr>
-        <p:style>
-          <a:lnRef idx="2">
-            <a:schemeClr val="accent1">
-              <a:shade val="50000"/>
-            </a:schemeClr>
-          </a:lnRef>
-          <a:fillRef idx="1">
-            <a:schemeClr val="accent1"/>
-          </a:fillRef>
-          <a:effectRef idx="0">
-            <a:schemeClr val="accent1"/>
-          </a:effectRef>
-          <a:fontRef idx="minor">
-            <a:schemeClr val="lt1"/>
-          </a:fontRef>
-        </p:style>
-        <p:txBody>
-          <a:bodyPr rtlCol="0" anchor="ctr"/>
-          <a:lstStyle/>
-          <a:p>
-            <a:pPr algn="ctr"/>
-            <a:endParaRPr lang="en-US"/>
-          </a:p>
-        </p:txBody>
-      </p:sp>
-      <p:sp>
-        <p:nvSpPr>
-          <p:cNvPr id="2" name="タイトル 1">
-            <a:extLst>
-              <a:ext uri="{FF2B5EF4-FFF2-40B4-BE49-F238E27FC236}">
-                <a16:creationId xmlns:a16="http://schemas.microsoft.com/office/drawing/2014/main" id="{5F7ED61C-CFDE-4E36-83DA-AC8038A3BDE3}"/>
-              </a:ext>
-            </a:extLst>
-          </p:cNvPr>
-          <p:cNvSpPr>
-            <a:spLocks noGrp="1"/>
-          </p:cNvSpPr>
-          <p:nvPr>
-            <p:ph type="title"/>
-          </p:nvPr>
-        </p:nvSpPr>
-        <p:spPr>
-          <a:xfrm>
-            <a:off x="913796" y="927100"/>
-            <a:ext cx="3418766" cy="4616450"/>
-          </a:xfrm>
-        </p:spPr>
-        <p:txBody>
-          <a:bodyPr>
-            <a:normAutofit/>
-          </a:bodyPr>
-          <a:lstStyle/>
-          <a:p>
-            <a:r>
-              <a:rPr lang="ja-JP" altLang="en-US" dirty="0"/>
-              <a:t>作品の特徴</a:t>
-            </a:r>
-            <a:endParaRPr kumimoji="1" lang="ja-JP" altLang="en-US"/>
-          </a:p>
-        </p:txBody>
-      </p:sp>
-      <p:cxnSp>
-        <p:nvCxnSpPr>
-          <p:cNvPr id="10" name="Straight Connector 9">
-            <a:extLst>
-              <a:ext uri="{FF2B5EF4-FFF2-40B4-BE49-F238E27FC236}">
-                <a16:creationId xmlns:a16="http://schemas.microsoft.com/office/drawing/2014/main" id="{744251C3-E720-4363-8AF0-20AD319374F0}"/>
-              </a:ext>
-              <a:ext uri="{C183D7F6-B498-43B3-948B-1728B52AA6E4}">
-                <adec:decorative xmlns:adec="http://schemas.microsoft.com/office/drawing/2017/decorative" val="1"/>
-              </a:ext>
-            </a:extLst>
-          </p:cNvPr>
-          <p:cNvCxnSpPr>
-            <a:cxnSpLocks noGrp="1" noRot="1" noChangeAspect="1" noMove="1" noResize="1" noEditPoints="1" noAdjustHandles="1" noChangeArrowheads="1" noChangeShapeType="1"/>
-          </p:cNvCxnSpPr>
-          <p:nvPr>
-            <p:extLst>
-              <p:ext uri="{386F3935-93C4-4BCD-93E2-E3B085C9AB24}">
-                <p16:designElem xmlns:p16="http://schemas.microsoft.com/office/powerpoint/2015/main" val="1"/>
-              </p:ext>
-            </p:extLst>
-          </p:nvPr>
-        </p:nvCxnSpPr>
-        <p:spPr>
-          <a:xfrm>
-            <a:off x="4654296" y="2301359"/>
-            <a:ext cx="0" cy="1911350"/>
-          </a:xfrm>
-          <a:prstGeom prst="line">
-            <a:avLst/>
-          </a:prstGeom>
-          <a:ln>
-            <a:solidFill>
-              <a:schemeClr val="tx2"/>
-            </a:solidFill>
-          </a:ln>
-        </p:spPr>
-        <p:style>
-          <a:lnRef idx="1">
-            <a:schemeClr val="accent1"/>
-          </a:lnRef>
-          <a:fillRef idx="0">
-            <a:schemeClr val="accent1"/>
-          </a:fillRef>
-          <a:effectRef idx="0">
-            <a:schemeClr val="accent1"/>
-          </a:effectRef>
-          <a:fontRef idx="minor">
-            <a:schemeClr val="tx1"/>
-          </a:fontRef>
-        </p:style>
-      </p:cxnSp>
-      <p:sp>
-        <p:nvSpPr>
-          <p:cNvPr id="3" name="コンテンツ プレースホルダー 2">
-            <a:extLst>
-              <a:ext uri="{FF2B5EF4-FFF2-40B4-BE49-F238E27FC236}">
-                <a16:creationId xmlns:a16="http://schemas.microsoft.com/office/drawing/2014/main" id="{EF58AAAE-0478-4367-A190-D93BF7BB723D}"/>
-              </a:ext>
-            </a:extLst>
-          </p:cNvPr>
-          <p:cNvSpPr>
-            <a:spLocks noGrp="1"/>
-          </p:cNvSpPr>
-          <p:nvPr>
-            <p:ph idx="1"/>
-          </p:nvPr>
-        </p:nvSpPr>
-        <p:spPr>
-          <a:xfrm>
-            <a:off x="4976029" y="971549"/>
-            <a:ext cx="6291528" cy="4616450"/>
-          </a:xfrm>
-        </p:spPr>
-        <p:txBody>
-          <a:bodyPr anchor="ctr">
-            <a:normAutofit/>
-          </a:bodyPr>
-          <a:lstStyle/>
-          <a:p>
-            <a:r>
-              <a:rPr kumimoji="1" lang="ja-JP" altLang="en-US" dirty="0">
-                <a:effectLst/>
-                <a:latin typeface="+mn-ea"/>
-              </a:rPr>
-              <a:t>チームワーク</a:t>
-            </a:r>
-            <a:endParaRPr kumimoji="1" lang="en-US" altLang="ja-JP" dirty="0">
-              <a:effectLst/>
-              <a:latin typeface="+mn-ea"/>
-            </a:endParaRPr>
-          </a:p>
-          <a:p>
-            <a:r>
-              <a:rPr lang="ja-JP" altLang="en-US">
-                <a:effectLst/>
-                <a:latin typeface="+mn-ea"/>
-              </a:rPr>
-              <a:t>レスポンシプ</a:t>
-            </a:r>
-            <a:r>
-              <a:rPr lang="en-US" altLang="ja-JP">
-                <a:effectLst/>
-                <a:latin typeface="+mn-ea"/>
-              </a:rPr>
-              <a:t>WEB</a:t>
-            </a:r>
-            <a:r>
-              <a:rPr lang="ja-JP" altLang="en-US">
-                <a:effectLst/>
-                <a:latin typeface="+mn-ea"/>
-              </a:rPr>
-              <a:t>デザイン</a:t>
-            </a:r>
-            <a:endParaRPr lang="en-US" altLang="ja-JP">
-              <a:effectLst/>
-              <a:latin typeface="+mn-ea"/>
-            </a:endParaRPr>
-          </a:p>
-        </p:txBody>
-      </p:sp>
-    </p:spTree>
-    <p:extLst>
-      <p:ext uri="{BB962C8B-B14F-4D97-AF65-F5344CB8AC3E}">
-        <p14:creationId xmlns:p14="http://schemas.microsoft.com/office/powerpoint/2010/main" val="811437748"/>
-      </p:ext>
-    </p:extLst>
-  </p:cSld>
-  <p:clrMapOvr>
-    <a:masterClrMapping/>
-  </p:clrMapOvr>
-</p:sld>
-</file>
-
-<file path=ppt/slides/slide7.xml><?xml version="1.0" encoding="utf-8"?>
-<p:sld xmlns:a="http://schemas.openxmlformats.org/drawingml/2006/main" xmlns:r="http://schemas.openxmlformats.org/officeDocument/2006/relationships" xmlns:p="http://schemas.openxmlformats.org/presentationml/2006/main">
-  <p:cSld>
-    <p:bg>
-      <p:bgPr>
-        <a:blipFill rotWithShape="1">
-          <a:blip r:embed="rId2">
-            <a:duotone>
-              <a:schemeClr val="bg2">
-                <a:shade val="18000"/>
-                <a:satMod val="160000"/>
-                <a:lumMod val="28000"/>
-              </a:schemeClr>
-              <a:schemeClr val="bg2">
-                <a:tint val="95000"/>
-                <a:satMod val="160000"/>
-                <a:lumMod val="116000"/>
-              </a:schemeClr>
-            </a:duotone>
-          </a:blip>
-          <a:stretch/>
-        </a:blipFill>
-        <a:effectLst/>
-      </p:bgPr>
-    </p:bg>
-    <p:spTree>
-      <p:nvGrpSpPr>
-        <p:cNvPr id="1" name=""/>
-        <p:cNvGrpSpPr/>
-        <p:nvPr/>
-      </p:nvGrpSpPr>
-      <p:grpSpPr>
-        <a:xfrm>
-          <a:off x="0" y="0"/>
-          <a:ext cx="0" cy="0"/>
-          <a:chOff x="0" y="0"/>
-          <a:chExt cx="0" cy="0"/>
-        </a:xfrm>
-      </p:grpSpPr>
       <p:pic>
         <p:nvPicPr>
           <p:cNvPr id="4" name="Picture 3" descr="ナイトクラブの DJ コンソール デスク">
@@ -16085,174 +15638,6 @@
           </a:prstGeom>
         </p:spPr>
       </p:pic>
-      <p:sp>
-        <p:nvSpPr>
-          <p:cNvPr id="8" name="Rectangle 7">
-            <a:extLst>
-              <a:ext uri="{FF2B5EF4-FFF2-40B4-BE49-F238E27FC236}">
-                <a16:creationId xmlns:a16="http://schemas.microsoft.com/office/drawing/2014/main" id="{BD1CAB03-F6A4-4736-85F6-261056424D9D}"/>
-              </a:ext>
-              <a:ext uri="{C183D7F6-B498-43B3-948B-1728B52AA6E4}">
-                <adec:decorative xmlns:adec="http://schemas.microsoft.com/office/drawing/2017/decorative" val="1"/>
-              </a:ext>
-            </a:extLst>
-          </p:cNvPr>
-          <p:cNvSpPr>
-            <a:spLocks noGrp="1" noRot="1" noChangeAspect="1" noMove="1" noResize="1" noEditPoints="1" noAdjustHandles="1" noChangeArrowheads="1" noChangeShapeType="1" noTextEdit="1"/>
-          </p:cNvSpPr>
-          <p:nvPr>
-            <p:extLst>
-              <p:ext uri="{386F3935-93C4-4BCD-93E2-E3B085C9AB24}">
-                <p16:designElem xmlns:p16="http://schemas.microsoft.com/office/powerpoint/2015/main" val="1"/>
-              </p:ext>
-            </p:extLst>
-          </p:nvPr>
-        </p:nvSpPr>
-        <p:spPr>
-          <a:xfrm>
-            <a:off x="0" y="2030"/>
-            <a:ext cx="12192000" cy="6858000"/>
-          </a:xfrm>
-          <a:prstGeom prst="rect">
-            <a:avLst/>
-          </a:prstGeom>
-          <a:gradFill flip="none" rotWithShape="1">
-            <a:gsLst>
-              <a:gs pos="32000">
-                <a:schemeClr val="bg2">
-                  <a:lumMod val="75000"/>
-                  <a:alpha val="3000"/>
-                </a:schemeClr>
-              </a:gs>
-              <a:gs pos="100000">
-                <a:sysClr val="windowText" lastClr="000000">
-                  <a:alpha val="70000"/>
-                </a:sysClr>
-              </a:gs>
-            </a:gsLst>
-            <a:path path="circle">
-              <a:fillToRect l="50000" t="5000" r="50000" b="95000"/>
-            </a:path>
-            <a:tileRect/>
-          </a:gradFill>
-          <a:ln w="9525" cap="flat" cmpd="sng" algn="ctr">
-            <a:noFill/>
-            <a:prstDash val="solid"/>
-          </a:ln>
-          <a:effectLst/>
-        </p:spPr>
-        <p:txBody>
-          <a:bodyPr rtlCol="0" anchor="ctr"/>
-          <a:lstStyle/>
-          <a:p>
-            <a:pPr marL="0" marR="0" lvl="0" indent="0" algn="ctr" defTabSz="457200" eaLnBrk="1" fontAlgn="auto" latinLnBrk="0" hangingPunct="1">
-              <a:lnSpc>
-                <a:spcPct val="100000"/>
-              </a:lnSpc>
-              <a:spcBef>
-                <a:spcPts val="0"/>
-              </a:spcBef>
-              <a:spcAft>
-                <a:spcPts val="0"/>
-              </a:spcAft>
-              <a:buClrTx/>
-              <a:buSzTx/>
-              <a:buFontTx/>
-              <a:buNone/>
-              <a:tabLst/>
-              <a:defRPr/>
-            </a:pPr>
-            <a:endParaRPr kumimoji="0" lang="en-US" sz="1800" b="0" i="0" u="none" strike="noStrike" kern="0" cap="none" spc="0" normalizeH="0" baseline="0" noProof="0">
-              <a:ln>
-                <a:noFill/>
-              </a:ln>
-              <a:solidFill>
-                <a:prstClr val="white"/>
-              </a:solidFill>
-              <a:effectLst/>
-              <a:uLnTx/>
-              <a:uFillTx/>
-              <a:latin typeface="Calibri"/>
-              <a:ea typeface="+mn-ea"/>
-              <a:cs typeface="+mn-cs"/>
-            </a:endParaRPr>
-          </a:p>
-        </p:txBody>
-      </p:sp>
-      <p:sp>
-        <p:nvSpPr>
-          <p:cNvPr id="10" name="Rectangle 9">
-            <a:extLst>
-              <a:ext uri="{FF2B5EF4-FFF2-40B4-BE49-F238E27FC236}">
-                <a16:creationId xmlns:a16="http://schemas.microsoft.com/office/drawing/2014/main" id="{3E2321B3-5D47-422E-8DD6-192DA485FF63}"/>
-              </a:ext>
-              <a:ext uri="{C183D7F6-B498-43B3-948B-1728B52AA6E4}">
-                <adec:decorative xmlns:adec="http://schemas.microsoft.com/office/drawing/2017/decorative" val="1"/>
-              </a:ext>
-            </a:extLst>
-          </p:cNvPr>
-          <p:cNvSpPr>
-            <a:spLocks noGrp="1" noRot="1" noChangeAspect="1" noMove="1" noResize="1" noEditPoints="1" noAdjustHandles="1" noChangeArrowheads="1" noChangeShapeType="1" noTextEdit="1"/>
-          </p:cNvSpPr>
-          <p:nvPr>
-            <p:extLst>
-              <p:ext uri="{386F3935-93C4-4BCD-93E2-E3B085C9AB24}">
-                <p16:designElem xmlns:p16="http://schemas.microsoft.com/office/powerpoint/2015/main" val="1"/>
-              </p:ext>
-            </p:extLst>
-          </p:nvPr>
-        </p:nvSpPr>
-        <p:spPr>
-          <a:xfrm>
-            <a:off x="0" y="0"/>
-            <a:ext cx="12192000" cy="6858000"/>
-          </a:xfrm>
-          <a:prstGeom prst="rect">
-            <a:avLst/>
-          </a:prstGeom>
-          <a:blipFill dpi="0" rotWithShape="1">
-            <a:blip r:embed="rId2">
-              <a:alphaModFix amt="30000"/>
-              <a:duotone>
-                <a:prstClr val="black"/>
-                <a:schemeClr val="accent3">
-                  <a:tint val="45000"/>
-                  <a:satMod val="400000"/>
-                </a:schemeClr>
-              </a:duotone>
-            </a:blip>
-            <a:srcRect/>
-            <a:tile tx="0" ty="0" sx="100000" sy="100000" flip="none" algn="ctr"/>
-          </a:blipFill>
-          <a:ln>
-            <a:noFill/>
-          </a:ln>
-        </p:spPr>
-        <p:style>
-          <a:lnRef idx="2">
-            <a:schemeClr val="accent1">
-              <a:shade val="50000"/>
-            </a:schemeClr>
-          </a:lnRef>
-          <a:fillRef idx="1003">
-            <a:schemeClr val="dk2"/>
-          </a:fillRef>
-          <a:effectRef idx="0">
-            <a:schemeClr val="accent1"/>
-          </a:effectRef>
-          <a:fontRef idx="minor">
-            <a:schemeClr val="lt1"/>
-          </a:fontRef>
-        </p:style>
-        <p:txBody>
-          <a:bodyPr rtlCol="0" anchor="ctr"/>
-          <a:lstStyle/>
-          <a:p>
-            <a:pPr algn="ctr"/>
-            <a:endParaRPr lang="en-US"/>
-          </a:p>
-        </p:txBody>
-      </p:sp>
       <p:sp>
         <p:nvSpPr>
           <p:cNvPr id="2" name="タイトル 1">
@@ -16393,6 +15778,401 @@
 </p:sld>
 </file>
 
+<file path=ppt/slides/slide5.xml><?xml version="1.0" encoding="utf-8"?>
+<p:sld xmlns:a="http://schemas.openxmlformats.org/drawingml/2006/main" xmlns:r="http://schemas.openxmlformats.org/officeDocument/2006/relationships" xmlns:p="http://schemas.openxmlformats.org/presentationml/2006/main">
+  <p:cSld>
+    <p:bg>
+      <p:bgPr>
+        <a:blipFill rotWithShape="1">
+          <a:blip r:embed="rId2">
+            <a:duotone>
+              <a:schemeClr val="bg2">
+                <a:shade val="18000"/>
+                <a:satMod val="160000"/>
+                <a:lumMod val="28000"/>
+              </a:schemeClr>
+              <a:schemeClr val="bg2">
+                <a:tint val="95000"/>
+                <a:satMod val="160000"/>
+                <a:lumMod val="116000"/>
+              </a:schemeClr>
+            </a:duotone>
+          </a:blip>
+          <a:stretch/>
+        </a:blipFill>
+        <a:effectLst/>
+      </p:bgPr>
+    </p:bg>
+    <p:spTree>
+      <p:nvGrpSpPr>
+        <p:cNvPr id="1" name=""/>
+        <p:cNvGrpSpPr/>
+        <p:nvPr/>
+      </p:nvGrpSpPr>
+      <p:grpSpPr>
+        <a:xfrm>
+          <a:off x="0" y="0"/>
+          <a:ext cx="0" cy="0"/>
+          <a:chOff x="0" y="0"/>
+          <a:chExt cx="0" cy="0"/>
+        </a:xfrm>
+      </p:grpSpPr>
+      <p:sp>
+        <p:nvSpPr>
+          <p:cNvPr id="2" name="タイトル 1">
+            <a:extLst>
+              <a:ext uri="{FF2B5EF4-FFF2-40B4-BE49-F238E27FC236}">
+                <a16:creationId xmlns:a16="http://schemas.microsoft.com/office/drawing/2014/main" id="{5F7ED61C-CFDE-4E36-83DA-AC8038A3BDE3}"/>
+              </a:ext>
+            </a:extLst>
+          </p:cNvPr>
+          <p:cNvSpPr>
+            <a:spLocks noGrp="1"/>
+          </p:cNvSpPr>
+          <p:nvPr>
+            <p:ph type="title"/>
+          </p:nvPr>
+        </p:nvSpPr>
+        <p:spPr>
+          <a:xfrm>
+            <a:off x="752475" y="609600"/>
+            <a:ext cx="3643150" cy="5603310"/>
+          </a:xfrm>
+        </p:spPr>
+        <p:txBody>
+          <a:bodyPr>
+            <a:normAutofit/>
+          </a:bodyPr>
+          <a:lstStyle/>
+          <a:p>
+            <a:r>
+              <a:rPr lang="ja-JP" altLang="en-US" dirty="0"/>
+              <a:t>想定するユーザー</a:t>
+            </a:r>
+            <a:endParaRPr kumimoji="1" lang="ja-JP" altLang="en-US" dirty="0"/>
+          </a:p>
+        </p:txBody>
+      </p:sp>
+      <p:graphicFrame>
+        <p:nvGraphicFramePr>
+          <p:cNvPr id="5" name="コンテンツ プレースホルダー 2">
+            <a:extLst>
+              <a:ext uri="{FF2B5EF4-FFF2-40B4-BE49-F238E27FC236}">
+                <a16:creationId xmlns:a16="http://schemas.microsoft.com/office/drawing/2014/main" id="{157291A6-B6D3-4D43-A7B0-F628E8ACF787}"/>
+              </a:ext>
+            </a:extLst>
+          </p:cNvPr>
+          <p:cNvGraphicFramePr>
+            <a:graphicFrameLocks noGrp="1"/>
+          </p:cNvGraphicFramePr>
+          <p:nvPr>
+            <p:ph idx="1"/>
+            <p:extLst>
+              <p:ext uri="{D42A27DB-BD31-4B8C-83A1-F6EECF244321}">
+                <p14:modId xmlns:p14="http://schemas.microsoft.com/office/powerpoint/2010/main" val="3369385565"/>
+              </p:ext>
+            </p:extLst>
+          </p:nvPr>
+        </p:nvGraphicFramePr>
+        <p:xfrm>
+          <a:off x="5127625" y="1114425"/>
+          <a:ext cx="5924550" cy="4629150"/>
+        </p:xfrm>
+        <a:graphic>
+          <a:graphicData uri="http://schemas.openxmlformats.org/drawingml/2006/diagram">
+            <dgm:relIds xmlns:dgm="http://schemas.openxmlformats.org/drawingml/2006/diagram" xmlns:r="http://schemas.openxmlformats.org/officeDocument/2006/relationships" r:dm="rId3" r:lo="rId4" r:qs="rId5" r:cs="rId6"/>
+          </a:graphicData>
+        </a:graphic>
+      </p:graphicFrame>
+    </p:spTree>
+    <p:extLst>
+      <p:ext uri="{BB962C8B-B14F-4D97-AF65-F5344CB8AC3E}">
+        <p14:creationId xmlns:p14="http://schemas.microsoft.com/office/powerpoint/2010/main" val="184585051"/>
+      </p:ext>
+    </p:extLst>
+  </p:cSld>
+  <p:clrMapOvr>
+    <a:masterClrMapping/>
+  </p:clrMapOvr>
+</p:sld>
+</file>
+
+<file path=ppt/slides/slide6.xml><?xml version="1.0" encoding="utf-8"?>
+<p:sld xmlns:a="http://schemas.openxmlformats.org/drawingml/2006/main" xmlns:r="http://schemas.openxmlformats.org/officeDocument/2006/relationships" xmlns:p="http://schemas.openxmlformats.org/presentationml/2006/main">
+  <p:cSld>
+    <p:bg>
+      <p:bgPr>
+        <a:blipFill rotWithShape="1">
+          <a:blip r:embed="rId2">
+            <a:duotone>
+              <a:schemeClr val="bg2">
+                <a:shade val="18000"/>
+                <a:satMod val="160000"/>
+                <a:lumMod val="28000"/>
+              </a:schemeClr>
+              <a:schemeClr val="bg2">
+                <a:tint val="95000"/>
+                <a:satMod val="160000"/>
+                <a:lumMod val="116000"/>
+              </a:schemeClr>
+            </a:duotone>
+          </a:blip>
+          <a:stretch/>
+        </a:blipFill>
+        <a:effectLst/>
+      </p:bgPr>
+    </p:bg>
+    <p:spTree>
+      <p:nvGrpSpPr>
+        <p:cNvPr id="1" name=""/>
+        <p:cNvGrpSpPr/>
+        <p:nvPr/>
+      </p:nvGrpSpPr>
+      <p:grpSpPr>
+        <a:xfrm>
+          <a:off x="0" y="0"/>
+          <a:ext cx="0" cy="0"/>
+          <a:chOff x="0" y="0"/>
+          <a:chExt cx="0" cy="0"/>
+        </a:xfrm>
+      </p:grpSpPr>
+      <p:sp>
+        <p:nvSpPr>
+          <p:cNvPr id="2" name="タイトル 1">
+            <a:extLst>
+              <a:ext uri="{FF2B5EF4-FFF2-40B4-BE49-F238E27FC236}">
+                <a16:creationId xmlns:a16="http://schemas.microsoft.com/office/drawing/2014/main" id="{5F7ED61C-CFDE-4E36-83DA-AC8038A3BDE3}"/>
+              </a:ext>
+            </a:extLst>
+          </p:cNvPr>
+          <p:cNvSpPr>
+            <a:spLocks noGrp="1"/>
+          </p:cNvSpPr>
+          <p:nvPr>
+            <p:ph type="title"/>
+          </p:nvPr>
+        </p:nvSpPr>
+        <p:spPr>
+          <a:xfrm>
+            <a:off x="657227" y="4537711"/>
+            <a:ext cx="10844964" cy="1118371"/>
+          </a:xfrm>
+        </p:spPr>
+        <p:txBody>
+          <a:bodyPr>
+            <a:normAutofit/>
+          </a:bodyPr>
+          <a:lstStyle/>
+          <a:p>
+            <a:r>
+              <a:rPr lang="ja-JP" altLang="en-US" dirty="0"/>
+              <a:t>開発環境</a:t>
+            </a:r>
+            <a:endParaRPr kumimoji="1" lang="ja-JP" altLang="en-US" dirty="0"/>
+          </a:p>
+        </p:txBody>
+      </p:sp>
+      <p:graphicFrame>
+        <p:nvGraphicFramePr>
+          <p:cNvPr id="5" name="コンテンツ プレースホルダー 2">
+            <a:extLst>
+              <a:ext uri="{FF2B5EF4-FFF2-40B4-BE49-F238E27FC236}">
+                <a16:creationId xmlns:a16="http://schemas.microsoft.com/office/drawing/2014/main" id="{A9BEABDD-B704-4046-A319-DFF5D1164772}"/>
+              </a:ext>
+            </a:extLst>
+          </p:cNvPr>
+          <p:cNvGraphicFramePr>
+            <a:graphicFrameLocks noGrp="1"/>
+          </p:cNvGraphicFramePr>
+          <p:nvPr>
+            <p:ph idx="1"/>
+            <p:extLst>
+              <p:ext uri="{D42A27DB-BD31-4B8C-83A1-F6EECF244321}">
+                <p14:modId xmlns:p14="http://schemas.microsoft.com/office/powerpoint/2010/main" val="2123004921"/>
+              </p:ext>
+            </p:extLst>
+          </p:nvPr>
+        </p:nvGraphicFramePr>
+        <p:xfrm>
+          <a:off x="1147763" y="1103313"/>
+          <a:ext cx="9886950" cy="2651125"/>
+        </p:xfrm>
+        <a:graphic>
+          <a:graphicData uri="http://schemas.openxmlformats.org/drawingml/2006/diagram">
+            <dgm:relIds xmlns:dgm="http://schemas.openxmlformats.org/drawingml/2006/diagram" xmlns:r="http://schemas.openxmlformats.org/officeDocument/2006/relationships" r:dm="rId3" r:lo="rId4" r:qs="rId5" r:cs="rId6"/>
+          </a:graphicData>
+        </a:graphic>
+      </p:graphicFrame>
+    </p:spTree>
+    <p:extLst>
+      <p:ext uri="{BB962C8B-B14F-4D97-AF65-F5344CB8AC3E}">
+        <p14:creationId xmlns:p14="http://schemas.microsoft.com/office/powerpoint/2010/main" val="3709188043"/>
+      </p:ext>
+    </p:extLst>
+  </p:cSld>
+  <p:clrMapOvr>
+    <a:masterClrMapping/>
+  </p:clrMapOvr>
+</p:sld>
+</file>
+
+<file path=ppt/slides/slide7.xml><?xml version="1.0" encoding="utf-8"?>
+<p:sld xmlns:a="http://schemas.openxmlformats.org/drawingml/2006/main" xmlns:r="http://schemas.openxmlformats.org/officeDocument/2006/relationships" xmlns:p="http://schemas.openxmlformats.org/presentationml/2006/main">
+  <p:cSld>
+    <p:bg>
+      <p:bgPr>
+        <a:blipFill rotWithShape="1">
+          <a:blip r:embed="rId2">
+            <a:duotone>
+              <a:schemeClr val="bg2">
+                <a:shade val="18000"/>
+                <a:satMod val="160000"/>
+                <a:lumMod val="28000"/>
+              </a:schemeClr>
+              <a:schemeClr val="bg2">
+                <a:tint val="95000"/>
+                <a:satMod val="160000"/>
+                <a:lumMod val="116000"/>
+              </a:schemeClr>
+            </a:duotone>
+          </a:blip>
+          <a:stretch/>
+        </a:blipFill>
+        <a:effectLst/>
+      </p:bgPr>
+    </p:bg>
+    <p:spTree>
+      <p:nvGrpSpPr>
+        <p:cNvPr id="1" name=""/>
+        <p:cNvGrpSpPr/>
+        <p:nvPr/>
+      </p:nvGrpSpPr>
+      <p:grpSpPr>
+        <a:xfrm>
+          <a:off x="0" y="0"/>
+          <a:ext cx="0" cy="0"/>
+          <a:chOff x="0" y="0"/>
+          <a:chExt cx="0" cy="0"/>
+        </a:xfrm>
+      </p:grpSpPr>
+      <p:sp>
+        <p:nvSpPr>
+          <p:cNvPr id="2" name="タイトル 1">
+            <a:extLst>
+              <a:ext uri="{FF2B5EF4-FFF2-40B4-BE49-F238E27FC236}">
+                <a16:creationId xmlns:a16="http://schemas.microsoft.com/office/drawing/2014/main" id="{5F7ED61C-CFDE-4E36-83DA-AC8038A3BDE3}"/>
+              </a:ext>
+            </a:extLst>
+          </p:cNvPr>
+          <p:cNvSpPr>
+            <a:spLocks noGrp="1"/>
+          </p:cNvSpPr>
+          <p:nvPr>
+            <p:ph type="title"/>
+          </p:nvPr>
+        </p:nvSpPr>
+        <p:spPr>
+          <a:xfrm>
+            <a:off x="913796" y="927100"/>
+            <a:ext cx="3418766" cy="4616450"/>
+          </a:xfrm>
+        </p:spPr>
+        <p:txBody>
+          <a:bodyPr>
+            <a:normAutofit/>
+          </a:bodyPr>
+          <a:lstStyle/>
+          <a:p>
+            <a:r>
+              <a:rPr lang="ja-JP" altLang="en-US" dirty="0"/>
+              <a:t>作品の特徴</a:t>
+            </a:r>
+            <a:endParaRPr kumimoji="1" lang="ja-JP" altLang="en-US" dirty="0"/>
+          </a:p>
+        </p:txBody>
+      </p:sp>
+      <p:sp>
+        <p:nvSpPr>
+          <p:cNvPr id="3" name="コンテンツ プレースホルダー 2">
+            <a:extLst>
+              <a:ext uri="{FF2B5EF4-FFF2-40B4-BE49-F238E27FC236}">
+                <a16:creationId xmlns:a16="http://schemas.microsoft.com/office/drawing/2014/main" id="{EF58AAAE-0478-4367-A190-D93BF7BB723D}"/>
+              </a:ext>
+            </a:extLst>
+          </p:cNvPr>
+          <p:cNvSpPr>
+            <a:spLocks noGrp="1"/>
+          </p:cNvSpPr>
+          <p:nvPr>
+            <p:ph idx="1"/>
+          </p:nvPr>
+        </p:nvSpPr>
+        <p:spPr>
+          <a:xfrm>
+            <a:off x="4976029" y="971549"/>
+            <a:ext cx="6291528" cy="4616450"/>
+          </a:xfrm>
+        </p:spPr>
+        <p:txBody>
+          <a:bodyPr anchor="ctr">
+            <a:normAutofit/>
+          </a:bodyPr>
+          <a:lstStyle/>
+          <a:p>
+            <a:r>
+              <a:rPr kumimoji="1" lang="ja-JP" altLang="en-US" dirty="0">
+                <a:effectLst/>
+                <a:latin typeface="+mn-ea"/>
+              </a:rPr>
+              <a:t>チームワーク</a:t>
+            </a:r>
+            <a:endParaRPr kumimoji="1" lang="en-US" altLang="ja-JP" dirty="0">
+              <a:effectLst/>
+              <a:latin typeface="+mn-ea"/>
+            </a:endParaRPr>
+          </a:p>
+          <a:p>
+            <a:r>
+              <a:rPr lang="ja-JP" altLang="en-US" dirty="0">
+                <a:effectLst/>
+                <a:latin typeface="+mn-ea"/>
+              </a:rPr>
+              <a:t>レスポンシプ</a:t>
+            </a:r>
+            <a:r>
+              <a:rPr lang="en-US" altLang="ja-JP" dirty="0">
+                <a:effectLst/>
+                <a:latin typeface="+mn-ea"/>
+              </a:rPr>
+              <a:t>WEB</a:t>
+            </a:r>
+            <a:r>
+              <a:rPr lang="ja-JP" altLang="en-US" dirty="0">
+                <a:effectLst/>
+                <a:latin typeface="+mn-ea"/>
+              </a:rPr>
+              <a:t>デザイン</a:t>
+            </a:r>
+            <a:endParaRPr lang="en-US" altLang="ja-JP" dirty="0">
+              <a:effectLst/>
+              <a:latin typeface="+mn-ea"/>
+            </a:endParaRPr>
+          </a:p>
+        </p:txBody>
+      </p:sp>
+    </p:spTree>
+    <p:extLst>
+      <p:ext uri="{BB962C8B-B14F-4D97-AF65-F5344CB8AC3E}">
+        <p14:creationId xmlns:p14="http://schemas.microsoft.com/office/powerpoint/2010/main" val="811437748"/>
+      </p:ext>
+    </p:extLst>
+  </p:cSld>
+  <p:clrMapOvr>
+    <a:masterClrMapping/>
+  </p:clrMapOvr>
+</p:sld>
+</file>
+
 <file path=ppt/slides/slide8.xml><?xml version="1.0" encoding="utf-8"?>
 <p:sld xmlns:a="http://schemas.openxmlformats.org/drawingml/2006/main" xmlns:r="http://schemas.openxmlformats.org/officeDocument/2006/relationships" xmlns:p="http://schemas.openxmlformats.org/presentationml/2006/main">
   <p:cSld>
@@ -16432,66 +16212,6 @@
           <a:chExt cx="0" cy="0"/>
         </a:xfrm>
       </p:grpSpPr>
-      <p:sp useBgFill="1">
-        <p:nvSpPr>
-          <p:cNvPr id="7" name="Rectangle 6">
-            <a:extLst>
-              <a:ext uri="{FF2B5EF4-FFF2-40B4-BE49-F238E27FC236}">
-                <a16:creationId xmlns:a16="http://schemas.microsoft.com/office/drawing/2014/main" id="{46DBB1A9-22FF-46E7-97B9-AE54774753DD}"/>
-              </a:ext>
-              <a:ext uri="{C183D7F6-B498-43B3-948B-1728B52AA6E4}">
-                <adec:decorative xmlns:adec="http://schemas.microsoft.com/office/drawing/2017/decorative" val="1"/>
-              </a:ext>
-            </a:extLst>
-          </p:cNvPr>
-          <p:cNvSpPr>
-            <a:spLocks noGrp="1" noRot="1" noChangeAspect="1" noMove="1" noResize="1" noEditPoints="1" noAdjustHandles="1" noChangeArrowheads="1" noChangeShapeType="1" noTextEdit="1"/>
-          </p:cNvSpPr>
-          <p:nvPr>
-            <p:extLst>
-              <p:ext uri="{386F3935-93C4-4BCD-93E2-E3B085C9AB24}">
-                <p16:designElem xmlns:p16="http://schemas.microsoft.com/office/powerpoint/2015/main" val="1"/>
-              </p:ext>
-            </p:extLst>
-          </p:nvPr>
-        </p:nvSpPr>
-        <p:spPr>
-          <a:xfrm>
-            <a:off x="0" y="0"/>
-            <a:ext cx="12192000" cy="6858000"/>
-          </a:xfrm>
-          <a:prstGeom prst="rect">
-            <a:avLst/>
-          </a:prstGeom>
-          <a:ln>
-            <a:noFill/>
-          </a:ln>
-        </p:spPr>
-        <p:style>
-          <a:lnRef idx="2">
-            <a:schemeClr val="accent1">
-              <a:shade val="50000"/>
-            </a:schemeClr>
-          </a:lnRef>
-          <a:fillRef idx="1">
-            <a:schemeClr val="accent1"/>
-          </a:fillRef>
-          <a:effectRef idx="0">
-            <a:schemeClr val="accent1"/>
-          </a:effectRef>
-          <a:fontRef idx="minor">
-            <a:schemeClr val="lt1"/>
-          </a:fontRef>
-        </p:style>
-        <p:txBody>
-          <a:bodyPr rtlCol="0" anchor="ctr"/>
-          <a:lstStyle/>
-          <a:p>
-            <a:pPr algn="ctr"/>
-            <a:endParaRPr lang="en-US"/>
-          </a:p>
-        </p:txBody>
-      </p:sp>
       <p:sp>
         <p:nvSpPr>
           <p:cNvPr id="2" name="タイトル 1">
@@ -16510,8 +16230,8 @@
         </p:nvSpPr>
         <p:spPr>
           <a:xfrm>
-            <a:off x="1282703" y="1289888"/>
-            <a:ext cx="5854698" cy="4278224"/>
+            <a:off x="1409163" y="949420"/>
+            <a:ext cx="9135620" cy="4278224"/>
           </a:xfrm>
         </p:spPr>
         <p:txBody>
@@ -16522,65 +16242,13 @@
           <a:p>
             <a:pPr algn="r"/>
             <a:r>
-              <a:rPr lang="ja-JP" altLang="en-US" sz="5400"/>
+              <a:rPr lang="ja-JP" altLang="en-US" sz="5400" dirty="0"/>
               <a:t>ご視聴ありがとうございました</a:t>
             </a:r>
-            <a:endParaRPr kumimoji="1" lang="en-US" altLang="ja-JP" sz="5400"/>
+            <a:endParaRPr kumimoji="1" lang="en-US" altLang="ja-JP" sz="5400" dirty="0"/>
           </a:p>
         </p:txBody>
       </p:sp>
-      <p:cxnSp>
-        <p:nvCxnSpPr>
-          <p:cNvPr id="9" name="Straight Connector 8">
-            <a:extLst>
-              <a:ext uri="{FF2B5EF4-FFF2-40B4-BE49-F238E27FC236}">
-                <a16:creationId xmlns:a16="http://schemas.microsoft.com/office/drawing/2014/main" id="{3A1AAD47-56AD-4EE6-A88C-981D060DC2D6}"/>
-              </a:ext>
-              <a:ext uri="{C183D7F6-B498-43B3-948B-1728B52AA6E4}">
-                <adec:decorative xmlns:adec="http://schemas.microsoft.com/office/drawing/2017/decorative" val="1"/>
-              </a:ext>
-            </a:extLst>
-          </p:cNvPr>
-          <p:cNvCxnSpPr>
-            <a:cxnSpLocks noGrp="1" noRot="1" noChangeAspect="1" noMove="1" noResize="1" noEditPoints="1" noAdjustHandles="1" noChangeArrowheads="1" noChangeShapeType="1"/>
-          </p:cNvCxnSpPr>
-          <p:nvPr>
-            <p:extLst>
-              <p:ext uri="{386F3935-93C4-4BCD-93E2-E3B085C9AB24}">
-                <p16:designElem xmlns:p16="http://schemas.microsoft.com/office/powerpoint/2015/main" val="1"/>
-              </p:ext>
-            </p:extLst>
-          </p:nvPr>
-        </p:nvCxnSpPr>
-        <p:spPr>
-          <a:xfrm>
-            <a:off x="7527811" y="2473325"/>
-            <a:ext cx="0" cy="1911350"/>
-          </a:xfrm>
-          <a:prstGeom prst="line">
-            <a:avLst/>
-          </a:prstGeom>
-          <a:ln>
-            <a:solidFill>
-              <a:schemeClr val="tx2"/>
-            </a:solidFill>
-          </a:ln>
-        </p:spPr>
-        <p:style>
-          <a:lnRef idx="1">
-            <a:schemeClr val="accent1"/>
-          </a:lnRef>
-          <a:fillRef idx="0">
-            <a:schemeClr val="accent1"/>
-          </a:fillRef>
-          <a:effectRef idx="0">
-            <a:schemeClr val="accent1"/>
-          </a:effectRef>
-          <a:fontRef idx="minor">
-            <a:schemeClr val="tx1"/>
-          </a:fontRef>
-        </p:style>
-      </p:cxnSp>
     </p:spTree>
     <p:extLst>
       <p:ext uri="{BB962C8B-B14F-4D97-AF65-F5344CB8AC3E}">
@@ -16683,83 +16351,6 @@
       <p:bldP spid="2" grpId="0"/>
     </p:bldLst>
   </p:timing>
-</p:sld>
-</file>
-
-<file path=ppt/slides/slide9.xml><?xml version="1.0" encoding="utf-8"?>
-<p:sld xmlns:a="http://schemas.openxmlformats.org/drawingml/2006/main" xmlns:r="http://schemas.openxmlformats.org/officeDocument/2006/relationships" xmlns:p="http://schemas.openxmlformats.org/presentationml/2006/main">
-  <p:cSld>
-    <p:spTree>
-      <p:nvGrpSpPr>
-        <p:cNvPr id="1" name=""/>
-        <p:cNvGrpSpPr/>
-        <p:nvPr/>
-      </p:nvGrpSpPr>
-      <p:grpSpPr>
-        <a:xfrm>
-          <a:off x="0" y="0"/>
-          <a:ext cx="0" cy="0"/>
-          <a:chOff x="0" y="0"/>
-          <a:chExt cx="0" cy="0"/>
-        </a:xfrm>
-      </p:grpSpPr>
-      <p:pic>
-        <p:nvPicPr>
-          <p:cNvPr id="1026" name="Picture 2" descr="画像">
-            <a:extLst>
-              <a:ext uri="{FF2B5EF4-FFF2-40B4-BE49-F238E27FC236}">
-                <a16:creationId xmlns:a16="http://schemas.microsoft.com/office/drawing/2014/main" id="{357E66F7-6EFC-4A4A-BE9E-6F8F109D5FA9}"/>
-              </a:ext>
-            </a:extLst>
-          </p:cNvPr>
-          <p:cNvPicPr>
-            <a:picLocks noChangeAspect="1" noChangeArrowheads="1"/>
-          </p:cNvPicPr>
-          <p:nvPr/>
-        </p:nvPicPr>
-        <p:blipFill>
-          <a:blip r:embed="rId2">
-            <a:extLst>
-              <a:ext uri="{28A0092B-C50C-407E-A947-70E740481C1C}">
-                <a14:useLocalDpi xmlns:a14="http://schemas.microsoft.com/office/drawing/2010/main" val="0"/>
-              </a:ext>
-            </a:extLst>
-          </a:blip>
-          <a:srcRect/>
-          <a:stretch>
-            <a:fillRect/>
-          </a:stretch>
-        </p:blipFill>
-        <p:spPr bwMode="auto">
-          <a:xfrm>
-            <a:off x="4305300" y="38100"/>
-            <a:ext cx="3581400" cy="6781800"/>
-          </a:xfrm>
-          <a:prstGeom prst="rect">
-            <a:avLst/>
-          </a:prstGeom>
-          <a:noFill/>
-          <a:extLst>
-            <a:ext uri="{909E8E84-426E-40DD-AFC4-6F175D3DCCD1}">
-              <a14:hiddenFill xmlns:a14="http://schemas.microsoft.com/office/drawing/2010/main">
-                <a:solidFill>
-                  <a:srgbClr val="FFFFFF"/>
-                </a:solidFill>
-              </a14:hiddenFill>
-            </a:ext>
-          </a:extLst>
-        </p:spPr>
-      </p:pic>
-    </p:spTree>
-    <p:extLst>
-      <p:ext uri="{BB962C8B-B14F-4D97-AF65-F5344CB8AC3E}">
-        <p14:creationId xmlns:p14="http://schemas.microsoft.com/office/powerpoint/2010/main" val="1144572258"/>
-      </p:ext>
-    </p:extLst>
-  </p:cSld>
-  <p:clrMapOvr>
-    <a:masterClrMapping/>
-  </p:clrMapOvr>
 </p:sld>
 </file>
 
